--- a/myweb/doc/UI 설계 문서.pptx
+++ b/myweb/doc/UI 설계 문서.pptx
@@ -262,7 +262,7 @@
           <a:p>
             <a:fld id="{51CB5324-FCE8-43B6-B87E-1721588B80C7}" type="datetimeFigureOut">
               <a:rPr lang="ko-KR" altLang="en-US" smtClean="0"/>
-              <a:t>2021-08-15</a:t>
+              <a:t>2021-08-19</a:t>
             </a:fld>
             <a:endParaRPr lang="ko-KR" altLang="en-US"/>
           </a:p>
@@ -460,7 +460,7 @@
           <a:p>
             <a:fld id="{51CB5324-FCE8-43B6-B87E-1721588B80C7}" type="datetimeFigureOut">
               <a:rPr lang="ko-KR" altLang="en-US" smtClean="0"/>
-              <a:t>2021-08-15</a:t>
+              <a:t>2021-08-19</a:t>
             </a:fld>
             <a:endParaRPr lang="ko-KR" altLang="en-US"/>
           </a:p>
@@ -668,7 +668,7 @@
           <a:p>
             <a:fld id="{51CB5324-FCE8-43B6-B87E-1721588B80C7}" type="datetimeFigureOut">
               <a:rPr lang="ko-KR" altLang="en-US" smtClean="0"/>
-              <a:t>2021-08-15</a:t>
+              <a:t>2021-08-19</a:t>
             </a:fld>
             <a:endParaRPr lang="ko-KR" altLang="en-US"/>
           </a:p>
@@ -866,7 +866,7 @@
           <a:p>
             <a:fld id="{51CB5324-FCE8-43B6-B87E-1721588B80C7}" type="datetimeFigureOut">
               <a:rPr lang="ko-KR" altLang="en-US" smtClean="0"/>
-              <a:t>2021-08-15</a:t>
+              <a:t>2021-08-19</a:t>
             </a:fld>
             <a:endParaRPr lang="ko-KR" altLang="en-US"/>
           </a:p>
@@ -1141,7 +1141,7 @@
           <a:p>
             <a:fld id="{51CB5324-FCE8-43B6-B87E-1721588B80C7}" type="datetimeFigureOut">
               <a:rPr lang="ko-KR" altLang="en-US" smtClean="0"/>
-              <a:t>2021-08-15</a:t>
+              <a:t>2021-08-19</a:t>
             </a:fld>
             <a:endParaRPr lang="ko-KR" altLang="en-US"/>
           </a:p>
@@ -1406,7 +1406,7 @@
           <a:p>
             <a:fld id="{51CB5324-FCE8-43B6-B87E-1721588B80C7}" type="datetimeFigureOut">
               <a:rPr lang="ko-KR" altLang="en-US" smtClean="0"/>
-              <a:t>2021-08-15</a:t>
+              <a:t>2021-08-19</a:t>
             </a:fld>
             <a:endParaRPr lang="ko-KR" altLang="en-US"/>
           </a:p>
@@ -1818,7 +1818,7 @@
           <a:p>
             <a:fld id="{51CB5324-FCE8-43B6-B87E-1721588B80C7}" type="datetimeFigureOut">
               <a:rPr lang="ko-KR" altLang="en-US" smtClean="0"/>
-              <a:t>2021-08-15</a:t>
+              <a:t>2021-08-19</a:t>
             </a:fld>
             <a:endParaRPr lang="ko-KR" altLang="en-US"/>
           </a:p>
@@ -1959,7 +1959,7 @@
           <a:p>
             <a:fld id="{51CB5324-FCE8-43B6-B87E-1721588B80C7}" type="datetimeFigureOut">
               <a:rPr lang="ko-KR" altLang="en-US" smtClean="0"/>
-              <a:t>2021-08-15</a:t>
+              <a:t>2021-08-19</a:t>
             </a:fld>
             <a:endParaRPr lang="ko-KR" altLang="en-US"/>
           </a:p>
@@ -2072,7 +2072,7 @@
           <a:p>
             <a:fld id="{51CB5324-FCE8-43B6-B87E-1721588B80C7}" type="datetimeFigureOut">
               <a:rPr lang="ko-KR" altLang="en-US" smtClean="0"/>
-              <a:t>2021-08-15</a:t>
+              <a:t>2021-08-19</a:t>
             </a:fld>
             <a:endParaRPr lang="ko-KR" altLang="en-US"/>
           </a:p>
@@ -2383,7 +2383,7 @@
           <a:p>
             <a:fld id="{51CB5324-FCE8-43B6-B87E-1721588B80C7}" type="datetimeFigureOut">
               <a:rPr lang="ko-KR" altLang="en-US" smtClean="0"/>
-              <a:t>2021-08-15</a:t>
+              <a:t>2021-08-19</a:t>
             </a:fld>
             <a:endParaRPr lang="ko-KR" altLang="en-US"/>
           </a:p>
@@ -2671,7 +2671,7 @@
           <a:p>
             <a:fld id="{51CB5324-FCE8-43B6-B87E-1721588B80C7}" type="datetimeFigureOut">
               <a:rPr lang="ko-KR" altLang="en-US" smtClean="0"/>
-              <a:t>2021-08-15</a:t>
+              <a:t>2021-08-19</a:t>
             </a:fld>
             <a:endParaRPr lang="ko-KR" altLang="en-US"/>
           </a:p>
@@ -2912,7 +2912,7 @@
           <a:p>
             <a:fld id="{51CB5324-FCE8-43B6-B87E-1721588B80C7}" type="datetimeFigureOut">
               <a:rPr lang="ko-KR" altLang="en-US" smtClean="0"/>
-              <a:t>2021-08-15</a:t>
+              <a:t>2021-08-19</a:t>
             </a:fld>
             <a:endParaRPr lang="ko-KR" altLang="en-US"/>
           </a:p>
@@ -3461,7 +3461,7 @@
         </p:nvSpPr>
         <p:spPr>
           <a:xfrm>
-            <a:off x="1384300" y="1803400"/>
+            <a:off x="5137150" y="1880791"/>
             <a:ext cx="1917700" cy="711200"/>
           </a:xfrm>
           <a:prstGeom prst="roundRect">
@@ -3510,12 +3510,17 @@
         </p:nvSpPr>
         <p:spPr>
           <a:xfrm>
-            <a:off x="4178300" y="3429000"/>
-            <a:ext cx="1917700" cy="711200"/>
+            <a:off x="736600" y="3392487"/>
+            <a:ext cx="2984500" cy="711200"/>
           </a:xfrm>
           <a:prstGeom prst="roundRect">
             <a:avLst/>
           </a:prstGeom>
+          <a:solidFill>
+            <a:schemeClr val="bg1">
+              <a:lumMod val="75000"/>
+            </a:schemeClr>
+          </a:solidFill>
         </p:spPr>
         <p:style>
           <a:lnRef idx="2">
@@ -3538,11 +3543,713 @@
             <a:pPr algn="ctr"/>
             <a:r>
               <a:rPr lang="ko-KR" altLang="en-US" dirty="0"/>
-              <a:t>메인 페이지</a:t>
-            </a:r>
-          </a:p>
-        </p:txBody>
-      </p:sp>
+              <a:t>주변 </a:t>
+            </a:r>
+            <a:r>
+              <a:rPr lang="ko-KR" altLang="en-US" dirty="0" err="1"/>
+              <a:t>방탈출</a:t>
+            </a:r>
+            <a:r>
+              <a:rPr lang="ko-KR" altLang="en-US" dirty="0"/>
+              <a:t> 검색 페이지</a:t>
+            </a:r>
+          </a:p>
+        </p:txBody>
+      </p:sp>
+      <p:sp>
+        <p:nvSpPr>
+          <p:cNvPr id="6" name="사각형: 둥근 모서리 5">
+            <a:extLst>
+              <a:ext uri="{FF2B5EF4-FFF2-40B4-BE49-F238E27FC236}">
+                <a16:creationId xmlns:a16="http://schemas.microsoft.com/office/drawing/2014/main" id="{DFB7020D-7FE1-4F82-A5D9-524E5B3882A4}"/>
+              </a:ext>
+            </a:extLst>
+          </p:cNvPr>
+          <p:cNvSpPr/>
+          <p:nvPr/>
+        </p:nvSpPr>
+        <p:spPr>
+          <a:xfrm>
+            <a:off x="4597400" y="3392487"/>
+            <a:ext cx="2984500" cy="711200"/>
+          </a:xfrm>
+          <a:prstGeom prst="roundRect">
+            <a:avLst/>
+          </a:prstGeom>
+          <a:solidFill>
+            <a:schemeClr val="bg1">
+              <a:lumMod val="75000"/>
+            </a:schemeClr>
+          </a:solidFill>
+        </p:spPr>
+        <p:style>
+          <a:lnRef idx="2">
+            <a:schemeClr val="dk1"/>
+          </a:lnRef>
+          <a:fillRef idx="1">
+            <a:schemeClr val="lt1"/>
+          </a:fillRef>
+          <a:effectRef idx="0">
+            <a:schemeClr val="dk1"/>
+          </a:effectRef>
+          <a:fontRef idx="minor">
+            <a:schemeClr val="dk1"/>
+          </a:fontRef>
+        </p:style>
+        <p:txBody>
+          <a:bodyPr rtlCol="0" anchor="ctr"/>
+          <a:lstStyle/>
+          <a:p>
+            <a:pPr algn="ctr"/>
+            <a:r>
+              <a:rPr lang="ko-KR" altLang="en-US" dirty="0" err="1"/>
+              <a:t>방탈출</a:t>
+            </a:r>
+            <a:r>
+              <a:rPr lang="ko-KR" altLang="en-US" dirty="0"/>
+              <a:t> 즉석 모임 페이지</a:t>
+            </a:r>
+          </a:p>
+        </p:txBody>
+      </p:sp>
+      <p:sp>
+        <p:nvSpPr>
+          <p:cNvPr id="7" name="사각형: 둥근 모서리 6">
+            <a:extLst>
+              <a:ext uri="{FF2B5EF4-FFF2-40B4-BE49-F238E27FC236}">
+                <a16:creationId xmlns:a16="http://schemas.microsoft.com/office/drawing/2014/main" id="{FD240A75-C91E-4958-BEB4-776F94C6EFBD}"/>
+              </a:ext>
+            </a:extLst>
+          </p:cNvPr>
+          <p:cNvSpPr/>
+          <p:nvPr/>
+        </p:nvSpPr>
+        <p:spPr>
+          <a:xfrm>
+            <a:off x="8458200" y="3392487"/>
+            <a:ext cx="2984500" cy="711200"/>
+          </a:xfrm>
+          <a:prstGeom prst="roundRect">
+            <a:avLst/>
+          </a:prstGeom>
+          <a:solidFill>
+            <a:schemeClr val="bg1">
+              <a:lumMod val="75000"/>
+            </a:schemeClr>
+          </a:solidFill>
+        </p:spPr>
+        <p:style>
+          <a:lnRef idx="2">
+            <a:schemeClr val="dk1"/>
+          </a:lnRef>
+          <a:fillRef idx="1">
+            <a:schemeClr val="lt1"/>
+          </a:fillRef>
+          <a:effectRef idx="0">
+            <a:schemeClr val="dk1"/>
+          </a:effectRef>
+          <a:fontRef idx="minor">
+            <a:schemeClr val="dk1"/>
+          </a:fontRef>
+        </p:style>
+        <p:txBody>
+          <a:bodyPr rtlCol="0" anchor="ctr"/>
+          <a:lstStyle/>
+          <a:p>
+            <a:pPr algn="ctr"/>
+            <a:r>
+              <a:rPr lang="ko-KR" altLang="en-US" dirty="0" err="1"/>
+              <a:t>방탈출</a:t>
+            </a:r>
+            <a:r>
+              <a:rPr lang="ko-KR" altLang="en-US" dirty="0"/>
+              <a:t> 후기 페이지</a:t>
+            </a:r>
+          </a:p>
+        </p:txBody>
+      </p:sp>
+      <p:cxnSp>
+        <p:nvCxnSpPr>
+          <p:cNvPr id="13" name="연결선: 꺾임 12">
+            <a:extLst>
+              <a:ext uri="{FF2B5EF4-FFF2-40B4-BE49-F238E27FC236}">
+                <a16:creationId xmlns:a16="http://schemas.microsoft.com/office/drawing/2014/main" id="{0A5A4016-28E5-46DB-9320-8850FE1DAA62}"/>
+              </a:ext>
+            </a:extLst>
+          </p:cNvPr>
+          <p:cNvCxnSpPr>
+            <a:cxnSpLocks/>
+            <a:stCxn id="4" idx="1"/>
+            <a:endCxn id="5" idx="0"/>
+          </p:cNvCxnSpPr>
+          <p:nvPr/>
+        </p:nvCxnSpPr>
+        <p:spPr>
+          <a:xfrm rot="10800000" flipV="1">
+            <a:off x="2228850" y="2236391"/>
+            <a:ext cx="2908300" cy="1156096"/>
+          </a:xfrm>
+          <a:prstGeom prst="bentConnector2">
+            <a:avLst/>
+          </a:prstGeom>
+          <a:ln>
+            <a:tailEnd type="triangle"/>
+          </a:ln>
+        </p:spPr>
+        <p:style>
+          <a:lnRef idx="1">
+            <a:schemeClr val="dk1"/>
+          </a:lnRef>
+          <a:fillRef idx="0">
+            <a:schemeClr val="dk1"/>
+          </a:fillRef>
+          <a:effectRef idx="0">
+            <a:schemeClr val="dk1"/>
+          </a:effectRef>
+          <a:fontRef idx="minor">
+            <a:schemeClr val="tx1"/>
+          </a:fontRef>
+        </p:style>
+      </p:cxnSp>
+      <p:cxnSp>
+        <p:nvCxnSpPr>
+          <p:cNvPr id="21" name="직선 화살표 연결선 20">
+            <a:extLst>
+              <a:ext uri="{FF2B5EF4-FFF2-40B4-BE49-F238E27FC236}">
+                <a16:creationId xmlns:a16="http://schemas.microsoft.com/office/drawing/2014/main" id="{5F1D8199-1A0C-4CAE-9279-909CC0B3F5B3}"/>
+              </a:ext>
+            </a:extLst>
+          </p:cNvPr>
+          <p:cNvCxnSpPr>
+            <a:cxnSpLocks/>
+            <a:stCxn id="4" idx="2"/>
+            <a:endCxn id="6" idx="0"/>
+          </p:cNvCxnSpPr>
+          <p:nvPr/>
+        </p:nvCxnSpPr>
+        <p:spPr>
+          <a:xfrm flipH="1">
+            <a:off x="6089650" y="2591991"/>
+            <a:ext cx="6350" cy="800496"/>
+          </a:xfrm>
+          <a:prstGeom prst="straightConnector1">
+            <a:avLst/>
+          </a:prstGeom>
+          <a:ln>
+            <a:tailEnd type="triangle"/>
+          </a:ln>
+        </p:spPr>
+        <p:style>
+          <a:lnRef idx="1">
+            <a:schemeClr val="dk1"/>
+          </a:lnRef>
+          <a:fillRef idx="0">
+            <a:schemeClr val="dk1"/>
+          </a:fillRef>
+          <a:effectRef idx="0">
+            <a:schemeClr val="dk1"/>
+          </a:effectRef>
+          <a:fontRef idx="minor">
+            <a:schemeClr val="tx1"/>
+          </a:fontRef>
+        </p:style>
+      </p:cxnSp>
+      <p:cxnSp>
+        <p:nvCxnSpPr>
+          <p:cNvPr id="23" name="연결선: 꺾임 22">
+            <a:extLst>
+              <a:ext uri="{FF2B5EF4-FFF2-40B4-BE49-F238E27FC236}">
+                <a16:creationId xmlns:a16="http://schemas.microsoft.com/office/drawing/2014/main" id="{A5EB280D-9467-4CE1-8E79-F2CCBF317482}"/>
+              </a:ext>
+            </a:extLst>
+          </p:cNvPr>
+          <p:cNvCxnSpPr>
+            <a:cxnSpLocks/>
+            <a:stCxn id="4" idx="3"/>
+            <a:endCxn id="7" idx="0"/>
+          </p:cNvCxnSpPr>
+          <p:nvPr/>
+        </p:nvCxnSpPr>
+        <p:spPr>
+          <a:xfrm>
+            <a:off x="7054850" y="2236391"/>
+            <a:ext cx="2895600" cy="1156096"/>
+          </a:xfrm>
+          <a:prstGeom prst="bentConnector2">
+            <a:avLst/>
+          </a:prstGeom>
+          <a:ln>
+            <a:tailEnd type="triangle"/>
+          </a:ln>
+        </p:spPr>
+        <p:style>
+          <a:lnRef idx="1">
+            <a:schemeClr val="dk1"/>
+          </a:lnRef>
+          <a:fillRef idx="0">
+            <a:schemeClr val="dk1"/>
+          </a:fillRef>
+          <a:effectRef idx="0">
+            <a:schemeClr val="dk1"/>
+          </a:effectRef>
+          <a:fontRef idx="minor">
+            <a:schemeClr val="tx1"/>
+          </a:fontRef>
+        </p:style>
+      </p:cxnSp>
+      <p:sp>
+        <p:nvSpPr>
+          <p:cNvPr id="10" name="사각형: 둥근 모서리 9">
+            <a:extLst>
+              <a:ext uri="{FF2B5EF4-FFF2-40B4-BE49-F238E27FC236}">
+                <a16:creationId xmlns:a16="http://schemas.microsoft.com/office/drawing/2014/main" id="{BA16D44B-0142-4392-B2D7-84471AE87D27}"/>
+              </a:ext>
+            </a:extLst>
+          </p:cNvPr>
+          <p:cNvSpPr/>
+          <p:nvPr/>
+        </p:nvSpPr>
+        <p:spPr>
+          <a:xfrm>
+            <a:off x="9124950" y="4495800"/>
+            <a:ext cx="1651000" cy="711200"/>
+          </a:xfrm>
+          <a:prstGeom prst="roundRect">
+            <a:avLst/>
+          </a:prstGeom>
+          <a:solidFill>
+            <a:schemeClr val="bg1"/>
+          </a:solidFill>
+        </p:spPr>
+        <p:style>
+          <a:lnRef idx="2">
+            <a:schemeClr val="dk1"/>
+          </a:lnRef>
+          <a:fillRef idx="1">
+            <a:schemeClr val="lt1"/>
+          </a:fillRef>
+          <a:effectRef idx="0">
+            <a:schemeClr val="dk1"/>
+          </a:effectRef>
+          <a:fontRef idx="minor">
+            <a:schemeClr val="dk1"/>
+          </a:fontRef>
+        </p:style>
+        <p:txBody>
+          <a:bodyPr rtlCol="0" anchor="ctr"/>
+          <a:lstStyle/>
+          <a:p>
+            <a:pPr algn="ctr"/>
+            <a:r>
+              <a:rPr lang="ko-KR" altLang="en-US"/>
+              <a:t>후기 열람</a:t>
+            </a:r>
+            <a:endParaRPr lang="ko-KR" altLang="en-US" dirty="0"/>
+          </a:p>
+        </p:txBody>
+      </p:sp>
+      <p:sp>
+        <p:nvSpPr>
+          <p:cNvPr id="18" name="사각형: 둥근 모서리 17">
+            <a:extLst>
+              <a:ext uri="{FF2B5EF4-FFF2-40B4-BE49-F238E27FC236}">
+                <a16:creationId xmlns:a16="http://schemas.microsoft.com/office/drawing/2014/main" id="{4418AAC9-1598-4441-9ED8-327CE7CC1337}"/>
+              </a:ext>
+            </a:extLst>
+          </p:cNvPr>
+          <p:cNvSpPr/>
+          <p:nvPr/>
+        </p:nvSpPr>
+        <p:spPr>
+          <a:xfrm>
+            <a:off x="1403350" y="4495800"/>
+            <a:ext cx="1651000" cy="711200"/>
+          </a:xfrm>
+          <a:prstGeom prst="roundRect">
+            <a:avLst/>
+          </a:prstGeom>
+          <a:solidFill>
+            <a:schemeClr val="bg1"/>
+          </a:solidFill>
+        </p:spPr>
+        <p:style>
+          <a:lnRef idx="2">
+            <a:schemeClr val="dk1"/>
+          </a:lnRef>
+          <a:fillRef idx="1">
+            <a:schemeClr val="lt1"/>
+          </a:fillRef>
+          <a:effectRef idx="0">
+            <a:schemeClr val="dk1"/>
+          </a:effectRef>
+          <a:fontRef idx="minor">
+            <a:schemeClr val="dk1"/>
+          </a:fontRef>
+        </p:style>
+        <p:txBody>
+          <a:bodyPr rtlCol="0" anchor="ctr"/>
+          <a:lstStyle/>
+          <a:p>
+            <a:pPr algn="ctr"/>
+            <a:r>
+              <a:rPr lang="ko-KR" altLang="en-US" dirty="0"/>
+              <a:t>키워드 검색</a:t>
+            </a:r>
+          </a:p>
+        </p:txBody>
+      </p:sp>
+      <p:sp>
+        <p:nvSpPr>
+          <p:cNvPr id="19" name="사각형: 둥근 모서리 18">
+            <a:extLst>
+              <a:ext uri="{FF2B5EF4-FFF2-40B4-BE49-F238E27FC236}">
+                <a16:creationId xmlns:a16="http://schemas.microsoft.com/office/drawing/2014/main" id="{BE986FD7-CA13-4FFA-89FE-791A6E2FF9AA}"/>
+              </a:ext>
+            </a:extLst>
+          </p:cNvPr>
+          <p:cNvSpPr/>
+          <p:nvPr/>
+        </p:nvSpPr>
+        <p:spPr>
+          <a:xfrm>
+            <a:off x="1403350" y="5599113"/>
+            <a:ext cx="1651000" cy="711200"/>
+          </a:xfrm>
+          <a:prstGeom prst="roundRect">
+            <a:avLst/>
+          </a:prstGeom>
+          <a:solidFill>
+            <a:schemeClr val="bg1"/>
+          </a:solidFill>
+        </p:spPr>
+        <p:style>
+          <a:lnRef idx="2">
+            <a:schemeClr val="dk1"/>
+          </a:lnRef>
+          <a:fillRef idx="1">
+            <a:schemeClr val="lt1"/>
+          </a:fillRef>
+          <a:effectRef idx="0">
+            <a:schemeClr val="dk1"/>
+          </a:effectRef>
+          <a:fontRef idx="minor">
+            <a:schemeClr val="dk1"/>
+          </a:fontRef>
+        </p:style>
+        <p:txBody>
+          <a:bodyPr rtlCol="0" anchor="ctr"/>
+          <a:lstStyle/>
+          <a:p>
+            <a:pPr algn="ctr"/>
+            <a:r>
+              <a:rPr lang="ko-KR" altLang="en-US" dirty="0"/>
+              <a:t>장소 보기</a:t>
+            </a:r>
+          </a:p>
+        </p:txBody>
+      </p:sp>
+      <p:sp>
+        <p:nvSpPr>
+          <p:cNvPr id="20" name="사각형: 둥근 모서리 19">
+            <a:extLst>
+              <a:ext uri="{FF2B5EF4-FFF2-40B4-BE49-F238E27FC236}">
+                <a16:creationId xmlns:a16="http://schemas.microsoft.com/office/drawing/2014/main" id="{376F5363-3976-46C3-AAB5-2C6FC7FCB9F0}"/>
+              </a:ext>
+            </a:extLst>
+          </p:cNvPr>
+          <p:cNvSpPr/>
+          <p:nvPr/>
+        </p:nvSpPr>
+        <p:spPr>
+          <a:xfrm>
+            <a:off x="6229352" y="4691856"/>
+            <a:ext cx="1651000" cy="711200"/>
+          </a:xfrm>
+          <a:prstGeom prst="roundRect">
+            <a:avLst/>
+          </a:prstGeom>
+          <a:solidFill>
+            <a:schemeClr val="bg1"/>
+          </a:solidFill>
+        </p:spPr>
+        <p:style>
+          <a:lnRef idx="2">
+            <a:schemeClr val="dk1"/>
+          </a:lnRef>
+          <a:fillRef idx="1">
+            <a:schemeClr val="lt1"/>
+          </a:fillRef>
+          <a:effectRef idx="0">
+            <a:schemeClr val="dk1"/>
+          </a:effectRef>
+          <a:fontRef idx="minor">
+            <a:schemeClr val="dk1"/>
+          </a:fontRef>
+        </p:style>
+        <p:txBody>
+          <a:bodyPr rtlCol="0" anchor="ctr"/>
+          <a:lstStyle/>
+          <a:p>
+            <a:pPr algn="ctr"/>
+            <a:r>
+              <a:rPr lang="ko-KR" altLang="en-US" dirty="0"/>
+              <a:t>모임 글 작성</a:t>
+            </a:r>
+          </a:p>
+        </p:txBody>
+      </p:sp>
+      <p:cxnSp>
+        <p:nvCxnSpPr>
+          <p:cNvPr id="17" name="직선 화살표 연결선 16">
+            <a:extLst>
+              <a:ext uri="{FF2B5EF4-FFF2-40B4-BE49-F238E27FC236}">
+                <a16:creationId xmlns:a16="http://schemas.microsoft.com/office/drawing/2014/main" id="{A05DF892-AB4C-4E87-82C9-2AD8FADC22A1}"/>
+              </a:ext>
+            </a:extLst>
+          </p:cNvPr>
+          <p:cNvCxnSpPr>
+            <a:stCxn id="5" idx="2"/>
+            <a:endCxn id="18" idx="0"/>
+          </p:cNvCxnSpPr>
+          <p:nvPr/>
+        </p:nvCxnSpPr>
+        <p:spPr>
+          <a:xfrm>
+            <a:off x="2228850" y="4103687"/>
+            <a:ext cx="0" cy="392113"/>
+          </a:xfrm>
+          <a:prstGeom prst="straightConnector1">
+            <a:avLst/>
+          </a:prstGeom>
+          <a:ln>
+            <a:tailEnd type="triangle"/>
+          </a:ln>
+        </p:spPr>
+        <p:style>
+          <a:lnRef idx="1">
+            <a:schemeClr val="dk1"/>
+          </a:lnRef>
+          <a:fillRef idx="0">
+            <a:schemeClr val="dk1"/>
+          </a:fillRef>
+          <a:effectRef idx="0">
+            <a:schemeClr val="dk1"/>
+          </a:effectRef>
+          <a:fontRef idx="minor">
+            <a:schemeClr val="tx1"/>
+          </a:fontRef>
+        </p:style>
+      </p:cxnSp>
+      <p:cxnSp>
+        <p:nvCxnSpPr>
+          <p:cNvPr id="24" name="직선 화살표 연결선 23">
+            <a:extLst>
+              <a:ext uri="{FF2B5EF4-FFF2-40B4-BE49-F238E27FC236}">
+                <a16:creationId xmlns:a16="http://schemas.microsoft.com/office/drawing/2014/main" id="{78741C09-0200-48C9-9953-0144D48B8681}"/>
+              </a:ext>
+            </a:extLst>
+          </p:cNvPr>
+          <p:cNvCxnSpPr/>
+          <p:nvPr/>
+        </p:nvCxnSpPr>
+        <p:spPr>
+          <a:xfrm>
+            <a:off x="2235200" y="5207000"/>
+            <a:ext cx="0" cy="392113"/>
+          </a:xfrm>
+          <a:prstGeom prst="straightConnector1">
+            <a:avLst/>
+          </a:prstGeom>
+          <a:ln>
+            <a:tailEnd type="triangle"/>
+          </a:ln>
+        </p:spPr>
+        <p:style>
+          <a:lnRef idx="1">
+            <a:schemeClr val="dk1"/>
+          </a:lnRef>
+          <a:fillRef idx="0">
+            <a:schemeClr val="dk1"/>
+          </a:fillRef>
+          <a:effectRef idx="0">
+            <a:schemeClr val="dk1"/>
+          </a:effectRef>
+          <a:fontRef idx="minor">
+            <a:schemeClr val="tx1"/>
+          </a:fontRef>
+        </p:style>
+      </p:cxnSp>
+      <p:cxnSp>
+        <p:nvCxnSpPr>
+          <p:cNvPr id="25" name="직선 화살표 연결선 24">
+            <a:extLst>
+              <a:ext uri="{FF2B5EF4-FFF2-40B4-BE49-F238E27FC236}">
+                <a16:creationId xmlns:a16="http://schemas.microsoft.com/office/drawing/2014/main" id="{B56AF518-8305-43B1-8DF1-1CEB81D7C5AD}"/>
+              </a:ext>
+            </a:extLst>
+          </p:cNvPr>
+          <p:cNvCxnSpPr>
+            <a:cxnSpLocks/>
+          </p:cNvCxnSpPr>
+          <p:nvPr/>
+        </p:nvCxnSpPr>
+        <p:spPr>
+          <a:xfrm>
+            <a:off x="5149850" y="4103686"/>
+            <a:ext cx="0" cy="588170"/>
+          </a:xfrm>
+          <a:prstGeom prst="straightConnector1">
+            <a:avLst/>
+          </a:prstGeom>
+          <a:ln>
+            <a:tailEnd type="triangle"/>
+          </a:ln>
+        </p:spPr>
+        <p:style>
+          <a:lnRef idx="1">
+            <a:schemeClr val="dk1"/>
+          </a:lnRef>
+          <a:fillRef idx="0">
+            <a:schemeClr val="dk1"/>
+          </a:fillRef>
+          <a:effectRef idx="0">
+            <a:schemeClr val="dk1"/>
+          </a:effectRef>
+          <a:fontRef idx="minor">
+            <a:schemeClr val="tx1"/>
+          </a:fontRef>
+        </p:style>
+      </p:cxnSp>
+      <p:cxnSp>
+        <p:nvCxnSpPr>
+          <p:cNvPr id="26" name="직선 화살표 연결선 25">
+            <a:extLst>
+              <a:ext uri="{FF2B5EF4-FFF2-40B4-BE49-F238E27FC236}">
+                <a16:creationId xmlns:a16="http://schemas.microsoft.com/office/drawing/2014/main" id="{B3B59653-59DA-44BC-8E75-A79CD422472B}"/>
+              </a:ext>
+            </a:extLst>
+          </p:cNvPr>
+          <p:cNvCxnSpPr/>
+          <p:nvPr/>
+        </p:nvCxnSpPr>
+        <p:spPr>
+          <a:xfrm>
+            <a:off x="9956800" y="4103687"/>
+            <a:ext cx="0" cy="392113"/>
+          </a:xfrm>
+          <a:prstGeom prst="straightConnector1">
+            <a:avLst/>
+          </a:prstGeom>
+          <a:ln>
+            <a:tailEnd type="triangle"/>
+          </a:ln>
+        </p:spPr>
+        <p:style>
+          <a:lnRef idx="1">
+            <a:schemeClr val="dk1"/>
+          </a:lnRef>
+          <a:fillRef idx="0">
+            <a:schemeClr val="dk1"/>
+          </a:fillRef>
+          <a:effectRef idx="0">
+            <a:schemeClr val="dk1"/>
+          </a:effectRef>
+          <a:fontRef idx="minor">
+            <a:schemeClr val="tx1"/>
+          </a:fontRef>
+        </p:style>
+      </p:cxnSp>
+      <p:sp>
+        <p:nvSpPr>
+          <p:cNvPr id="27" name="사각형: 둥근 모서리 26">
+            <a:extLst>
+              <a:ext uri="{FF2B5EF4-FFF2-40B4-BE49-F238E27FC236}">
+                <a16:creationId xmlns:a16="http://schemas.microsoft.com/office/drawing/2014/main" id="{01F4107C-BEBE-499B-8D38-A8F65B13808E}"/>
+              </a:ext>
+            </a:extLst>
+          </p:cNvPr>
+          <p:cNvSpPr/>
+          <p:nvPr/>
+        </p:nvSpPr>
+        <p:spPr>
+          <a:xfrm>
+            <a:off x="4311650" y="4691856"/>
+            <a:ext cx="1651000" cy="711200"/>
+          </a:xfrm>
+          <a:prstGeom prst="roundRect">
+            <a:avLst/>
+          </a:prstGeom>
+          <a:solidFill>
+            <a:schemeClr val="bg1"/>
+          </a:solidFill>
+        </p:spPr>
+        <p:style>
+          <a:lnRef idx="2">
+            <a:schemeClr val="dk1"/>
+          </a:lnRef>
+          <a:fillRef idx="1">
+            <a:schemeClr val="lt1"/>
+          </a:fillRef>
+          <a:effectRef idx="0">
+            <a:schemeClr val="dk1"/>
+          </a:effectRef>
+          <a:fontRef idx="minor">
+            <a:schemeClr val="dk1"/>
+          </a:fontRef>
+        </p:style>
+        <p:txBody>
+          <a:bodyPr rtlCol="0" anchor="ctr"/>
+          <a:lstStyle/>
+          <a:p>
+            <a:pPr algn="ctr"/>
+            <a:r>
+              <a:rPr lang="ko-KR" altLang="en-US" dirty="0"/>
+              <a:t>모임 글 열람</a:t>
+            </a:r>
+          </a:p>
+        </p:txBody>
+      </p:sp>
+      <p:cxnSp>
+        <p:nvCxnSpPr>
+          <p:cNvPr id="28" name="직선 화살표 연결선 27">
+            <a:extLst>
+              <a:ext uri="{FF2B5EF4-FFF2-40B4-BE49-F238E27FC236}">
+                <a16:creationId xmlns:a16="http://schemas.microsoft.com/office/drawing/2014/main" id="{36556A53-E4F7-4412-A96B-BD539FA80FDB}"/>
+              </a:ext>
+            </a:extLst>
+          </p:cNvPr>
+          <p:cNvCxnSpPr>
+            <a:cxnSpLocks/>
+          </p:cNvCxnSpPr>
+          <p:nvPr/>
+        </p:nvCxnSpPr>
+        <p:spPr>
+          <a:xfrm>
+            <a:off x="7029450" y="4098129"/>
+            <a:ext cx="0" cy="588170"/>
+          </a:xfrm>
+          <a:prstGeom prst="straightConnector1">
+            <a:avLst/>
+          </a:prstGeom>
+          <a:ln>
+            <a:tailEnd type="triangle"/>
+          </a:ln>
+        </p:spPr>
+        <p:style>
+          <a:lnRef idx="1">
+            <a:schemeClr val="dk1"/>
+          </a:lnRef>
+          <a:fillRef idx="0">
+            <a:schemeClr val="dk1"/>
+          </a:fillRef>
+          <a:effectRef idx="0">
+            <a:schemeClr val="dk1"/>
+          </a:effectRef>
+          <a:fontRef idx="minor">
+            <a:schemeClr val="tx1"/>
+          </a:fontRef>
+        </p:style>
+      </p:cxnSp>
     </p:spTree>
     <p:extLst>
       <p:ext uri="{BB962C8B-B14F-4D97-AF65-F5344CB8AC3E}">
@@ -3603,26 +4310,502 @@
       </p:sp>
       <p:sp>
         <p:nvSpPr>
-          <p:cNvPr id="3" name="내용 개체 틀 2">
-            <a:extLst>
-              <a:ext uri="{FF2B5EF4-FFF2-40B4-BE49-F238E27FC236}">
-                <a16:creationId xmlns:a16="http://schemas.microsoft.com/office/drawing/2014/main" id="{1669200F-F91C-4525-9B52-CC1272D719A7}"/>
-              </a:ext>
-            </a:extLst>
-          </p:cNvPr>
-          <p:cNvSpPr>
-            <a:spLocks noGrp="1"/>
-          </p:cNvSpPr>
-          <p:nvPr>
-            <p:ph idx="1"/>
-          </p:nvPr>
-        </p:nvSpPr>
-        <p:spPr/>
-        <p:txBody>
-          <a:bodyPr/>
-          <a:lstStyle/>
-          <a:p>
-            <a:endParaRPr lang="ko-KR" altLang="en-US"/>
+          <p:cNvPr id="4" name="사각형: 둥근 모서리 3">
+            <a:extLst>
+              <a:ext uri="{FF2B5EF4-FFF2-40B4-BE49-F238E27FC236}">
+                <a16:creationId xmlns:a16="http://schemas.microsoft.com/office/drawing/2014/main" id="{F91E756A-5BA3-4CBA-AAA5-D500DA788E7E}"/>
+              </a:ext>
+            </a:extLst>
+          </p:cNvPr>
+          <p:cNvSpPr/>
+          <p:nvPr/>
+        </p:nvSpPr>
+        <p:spPr>
+          <a:xfrm>
+            <a:off x="5137150" y="1880791"/>
+            <a:ext cx="1917700" cy="711200"/>
+          </a:xfrm>
+          <a:prstGeom prst="roundRect">
+            <a:avLst/>
+          </a:prstGeom>
+        </p:spPr>
+        <p:style>
+          <a:lnRef idx="2">
+            <a:schemeClr val="dk1">
+              <a:shade val="50000"/>
+            </a:schemeClr>
+          </a:lnRef>
+          <a:fillRef idx="1">
+            <a:schemeClr val="dk1"/>
+          </a:fillRef>
+          <a:effectRef idx="0">
+            <a:schemeClr val="dk1"/>
+          </a:effectRef>
+          <a:fontRef idx="minor">
+            <a:schemeClr val="lt1"/>
+          </a:fontRef>
+        </p:style>
+        <p:txBody>
+          <a:bodyPr rtlCol="0" anchor="ctr"/>
+          <a:lstStyle/>
+          <a:p>
+            <a:pPr algn="ctr"/>
+            <a:r>
+              <a:rPr lang="en-US" altLang="ko-KR" dirty="0"/>
+              <a:t>Home</a:t>
+            </a:r>
+            <a:endParaRPr lang="ko-KR" altLang="en-US" dirty="0"/>
+          </a:p>
+        </p:txBody>
+      </p:sp>
+      <p:sp>
+        <p:nvSpPr>
+          <p:cNvPr id="5" name="사각형: 둥근 모서리 4">
+            <a:extLst>
+              <a:ext uri="{FF2B5EF4-FFF2-40B4-BE49-F238E27FC236}">
+                <a16:creationId xmlns:a16="http://schemas.microsoft.com/office/drawing/2014/main" id="{98B8C0DE-36F6-4EF5-9705-EF83AAB09BE7}"/>
+              </a:ext>
+            </a:extLst>
+          </p:cNvPr>
+          <p:cNvSpPr/>
+          <p:nvPr/>
+        </p:nvSpPr>
+        <p:spPr>
+          <a:xfrm>
+            <a:off x="992187" y="3429000"/>
+            <a:ext cx="2486025" cy="711200"/>
+          </a:xfrm>
+          <a:prstGeom prst="roundRect">
+            <a:avLst/>
+          </a:prstGeom>
+          <a:solidFill>
+            <a:schemeClr val="bg1">
+              <a:lumMod val="75000"/>
+            </a:schemeClr>
+          </a:solidFill>
+        </p:spPr>
+        <p:style>
+          <a:lnRef idx="2">
+            <a:schemeClr val="dk1"/>
+          </a:lnRef>
+          <a:fillRef idx="1">
+            <a:schemeClr val="lt1"/>
+          </a:fillRef>
+          <a:effectRef idx="0">
+            <a:schemeClr val="dk1"/>
+          </a:effectRef>
+          <a:fontRef idx="minor">
+            <a:schemeClr val="dk1"/>
+          </a:fontRef>
+        </p:style>
+        <p:txBody>
+          <a:bodyPr rtlCol="0" anchor="ctr"/>
+          <a:lstStyle/>
+          <a:p>
+            <a:pPr algn="ctr"/>
+            <a:r>
+              <a:rPr lang="ko-KR" altLang="en-US" dirty="0"/>
+              <a:t>주변 </a:t>
+            </a:r>
+            <a:r>
+              <a:rPr lang="ko-KR" altLang="en-US" dirty="0" err="1"/>
+              <a:t>방탈출</a:t>
+            </a:r>
+            <a:r>
+              <a:rPr lang="ko-KR" altLang="en-US" dirty="0"/>
+              <a:t> 검색</a:t>
+            </a:r>
+          </a:p>
+        </p:txBody>
+      </p:sp>
+      <p:sp>
+        <p:nvSpPr>
+          <p:cNvPr id="6" name="사각형: 둥근 모서리 5">
+            <a:extLst>
+              <a:ext uri="{FF2B5EF4-FFF2-40B4-BE49-F238E27FC236}">
+                <a16:creationId xmlns:a16="http://schemas.microsoft.com/office/drawing/2014/main" id="{4D48A77A-ABE9-438C-91CD-9FEFAAB55AE7}"/>
+              </a:ext>
+            </a:extLst>
+          </p:cNvPr>
+          <p:cNvSpPr/>
+          <p:nvPr/>
+        </p:nvSpPr>
+        <p:spPr>
+          <a:xfrm>
+            <a:off x="4852987" y="3429000"/>
+            <a:ext cx="2486025" cy="711200"/>
+          </a:xfrm>
+          <a:prstGeom prst="roundRect">
+            <a:avLst/>
+          </a:prstGeom>
+          <a:solidFill>
+            <a:schemeClr val="bg1">
+              <a:lumMod val="75000"/>
+            </a:schemeClr>
+          </a:solidFill>
+        </p:spPr>
+        <p:style>
+          <a:lnRef idx="2">
+            <a:schemeClr val="dk1"/>
+          </a:lnRef>
+          <a:fillRef idx="1">
+            <a:schemeClr val="lt1"/>
+          </a:fillRef>
+          <a:effectRef idx="0">
+            <a:schemeClr val="dk1"/>
+          </a:effectRef>
+          <a:fontRef idx="minor">
+            <a:schemeClr val="dk1"/>
+          </a:fontRef>
+        </p:style>
+        <p:txBody>
+          <a:bodyPr rtlCol="0" anchor="ctr"/>
+          <a:lstStyle/>
+          <a:p>
+            <a:pPr algn="ctr"/>
+            <a:r>
+              <a:rPr lang="ko-KR" altLang="en-US" dirty="0" err="1"/>
+              <a:t>방탈출</a:t>
+            </a:r>
+            <a:r>
+              <a:rPr lang="ko-KR" altLang="en-US" dirty="0"/>
+              <a:t> 즉석 모임</a:t>
+            </a:r>
+          </a:p>
+        </p:txBody>
+      </p:sp>
+      <p:sp>
+        <p:nvSpPr>
+          <p:cNvPr id="7" name="사각형: 둥근 모서리 6">
+            <a:extLst>
+              <a:ext uri="{FF2B5EF4-FFF2-40B4-BE49-F238E27FC236}">
+                <a16:creationId xmlns:a16="http://schemas.microsoft.com/office/drawing/2014/main" id="{48C9E752-723A-47EC-8642-5B4032FCACED}"/>
+              </a:ext>
+            </a:extLst>
+          </p:cNvPr>
+          <p:cNvSpPr/>
+          <p:nvPr/>
+        </p:nvSpPr>
+        <p:spPr>
+          <a:xfrm>
+            <a:off x="8713787" y="3429000"/>
+            <a:ext cx="2486025" cy="711200"/>
+          </a:xfrm>
+          <a:prstGeom prst="roundRect">
+            <a:avLst/>
+          </a:prstGeom>
+          <a:solidFill>
+            <a:schemeClr val="bg1">
+              <a:lumMod val="75000"/>
+            </a:schemeClr>
+          </a:solidFill>
+        </p:spPr>
+        <p:style>
+          <a:lnRef idx="2">
+            <a:schemeClr val="dk1"/>
+          </a:lnRef>
+          <a:fillRef idx="1">
+            <a:schemeClr val="lt1"/>
+          </a:fillRef>
+          <a:effectRef idx="0">
+            <a:schemeClr val="dk1"/>
+          </a:effectRef>
+          <a:fontRef idx="minor">
+            <a:schemeClr val="dk1"/>
+          </a:fontRef>
+        </p:style>
+        <p:txBody>
+          <a:bodyPr rtlCol="0" anchor="ctr"/>
+          <a:lstStyle/>
+          <a:p>
+            <a:pPr algn="ctr"/>
+            <a:r>
+              <a:rPr lang="ko-KR" altLang="en-US" dirty="0" err="1"/>
+              <a:t>방탈출</a:t>
+            </a:r>
+            <a:r>
+              <a:rPr lang="ko-KR" altLang="en-US" dirty="0"/>
+              <a:t> 후기</a:t>
+            </a:r>
+          </a:p>
+        </p:txBody>
+      </p:sp>
+      <p:cxnSp>
+        <p:nvCxnSpPr>
+          <p:cNvPr id="8" name="연결선: 꺾임 7">
+            <a:extLst>
+              <a:ext uri="{FF2B5EF4-FFF2-40B4-BE49-F238E27FC236}">
+                <a16:creationId xmlns:a16="http://schemas.microsoft.com/office/drawing/2014/main" id="{AAECB75A-1836-4CA2-A40B-1DEDCF6B9DCB}"/>
+              </a:ext>
+            </a:extLst>
+          </p:cNvPr>
+          <p:cNvCxnSpPr>
+            <a:cxnSpLocks/>
+            <a:stCxn id="4" idx="1"/>
+            <a:endCxn id="5" idx="0"/>
+          </p:cNvCxnSpPr>
+          <p:nvPr/>
+        </p:nvCxnSpPr>
+        <p:spPr>
+          <a:xfrm rot="10800000" flipV="1">
+            <a:off x="2235200" y="2236390"/>
+            <a:ext cx="2901950" cy="1192609"/>
+          </a:xfrm>
+          <a:prstGeom prst="bentConnector2">
+            <a:avLst/>
+          </a:prstGeom>
+          <a:ln>
+            <a:tailEnd type="triangle"/>
+          </a:ln>
+        </p:spPr>
+        <p:style>
+          <a:lnRef idx="1">
+            <a:schemeClr val="dk1"/>
+          </a:lnRef>
+          <a:fillRef idx="0">
+            <a:schemeClr val="dk1"/>
+          </a:fillRef>
+          <a:effectRef idx="0">
+            <a:schemeClr val="dk1"/>
+          </a:effectRef>
+          <a:fontRef idx="minor">
+            <a:schemeClr val="tx1"/>
+          </a:fontRef>
+        </p:style>
+      </p:cxnSp>
+      <p:cxnSp>
+        <p:nvCxnSpPr>
+          <p:cNvPr id="9" name="직선 화살표 연결선 8">
+            <a:extLst>
+              <a:ext uri="{FF2B5EF4-FFF2-40B4-BE49-F238E27FC236}">
+                <a16:creationId xmlns:a16="http://schemas.microsoft.com/office/drawing/2014/main" id="{89FC55DB-EDE7-42D9-971E-4BA72EB2B2E6}"/>
+              </a:ext>
+            </a:extLst>
+          </p:cNvPr>
+          <p:cNvCxnSpPr>
+            <a:cxnSpLocks/>
+            <a:stCxn id="4" idx="2"/>
+            <a:endCxn id="6" idx="0"/>
+          </p:cNvCxnSpPr>
+          <p:nvPr/>
+        </p:nvCxnSpPr>
+        <p:spPr>
+          <a:xfrm>
+            <a:off x="6096000" y="2591991"/>
+            <a:ext cx="0" cy="837009"/>
+          </a:xfrm>
+          <a:prstGeom prst="straightConnector1">
+            <a:avLst/>
+          </a:prstGeom>
+          <a:ln>
+            <a:tailEnd type="triangle"/>
+          </a:ln>
+        </p:spPr>
+        <p:style>
+          <a:lnRef idx="1">
+            <a:schemeClr val="dk1"/>
+          </a:lnRef>
+          <a:fillRef idx="0">
+            <a:schemeClr val="dk1"/>
+          </a:fillRef>
+          <a:effectRef idx="0">
+            <a:schemeClr val="dk1"/>
+          </a:effectRef>
+          <a:fontRef idx="minor">
+            <a:schemeClr val="tx1"/>
+          </a:fontRef>
+        </p:style>
+      </p:cxnSp>
+      <p:cxnSp>
+        <p:nvCxnSpPr>
+          <p:cNvPr id="10" name="연결선: 꺾임 9">
+            <a:extLst>
+              <a:ext uri="{FF2B5EF4-FFF2-40B4-BE49-F238E27FC236}">
+                <a16:creationId xmlns:a16="http://schemas.microsoft.com/office/drawing/2014/main" id="{E315DFEB-3419-407E-95BC-92596BDF9506}"/>
+              </a:ext>
+            </a:extLst>
+          </p:cNvPr>
+          <p:cNvCxnSpPr>
+            <a:cxnSpLocks/>
+            <a:stCxn id="4" idx="3"/>
+            <a:endCxn id="7" idx="0"/>
+          </p:cNvCxnSpPr>
+          <p:nvPr/>
+        </p:nvCxnSpPr>
+        <p:spPr>
+          <a:xfrm>
+            <a:off x="7054850" y="2236391"/>
+            <a:ext cx="2901950" cy="1192609"/>
+          </a:xfrm>
+          <a:prstGeom prst="bentConnector2">
+            <a:avLst/>
+          </a:prstGeom>
+          <a:ln>
+            <a:tailEnd type="triangle"/>
+          </a:ln>
+        </p:spPr>
+        <p:style>
+          <a:lnRef idx="1">
+            <a:schemeClr val="dk1"/>
+          </a:lnRef>
+          <a:fillRef idx="0">
+            <a:schemeClr val="dk1"/>
+          </a:fillRef>
+          <a:effectRef idx="0">
+            <a:schemeClr val="dk1"/>
+          </a:effectRef>
+          <a:fontRef idx="minor">
+            <a:schemeClr val="tx1"/>
+          </a:fontRef>
+        </p:style>
+      </p:cxnSp>
+      <p:sp>
+        <p:nvSpPr>
+          <p:cNvPr id="11" name="사각형: 둥근 모서리 10">
+            <a:extLst>
+              <a:ext uri="{FF2B5EF4-FFF2-40B4-BE49-F238E27FC236}">
+                <a16:creationId xmlns:a16="http://schemas.microsoft.com/office/drawing/2014/main" id="{BAE6F64B-0A04-4A08-8439-B8BE3809F7BD}"/>
+              </a:ext>
+            </a:extLst>
+          </p:cNvPr>
+          <p:cNvSpPr/>
+          <p:nvPr/>
+        </p:nvSpPr>
+        <p:spPr>
+          <a:xfrm>
+            <a:off x="1222375" y="4356100"/>
+            <a:ext cx="2038350" cy="711200"/>
+          </a:xfrm>
+          <a:prstGeom prst="roundRect">
+            <a:avLst/>
+          </a:prstGeom>
+          <a:solidFill>
+            <a:schemeClr val="bg1"/>
+          </a:solidFill>
+        </p:spPr>
+        <p:style>
+          <a:lnRef idx="2">
+            <a:schemeClr val="dk1"/>
+          </a:lnRef>
+          <a:fillRef idx="1">
+            <a:schemeClr val="lt1"/>
+          </a:fillRef>
+          <a:effectRef idx="0">
+            <a:schemeClr val="dk1"/>
+          </a:effectRef>
+          <a:fontRef idx="minor">
+            <a:schemeClr val="dk1"/>
+          </a:fontRef>
+        </p:style>
+        <p:txBody>
+          <a:bodyPr rtlCol="0" anchor="ctr"/>
+          <a:lstStyle/>
+          <a:p>
+            <a:pPr algn="ctr"/>
+            <a:r>
+              <a:rPr lang="ko-KR" altLang="en-US" dirty="0"/>
+              <a:t>카카오 지도</a:t>
+            </a:r>
+          </a:p>
+        </p:txBody>
+      </p:sp>
+      <p:sp>
+        <p:nvSpPr>
+          <p:cNvPr id="22" name="사각형: 둥근 모서리 21">
+            <a:extLst>
+              <a:ext uri="{FF2B5EF4-FFF2-40B4-BE49-F238E27FC236}">
+                <a16:creationId xmlns:a16="http://schemas.microsoft.com/office/drawing/2014/main" id="{8FCD5FCE-AF7E-4A1B-A618-0E9DBC70469B}"/>
+              </a:ext>
+            </a:extLst>
+          </p:cNvPr>
+          <p:cNvSpPr/>
+          <p:nvPr/>
+        </p:nvSpPr>
+        <p:spPr>
+          <a:xfrm>
+            <a:off x="8943975" y="4356100"/>
+            <a:ext cx="2038350" cy="711200"/>
+          </a:xfrm>
+          <a:prstGeom prst="roundRect">
+            <a:avLst/>
+          </a:prstGeom>
+          <a:solidFill>
+            <a:schemeClr val="bg1"/>
+          </a:solidFill>
+        </p:spPr>
+        <p:style>
+          <a:lnRef idx="2">
+            <a:schemeClr val="dk1"/>
+          </a:lnRef>
+          <a:fillRef idx="1">
+            <a:schemeClr val="lt1"/>
+          </a:fillRef>
+          <a:effectRef idx="0">
+            <a:schemeClr val="dk1"/>
+          </a:effectRef>
+          <a:fontRef idx="minor">
+            <a:schemeClr val="dk1"/>
+          </a:fontRef>
+        </p:style>
+        <p:txBody>
+          <a:bodyPr rtlCol="0" anchor="ctr"/>
+          <a:lstStyle/>
+          <a:p>
+            <a:pPr algn="ctr"/>
+            <a:r>
+              <a:rPr lang="ko-KR" altLang="en-US" dirty="0"/>
+              <a:t>후기 글 정보</a:t>
+            </a:r>
+          </a:p>
+        </p:txBody>
+      </p:sp>
+      <p:sp>
+        <p:nvSpPr>
+          <p:cNvPr id="23" name="사각형: 둥근 모서리 22">
+            <a:extLst>
+              <a:ext uri="{FF2B5EF4-FFF2-40B4-BE49-F238E27FC236}">
+                <a16:creationId xmlns:a16="http://schemas.microsoft.com/office/drawing/2014/main" id="{F4673FE1-FA1E-46A7-B0A2-7315F3EF9E47}"/>
+              </a:ext>
+            </a:extLst>
+          </p:cNvPr>
+          <p:cNvSpPr/>
+          <p:nvPr/>
+        </p:nvSpPr>
+        <p:spPr>
+          <a:xfrm>
+            <a:off x="5083175" y="4356100"/>
+            <a:ext cx="2038350" cy="711200"/>
+          </a:xfrm>
+          <a:prstGeom prst="roundRect">
+            <a:avLst/>
+          </a:prstGeom>
+          <a:solidFill>
+            <a:schemeClr val="bg1"/>
+          </a:solidFill>
+        </p:spPr>
+        <p:style>
+          <a:lnRef idx="2">
+            <a:schemeClr val="dk1"/>
+          </a:lnRef>
+          <a:fillRef idx="1">
+            <a:schemeClr val="lt1"/>
+          </a:fillRef>
+          <a:effectRef idx="0">
+            <a:schemeClr val="dk1"/>
+          </a:effectRef>
+          <a:fontRef idx="minor">
+            <a:schemeClr val="dk1"/>
+          </a:fontRef>
+        </p:style>
+        <p:txBody>
+          <a:bodyPr rtlCol="0" anchor="ctr"/>
+          <a:lstStyle/>
+          <a:p>
+            <a:pPr algn="ctr"/>
+            <a:r>
+              <a:rPr lang="ko-KR" altLang="en-US" dirty="0"/>
+              <a:t>번개 글 정보</a:t>
+            </a:r>
           </a:p>
         </p:txBody>
       </p:sp>

--- a/myweb/doc/UI 설계 문서.pptx
+++ b/myweb/doc/UI 설계 문서.pptx
@@ -9,6 +9,11 @@
     <p:sldId id="257" r:id="rId3"/>
     <p:sldId id="259" r:id="rId4"/>
     <p:sldId id="258" r:id="rId5"/>
+    <p:sldId id="263" r:id="rId6"/>
+    <p:sldId id="260" r:id="rId7"/>
+    <p:sldId id="261" r:id="rId8"/>
+    <p:sldId id="262" r:id="rId9"/>
+    <p:sldId id="264" r:id="rId10"/>
   </p:sldIdLst>
   <p:sldSz cx="12192000" cy="6858000"/>
   <p:notesSz cx="6858000" cy="9144000"/>
@@ -262,7 +267,7 @@
           <a:p>
             <a:fld id="{51CB5324-FCE8-43B6-B87E-1721588B80C7}" type="datetimeFigureOut">
               <a:rPr lang="ko-KR" altLang="en-US" smtClean="0"/>
-              <a:t>2021-08-19</a:t>
+              <a:t>2021-08-21</a:t>
             </a:fld>
             <a:endParaRPr lang="ko-KR" altLang="en-US"/>
           </a:p>
@@ -460,7 +465,7 @@
           <a:p>
             <a:fld id="{51CB5324-FCE8-43B6-B87E-1721588B80C7}" type="datetimeFigureOut">
               <a:rPr lang="ko-KR" altLang="en-US" smtClean="0"/>
-              <a:t>2021-08-19</a:t>
+              <a:t>2021-08-21</a:t>
             </a:fld>
             <a:endParaRPr lang="ko-KR" altLang="en-US"/>
           </a:p>
@@ -668,7 +673,7 @@
           <a:p>
             <a:fld id="{51CB5324-FCE8-43B6-B87E-1721588B80C7}" type="datetimeFigureOut">
               <a:rPr lang="ko-KR" altLang="en-US" smtClean="0"/>
-              <a:t>2021-08-19</a:t>
+              <a:t>2021-08-21</a:t>
             </a:fld>
             <a:endParaRPr lang="ko-KR" altLang="en-US"/>
           </a:p>
@@ -866,7 +871,7 @@
           <a:p>
             <a:fld id="{51CB5324-FCE8-43B6-B87E-1721588B80C7}" type="datetimeFigureOut">
               <a:rPr lang="ko-KR" altLang="en-US" smtClean="0"/>
-              <a:t>2021-08-19</a:t>
+              <a:t>2021-08-21</a:t>
             </a:fld>
             <a:endParaRPr lang="ko-KR" altLang="en-US"/>
           </a:p>
@@ -1141,7 +1146,7 @@
           <a:p>
             <a:fld id="{51CB5324-FCE8-43B6-B87E-1721588B80C7}" type="datetimeFigureOut">
               <a:rPr lang="ko-KR" altLang="en-US" smtClean="0"/>
-              <a:t>2021-08-19</a:t>
+              <a:t>2021-08-21</a:t>
             </a:fld>
             <a:endParaRPr lang="ko-KR" altLang="en-US"/>
           </a:p>
@@ -1406,7 +1411,7 @@
           <a:p>
             <a:fld id="{51CB5324-FCE8-43B6-B87E-1721588B80C7}" type="datetimeFigureOut">
               <a:rPr lang="ko-KR" altLang="en-US" smtClean="0"/>
-              <a:t>2021-08-19</a:t>
+              <a:t>2021-08-21</a:t>
             </a:fld>
             <a:endParaRPr lang="ko-KR" altLang="en-US"/>
           </a:p>
@@ -1818,7 +1823,7 @@
           <a:p>
             <a:fld id="{51CB5324-FCE8-43B6-B87E-1721588B80C7}" type="datetimeFigureOut">
               <a:rPr lang="ko-KR" altLang="en-US" smtClean="0"/>
-              <a:t>2021-08-19</a:t>
+              <a:t>2021-08-21</a:t>
             </a:fld>
             <a:endParaRPr lang="ko-KR" altLang="en-US"/>
           </a:p>
@@ -1959,7 +1964,7 @@
           <a:p>
             <a:fld id="{51CB5324-FCE8-43B6-B87E-1721588B80C7}" type="datetimeFigureOut">
               <a:rPr lang="ko-KR" altLang="en-US" smtClean="0"/>
-              <a:t>2021-08-19</a:t>
+              <a:t>2021-08-21</a:t>
             </a:fld>
             <a:endParaRPr lang="ko-KR" altLang="en-US"/>
           </a:p>
@@ -2072,7 +2077,7 @@
           <a:p>
             <a:fld id="{51CB5324-FCE8-43B6-B87E-1721588B80C7}" type="datetimeFigureOut">
               <a:rPr lang="ko-KR" altLang="en-US" smtClean="0"/>
-              <a:t>2021-08-19</a:t>
+              <a:t>2021-08-21</a:t>
             </a:fld>
             <a:endParaRPr lang="ko-KR" altLang="en-US"/>
           </a:p>
@@ -2383,7 +2388,7 @@
           <a:p>
             <a:fld id="{51CB5324-FCE8-43B6-B87E-1721588B80C7}" type="datetimeFigureOut">
               <a:rPr lang="ko-KR" altLang="en-US" smtClean="0"/>
-              <a:t>2021-08-19</a:t>
+              <a:t>2021-08-21</a:t>
             </a:fld>
             <a:endParaRPr lang="ko-KR" altLang="en-US"/>
           </a:p>
@@ -2671,7 +2676,7 @@
           <a:p>
             <a:fld id="{51CB5324-FCE8-43B6-B87E-1721588B80C7}" type="datetimeFigureOut">
               <a:rPr lang="ko-KR" altLang="en-US" smtClean="0"/>
-              <a:t>2021-08-19</a:t>
+              <a:t>2021-08-21</a:t>
             </a:fld>
             <a:endParaRPr lang="ko-KR" altLang="en-US"/>
           </a:p>
@@ -2912,7 +2917,7 @@
           <a:p>
             <a:fld id="{51CB5324-FCE8-43B6-B87E-1721588B80C7}" type="datetimeFigureOut">
               <a:rPr lang="ko-KR" altLang="en-US" smtClean="0"/>
-              <a:t>2021-08-19</a:t>
+              <a:t>2021-08-21</a:t>
             </a:fld>
             <a:endParaRPr lang="ko-KR" altLang="en-US"/>
           </a:p>
@@ -4804,6 +4809,56 @@
             <a:pPr algn="ctr"/>
             <a:r>
               <a:rPr lang="ko-KR" altLang="en-US" dirty="0"/>
+              <a:t>번개 글 작성 폼</a:t>
+            </a:r>
+          </a:p>
+        </p:txBody>
+      </p:sp>
+      <p:sp>
+        <p:nvSpPr>
+          <p:cNvPr id="13" name="사각형: 둥근 모서리 12">
+            <a:extLst>
+              <a:ext uri="{FF2B5EF4-FFF2-40B4-BE49-F238E27FC236}">
+                <a16:creationId xmlns:a16="http://schemas.microsoft.com/office/drawing/2014/main" id="{A3D1D5FD-185D-4AB0-8A52-F68C0CF6C531}"/>
+              </a:ext>
+            </a:extLst>
+          </p:cNvPr>
+          <p:cNvSpPr/>
+          <p:nvPr/>
+        </p:nvSpPr>
+        <p:spPr>
+          <a:xfrm>
+            <a:off x="5076824" y="5283200"/>
+            <a:ext cx="2038350" cy="711200"/>
+          </a:xfrm>
+          <a:prstGeom prst="roundRect">
+            <a:avLst/>
+          </a:prstGeom>
+          <a:solidFill>
+            <a:schemeClr val="bg1"/>
+          </a:solidFill>
+        </p:spPr>
+        <p:style>
+          <a:lnRef idx="2">
+            <a:schemeClr val="dk1"/>
+          </a:lnRef>
+          <a:fillRef idx="1">
+            <a:schemeClr val="lt1"/>
+          </a:fillRef>
+          <a:effectRef idx="0">
+            <a:schemeClr val="dk1"/>
+          </a:effectRef>
+          <a:fontRef idx="minor">
+            <a:schemeClr val="dk1"/>
+          </a:fontRef>
+        </p:style>
+        <p:txBody>
+          <a:bodyPr rtlCol="0" anchor="ctr"/>
+          <a:lstStyle/>
+          <a:p>
+            <a:pPr algn="ctr"/>
+            <a:r>
+              <a:rPr lang="ko-KR" altLang="en-US" dirty="0"/>
               <a:t>번개 글 정보</a:t>
             </a:r>
           </a:p>
@@ -4841,119 +4896,10 @@
       </p:grpSpPr>
       <p:sp>
         <p:nvSpPr>
-          <p:cNvPr id="2" name="제목 1">
-            <a:extLst>
-              <a:ext uri="{FF2B5EF4-FFF2-40B4-BE49-F238E27FC236}">
-                <a16:creationId xmlns:a16="http://schemas.microsoft.com/office/drawing/2014/main" id="{BC8393C1-0FDE-49D5-9179-0EA6D55E86D3}"/>
-              </a:ext>
-            </a:extLst>
-          </p:cNvPr>
-          <p:cNvSpPr>
-            <a:spLocks noGrp="1"/>
-          </p:cNvSpPr>
-          <p:nvPr>
-            <p:ph type="title"/>
-          </p:nvPr>
-        </p:nvSpPr>
-        <p:spPr>
-          <a:xfrm>
-            <a:off x="139700" y="149225"/>
-            <a:ext cx="5257800" cy="727075"/>
-          </a:xfrm>
-        </p:spPr>
-        <p:txBody>
-          <a:bodyPr>
-            <a:normAutofit/>
-          </a:bodyPr>
-          <a:lstStyle/>
-          <a:p>
-            <a:r>
-              <a:rPr lang="ko-KR" altLang="en-US" sz="2800" dirty="0"/>
-              <a:t>화면 코드 </a:t>
-            </a:r>
-            <a:r>
-              <a:rPr lang="en-US" altLang="ko-KR" sz="2800" dirty="0"/>
-              <a:t>: </a:t>
-            </a:r>
-            <a:endParaRPr lang="ko-KR" altLang="en-US" sz="2800" dirty="0"/>
-          </a:p>
-        </p:txBody>
-      </p:sp>
-      <p:sp>
-        <p:nvSpPr>
-          <p:cNvPr id="3" name="내용 개체 틀 2">
-            <a:extLst>
-              <a:ext uri="{FF2B5EF4-FFF2-40B4-BE49-F238E27FC236}">
-                <a16:creationId xmlns:a16="http://schemas.microsoft.com/office/drawing/2014/main" id="{1669200F-F91C-4525-9B52-CC1272D719A7}"/>
-              </a:ext>
-            </a:extLst>
-          </p:cNvPr>
-          <p:cNvSpPr>
-            <a:spLocks noGrp="1"/>
-          </p:cNvSpPr>
-          <p:nvPr>
-            <p:ph idx="1"/>
-          </p:nvPr>
-        </p:nvSpPr>
-        <p:spPr>
-          <a:xfrm>
-            <a:off x="8445500" y="1079500"/>
-            <a:ext cx="3670300" cy="5629275"/>
-          </a:xfrm>
-        </p:spPr>
-        <p:txBody>
-          <a:bodyPr/>
-          <a:lstStyle/>
-          <a:p>
-            <a:pPr marL="0" indent="0" algn="r">
-              <a:buNone/>
-            </a:pPr>
-            <a:r>
-              <a:rPr lang="en-US" altLang="ko-KR" dirty="0"/>
-              <a:t>Description</a:t>
-            </a:r>
-          </a:p>
-          <a:p>
-            <a:pPr marL="514350" indent="-514350">
-              <a:buAutoNum type="arabicPeriod"/>
-            </a:pPr>
-            <a:r>
-              <a:rPr lang="en-US" altLang="ko-KR" dirty="0"/>
-              <a:t>D</a:t>
-            </a:r>
-          </a:p>
-          <a:p>
-            <a:pPr marL="514350" indent="-514350">
-              <a:buAutoNum type="arabicPeriod"/>
-            </a:pPr>
-            <a:r>
-              <a:rPr lang="en-US" altLang="ko-KR" dirty="0"/>
-              <a:t>Sd</a:t>
-            </a:r>
-          </a:p>
-          <a:p>
-            <a:pPr marL="514350" indent="-514350">
-              <a:buAutoNum type="arabicPeriod"/>
-            </a:pPr>
-            <a:r>
-              <a:rPr lang="en-US" altLang="ko-KR" dirty="0"/>
-              <a:t>Sd</a:t>
-            </a:r>
-          </a:p>
-          <a:p>
-            <a:pPr marL="514350" indent="-514350">
-              <a:buAutoNum type="arabicPeriod"/>
-            </a:pPr>
-            <a:endParaRPr lang="en-US" altLang="ko-KR" dirty="0"/>
-          </a:p>
-        </p:txBody>
-      </p:sp>
-      <p:sp>
-        <p:nvSpPr>
-          <p:cNvPr id="4" name="제목 1">
-            <a:extLst>
-              <a:ext uri="{FF2B5EF4-FFF2-40B4-BE49-F238E27FC236}">
-                <a16:creationId xmlns:a16="http://schemas.microsoft.com/office/drawing/2014/main" id="{ED3408AA-67B3-4EBB-99C4-9A8815614107}"/>
+          <p:cNvPr id="9" name="제목 1">
+            <a:extLst>
+              <a:ext uri="{FF2B5EF4-FFF2-40B4-BE49-F238E27FC236}">
+                <a16:creationId xmlns:a16="http://schemas.microsoft.com/office/drawing/2014/main" id="{FCFB42D4-C515-4CDF-A5A8-BFB1536AF990}"/>
               </a:ext>
             </a:extLst>
           </p:cNvPr>
@@ -4964,8 +4910,8 @@
         </p:nvSpPr>
         <p:spPr>
           <a:xfrm>
-            <a:off x="6794500" y="149225"/>
-            <a:ext cx="5257800" cy="727075"/>
+            <a:off x="139700" y="149225"/>
+            <a:ext cx="5257800" cy="447675"/>
           </a:xfrm>
           <a:prstGeom prst="rect">
             <a:avLst/>
@@ -4996,14 +4942,1115 @@
           </a:lstStyle>
           <a:p>
             <a:r>
-              <a:rPr lang="ko-KR" altLang="en-US" sz="2800" dirty="0"/>
+              <a:rPr lang="ko-KR" altLang="en-US" sz="1800" dirty="0"/>
+              <a:t>화면 코드 </a:t>
+            </a:r>
+            <a:r>
+              <a:rPr lang="en-US" altLang="ko-KR" sz="1800" dirty="0"/>
+              <a:t>: </a:t>
+            </a:r>
+            <a:r>
+              <a:rPr lang="ko-KR" altLang="en-US" sz="1800" dirty="0"/>
+              <a:t>메인 홈페이지</a:t>
+            </a:r>
+          </a:p>
+        </p:txBody>
+      </p:sp>
+      <p:sp>
+        <p:nvSpPr>
+          <p:cNvPr id="10" name="제목 1">
+            <a:extLst>
+              <a:ext uri="{FF2B5EF4-FFF2-40B4-BE49-F238E27FC236}">
+                <a16:creationId xmlns:a16="http://schemas.microsoft.com/office/drawing/2014/main" id="{6B2993F1-BC6E-473D-8DF3-41B96C9EF94F}"/>
+              </a:ext>
+            </a:extLst>
+          </p:cNvPr>
+          <p:cNvSpPr txBox="1">
+            <a:spLocks/>
+          </p:cNvSpPr>
+          <p:nvPr/>
+        </p:nvSpPr>
+        <p:spPr>
+          <a:xfrm>
+            <a:off x="6794500" y="149225"/>
+            <a:ext cx="5257800" cy="447675"/>
+          </a:xfrm>
+          <a:prstGeom prst="rect">
+            <a:avLst/>
+          </a:prstGeom>
+        </p:spPr>
+        <p:txBody>
+          <a:bodyPr vert="horz" lIns="91440" tIns="45720" rIns="91440" bIns="45720" rtlCol="0" anchor="ctr">
+            <a:normAutofit/>
+          </a:bodyPr>
+          <a:lstStyle>
+            <a:lvl1pPr algn="l" defTabSz="914400" rtl="0" eaLnBrk="1" latinLnBrk="1" hangingPunct="1">
+              <a:lnSpc>
+                <a:spcPct val="90000"/>
+              </a:lnSpc>
+              <a:spcBef>
+                <a:spcPct val="0"/>
+              </a:spcBef>
+              <a:buNone/>
+              <a:defRPr sz="4400" kern="1200">
+                <a:solidFill>
+                  <a:schemeClr val="tx1"/>
+                </a:solidFill>
+                <a:latin typeface="+mj-lt"/>
+                <a:ea typeface="+mj-ea"/>
+                <a:cs typeface="+mj-cs"/>
+              </a:defRPr>
+            </a:lvl1pPr>
+          </a:lstStyle>
+          <a:p>
+            <a:r>
+              <a:rPr lang="ko-KR" altLang="en-US" sz="1800" dirty="0"/>
               <a:t>화면 경로 </a:t>
             </a:r>
             <a:r>
+              <a:rPr lang="en-US" altLang="ko-KR" sz="1800" dirty="0"/>
+              <a:t>: </a:t>
+            </a:r>
+            <a:r>
+              <a:rPr lang="ko-KR" altLang="en-US" sz="1800" dirty="0"/>
+              <a:t>메인 </a:t>
+            </a:r>
+            <a:r>
+              <a:rPr lang="en-US" altLang="ko-KR" sz="1800" dirty="0"/>
+              <a:t>index</a:t>
+            </a:r>
+            <a:endParaRPr lang="ko-KR" altLang="en-US" sz="1800" dirty="0"/>
+          </a:p>
+        </p:txBody>
+      </p:sp>
+      <p:sp>
+        <p:nvSpPr>
+          <p:cNvPr id="13" name="내용 개체 틀 2">
+            <a:extLst>
+              <a:ext uri="{FF2B5EF4-FFF2-40B4-BE49-F238E27FC236}">
+                <a16:creationId xmlns:a16="http://schemas.microsoft.com/office/drawing/2014/main" id="{A3B76F34-F58C-4732-B8DA-80F70CA750E1}"/>
+              </a:ext>
+            </a:extLst>
+          </p:cNvPr>
+          <p:cNvSpPr txBox="1">
+            <a:spLocks/>
+          </p:cNvSpPr>
+          <p:nvPr/>
+        </p:nvSpPr>
+        <p:spPr>
+          <a:xfrm>
+            <a:off x="9829800" y="1079500"/>
+            <a:ext cx="2286000" cy="5629275"/>
+          </a:xfrm>
+          <a:prstGeom prst="rect">
+            <a:avLst/>
+          </a:prstGeom>
+        </p:spPr>
+        <p:txBody>
+          <a:bodyPr vert="horz" lIns="91440" tIns="45720" rIns="91440" bIns="45720" rtlCol="0">
+            <a:normAutofit/>
+          </a:bodyPr>
+          <a:lstStyle>
+            <a:lvl1pPr marL="228600" indent="-228600" algn="l" defTabSz="914400" rtl="0" eaLnBrk="1" latinLnBrk="1" hangingPunct="1">
+              <a:lnSpc>
+                <a:spcPct val="90000"/>
+              </a:lnSpc>
+              <a:spcBef>
+                <a:spcPts val="1000"/>
+              </a:spcBef>
+              <a:buFont typeface="Arial" panose="020B0604020202020204" pitchFamily="34" charset="0"/>
+              <a:buChar char="•"/>
+              <a:defRPr sz="2800" kern="1200">
+                <a:solidFill>
+                  <a:schemeClr val="tx1"/>
+                </a:solidFill>
+                <a:latin typeface="+mn-lt"/>
+                <a:ea typeface="+mn-ea"/>
+                <a:cs typeface="+mn-cs"/>
+              </a:defRPr>
+            </a:lvl1pPr>
+            <a:lvl2pPr marL="685800" indent="-228600" algn="l" defTabSz="914400" rtl="0" eaLnBrk="1" latinLnBrk="1" hangingPunct="1">
+              <a:lnSpc>
+                <a:spcPct val="90000"/>
+              </a:lnSpc>
+              <a:spcBef>
+                <a:spcPts val="500"/>
+              </a:spcBef>
+              <a:buFont typeface="Arial" panose="020B0604020202020204" pitchFamily="34" charset="0"/>
+              <a:buChar char="•"/>
+              <a:defRPr sz="2400" kern="1200">
+                <a:solidFill>
+                  <a:schemeClr val="tx1"/>
+                </a:solidFill>
+                <a:latin typeface="+mn-lt"/>
+                <a:ea typeface="+mn-ea"/>
+                <a:cs typeface="+mn-cs"/>
+              </a:defRPr>
+            </a:lvl2pPr>
+            <a:lvl3pPr marL="1143000" indent="-228600" algn="l" defTabSz="914400" rtl="0" eaLnBrk="1" latinLnBrk="1" hangingPunct="1">
+              <a:lnSpc>
+                <a:spcPct val="90000"/>
+              </a:lnSpc>
+              <a:spcBef>
+                <a:spcPts val="500"/>
+              </a:spcBef>
+              <a:buFont typeface="Arial" panose="020B0604020202020204" pitchFamily="34" charset="0"/>
+              <a:buChar char="•"/>
+              <a:defRPr sz="2000" kern="1200">
+                <a:solidFill>
+                  <a:schemeClr val="tx1"/>
+                </a:solidFill>
+                <a:latin typeface="+mn-lt"/>
+                <a:ea typeface="+mn-ea"/>
+                <a:cs typeface="+mn-cs"/>
+              </a:defRPr>
+            </a:lvl3pPr>
+            <a:lvl4pPr marL="1600200" indent="-228600" algn="l" defTabSz="914400" rtl="0" eaLnBrk="1" latinLnBrk="1" hangingPunct="1">
+              <a:lnSpc>
+                <a:spcPct val="90000"/>
+              </a:lnSpc>
+              <a:spcBef>
+                <a:spcPts val="500"/>
+              </a:spcBef>
+              <a:buFont typeface="Arial" panose="020B0604020202020204" pitchFamily="34" charset="0"/>
+              <a:buChar char="•"/>
+              <a:defRPr sz="1800" kern="1200">
+                <a:solidFill>
+                  <a:schemeClr val="tx1"/>
+                </a:solidFill>
+                <a:latin typeface="+mn-lt"/>
+                <a:ea typeface="+mn-ea"/>
+                <a:cs typeface="+mn-cs"/>
+              </a:defRPr>
+            </a:lvl4pPr>
+            <a:lvl5pPr marL="2057400" indent="-228600" algn="l" defTabSz="914400" rtl="0" eaLnBrk="1" latinLnBrk="1" hangingPunct="1">
+              <a:lnSpc>
+                <a:spcPct val="90000"/>
+              </a:lnSpc>
+              <a:spcBef>
+                <a:spcPts val="500"/>
+              </a:spcBef>
+              <a:buFont typeface="Arial" panose="020B0604020202020204" pitchFamily="34" charset="0"/>
+              <a:buChar char="•"/>
+              <a:defRPr sz="1800" kern="1200">
+                <a:solidFill>
+                  <a:schemeClr val="tx1"/>
+                </a:solidFill>
+                <a:latin typeface="+mn-lt"/>
+                <a:ea typeface="+mn-ea"/>
+                <a:cs typeface="+mn-cs"/>
+              </a:defRPr>
+            </a:lvl5pPr>
+            <a:lvl6pPr marL="2514600" indent="-228600" algn="l" defTabSz="914400" rtl="0" eaLnBrk="1" latinLnBrk="1" hangingPunct="1">
+              <a:lnSpc>
+                <a:spcPct val="90000"/>
+              </a:lnSpc>
+              <a:spcBef>
+                <a:spcPts val="500"/>
+              </a:spcBef>
+              <a:buFont typeface="Arial" panose="020B0604020202020204" pitchFamily="34" charset="0"/>
+              <a:buChar char="•"/>
+              <a:defRPr sz="1800" kern="1200">
+                <a:solidFill>
+                  <a:schemeClr val="tx1"/>
+                </a:solidFill>
+                <a:latin typeface="+mn-lt"/>
+                <a:ea typeface="+mn-ea"/>
+                <a:cs typeface="+mn-cs"/>
+              </a:defRPr>
+            </a:lvl6pPr>
+            <a:lvl7pPr marL="2971800" indent="-228600" algn="l" defTabSz="914400" rtl="0" eaLnBrk="1" latinLnBrk="1" hangingPunct="1">
+              <a:lnSpc>
+                <a:spcPct val="90000"/>
+              </a:lnSpc>
+              <a:spcBef>
+                <a:spcPts val="500"/>
+              </a:spcBef>
+              <a:buFont typeface="Arial" panose="020B0604020202020204" pitchFamily="34" charset="0"/>
+              <a:buChar char="•"/>
+              <a:defRPr sz="1800" kern="1200">
+                <a:solidFill>
+                  <a:schemeClr val="tx1"/>
+                </a:solidFill>
+                <a:latin typeface="+mn-lt"/>
+                <a:ea typeface="+mn-ea"/>
+                <a:cs typeface="+mn-cs"/>
+              </a:defRPr>
+            </a:lvl7pPr>
+            <a:lvl8pPr marL="3429000" indent="-228600" algn="l" defTabSz="914400" rtl="0" eaLnBrk="1" latinLnBrk="1" hangingPunct="1">
+              <a:lnSpc>
+                <a:spcPct val="90000"/>
+              </a:lnSpc>
+              <a:spcBef>
+                <a:spcPts val="500"/>
+              </a:spcBef>
+              <a:buFont typeface="Arial" panose="020B0604020202020204" pitchFamily="34" charset="0"/>
+              <a:buChar char="•"/>
+              <a:defRPr sz="1800" kern="1200">
+                <a:solidFill>
+                  <a:schemeClr val="tx1"/>
+                </a:solidFill>
+                <a:latin typeface="+mn-lt"/>
+                <a:ea typeface="+mn-ea"/>
+                <a:cs typeface="+mn-cs"/>
+              </a:defRPr>
+            </a:lvl8pPr>
+            <a:lvl9pPr marL="3886200" indent="-228600" algn="l" defTabSz="914400" rtl="0" eaLnBrk="1" latinLnBrk="1" hangingPunct="1">
+              <a:lnSpc>
+                <a:spcPct val="90000"/>
+              </a:lnSpc>
+              <a:spcBef>
+                <a:spcPts val="500"/>
+              </a:spcBef>
+              <a:buFont typeface="Arial" panose="020B0604020202020204" pitchFamily="34" charset="0"/>
+              <a:buChar char="•"/>
+              <a:defRPr sz="1800" kern="1200">
+                <a:solidFill>
+                  <a:schemeClr val="tx1"/>
+                </a:solidFill>
+                <a:latin typeface="+mn-lt"/>
+                <a:ea typeface="+mn-ea"/>
+                <a:cs typeface="+mn-cs"/>
+              </a:defRPr>
+            </a:lvl9pPr>
+          </a:lstStyle>
+          <a:p>
+            <a:pPr marL="514350" indent="-514350">
+              <a:buFont typeface="Arial" panose="020B0604020202020204" pitchFamily="34" charset="0"/>
+              <a:buAutoNum type="arabicPeriod"/>
+            </a:pPr>
+            <a:r>
+              <a:rPr lang="ko-KR" altLang="en-US" sz="1800" dirty="0"/>
+              <a:t>메뉴</a:t>
+            </a:r>
+            <a:endParaRPr lang="en-US" altLang="ko-KR" sz="1800" dirty="0"/>
+          </a:p>
+          <a:p>
+            <a:pPr marL="457200" lvl="1" indent="0">
+              <a:buNone/>
+            </a:pPr>
+            <a:r>
+              <a:rPr lang="ko-KR" altLang="en-US" sz="1400" dirty="0"/>
+              <a:t>상단에 고정되어 위치한 메뉴로</a:t>
+            </a:r>
+            <a:r>
+              <a:rPr lang="en-US" altLang="ko-KR" sz="1400" dirty="0"/>
+              <a:t>, </a:t>
+            </a:r>
+            <a:r>
+              <a:rPr lang="ko-KR" altLang="en-US" sz="1400" dirty="0"/>
+              <a:t>다른 페이지로 이동</a:t>
+            </a:r>
+            <a:endParaRPr lang="en-US" altLang="ko-KR" sz="1400" dirty="0"/>
+          </a:p>
+          <a:p>
+            <a:pPr marL="457200" lvl="1" indent="0">
+              <a:buNone/>
+            </a:pPr>
+            <a:r>
+              <a:rPr lang="ko-KR" altLang="en-US" sz="1400" dirty="0"/>
+              <a:t>왼쪽 </a:t>
+            </a:r>
+            <a:r>
+              <a:rPr lang="en-US" altLang="ko-KR" sz="1400" dirty="0"/>
+              <a:t>‘</a:t>
+            </a:r>
+            <a:r>
+              <a:rPr lang="ko-KR" altLang="en-US" sz="1400" dirty="0"/>
+              <a:t>가지탈출</a:t>
+            </a:r>
+            <a:r>
+              <a:rPr lang="en-US" altLang="ko-KR" sz="1400" dirty="0"/>
+              <a:t>’</a:t>
+            </a:r>
+            <a:r>
+              <a:rPr lang="ko-KR" altLang="en-US" sz="1400" dirty="0"/>
+              <a:t> 문구가 존재하여 클릭할 시 바로 메인 페이지로 이동한다</a:t>
+            </a:r>
+            <a:r>
+              <a:rPr lang="en-US" altLang="ko-KR" sz="1400" dirty="0"/>
+              <a:t>. </a:t>
+            </a:r>
+            <a:r>
+              <a:rPr lang="ko-KR" altLang="en-US" sz="1400" dirty="0"/>
+              <a:t>오른쪽의 햄버거 메뉴 버튼을 통해 메뉴를 볼 수 있다</a:t>
+            </a:r>
+            <a:r>
+              <a:rPr lang="en-US" altLang="ko-KR" sz="1400" dirty="0"/>
+              <a:t>.</a:t>
+            </a:r>
+          </a:p>
+          <a:p>
+            <a:pPr marL="457200" lvl="1" indent="0">
+              <a:buNone/>
+            </a:pPr>
+            <a:endParaRPr lang="en-US" altLang="ko-KR" sz="1400" dirty="0"/>
+          </a:p>
+          <a:p>
+            <a:pPr marL="514350" indent="-514350">
+              <a:buFont typeface="Arial" panose="020B0604020202020204" pitchFamily="34" charset="0"/>
+              <a:buAutoNum type="arabicPeriod"/>
+            </a:pPr>
+            <a:r>
+              <a:rPr lang="ko-KR" altLang="en-US" sz="1800" dirty="0"/>
+              <a:t>홈페이지 설명</a:t>
+            </a:r>
+            <a:endParaRPr lang="en-US" altLang="ko-KR" sz="1800" dirty="0"/>
+          </a:p>
+          <a:p>
+            <a:pPr marL="457200" lvl="1" indent="0">
+              <a:buNone/>
+            </a:pPr>
+            <a:r>
+              <a:rPr lang="ko-KR" altLang="en-US" sz="1400" dirty="0"/>
+              <a:t>홈페이지에 대한 세 가지 설명 서술</a:t>
+            </a:r>
+            <a:endParaRPr lang="en-US" altLang="ko-KR" sz="1800" dirty="0"/>
+          </a:p>
+          <a:p>
+            <a:pPr marL="514350" indent="-514350">
+              <a:buFont typeface="Arial" panose="020B0604020202020204" pitchFamily="34" charset="0"/>
+              <a:buAutoNum type="arabicPeriod"/>
+            </a:pPr>
+            <a:r>
+              <a:rPr lang="en-US" altLang="ko-KR" sz="1800" dirty="0"/>
+              <a:t>Footer</a:t>
+            </a:r>
+            <a:endParaRPr lang="en-US" altLang="ko-KR" sz="1400" dirty="0"/>
+          </a:p>
+          <a:p>
+            <a:pPr marL="457200" lvl="1" indent="0">
+              <a:buNone/>
+            </a:pPr>
+            <a:r>
+              <a:rPr lang="ko-KR" altLang="en-US" sz="1400" dirty="0"/>
+              <a:t>하단에 위치한 </a:t>
+            </a:r>
+            <a:r>
+              <a:rPr lang="en-US" altLang="ko-KR" sz="1400" dirty="0"/>
+              <a:t>footer</a:t>
+            </a:r>
+            <a:r>
+              <a:rPr lang="ko-KR" altLang="en-US" sz="1400" dirty="0"/>
+              <a:t>이다</a:t>
+            </a:r>
+            <a:r>
+              <a:rPr lang="en-US" altLang="ko-KR" sz="1400" dirty="0"/>
+              <a:t>.</a:t>
+            </a:r>
+          </a:p>
+          <a:p>
+            <a:pPr marL="457200" lvl="1" indent="0">
+              <a:buNone/>
+            </a:pPr>
+            <a:r>
+              <a:rPr lang="ko-KR" altLang="en-US" sz="1400" dirty="0"/>
+              <a:t>제작자 이메일</a:t>
+            </a:r>
+            <a:r>
+              <a:rPr lang="en-US" altLang="ko-KR" sz="1400" dirty="0"/>
+              <a:t>, </a:t>
+            </a:r>
+            <a:r>
+              <a:rPr lang="ko-KR" altLang="en-US" sz="1400" dirty="0" err="1"/>
+              <a:t>깃허브</a:t>
+            </a:r>
+            <a:r>
+              <a:rPr lang="ko-KR" altLang="en-US" sz="1400" dirty="0"/>
+              <a:t> 주소와 </a:t>
+            </a:r>
+            <a:r>
+              <a:rPr lang="en-US" altLang="ko-KR" sz="1400" dirty="0"/>
+              <a:t>SNS </a:t>
+            </a:r>
+            <a:r>
+              <a:rPr lang="ko-KR" altLang="en-US" sz="1400" dirty="0"/>
+              <a:t>아이콘이 있다</a:t>
+            </a:r>
+            <a:r>
+              <a:rPr lang="en-US" altLang="ko-KR" sz="1400" dirty="0"/>
+              <a:t>.</a:t>
+            </a:r>
+          </a:p>
+        </p:txBody>
+      </p:sp>
+      <p:sp>
+        <p:nvSpPr>
+          <p:cNvPr id="14" name="직사각형 13">
+            <a:extLst>
+              <a:ext uri="{FF2B5EF4-FFF2-40B4-BE49-F238E27FC236}">
+                <a16:creationId xmlns:a16="http://schemas.microsoft.com/office/drawing/2014/main" id="{AF8A01A6-6F28-477D-B109-C72EE252DC2F}"/>
+              </a:ext>
+            </a:extLst>
+          </p:cNvPr>
+          <p:cNvSpPr/>
+          <p:nvPr/>
+        </p:nvSpPr>
+        <p:spPr>
+          <a:xfrm>
+            <a:off x="1041400" y="1079500"/>
+            <a:ext cx="7531100" cy="447675"/>
+          </a:xfrm>
+          <a:prstGeom prst="rect">
+            <a:avLst/>
+          </a:prstGeom>
+          <a:ln>
+            <a:solidFill>
+              <a:schemeClr val="tx1"/>
+            </a:solidFill>
+          </a:ln>
+        </p:spPr>
+        <p:style>
+          <a:lnRef idx="2">
+            <a:schemeClr val="accent6"/>
+          </a:lnRef>
+          <a:fillRef idx="1">
+            <a:schemeClr val="lt1"/>
+          </a:fillRef>
+          <a:effectRef idx="0">
+            <a:schemeClr val="accent6"/>
+          </a:effectRef>
+          <a:fontRef idx="minor">
+            <a:schemeClr val="dk1"/>
+          </a:fontRef>
+        </p:style>
+        <p:txBody>
+          <a:bodyPr rtlCol="0" anchor="ctr"/>
+          <a:lstStyle/>
+          <a:p>
+            <a:pPr algn="ctr"/>
+            <a:endParaRPr lang="ko-KR" altLang="en-US" dirty="0"/>
+          </a:p>
+        </p:txBody>
+      </p:sp>
+      <p:sp>
+        <p:nvSpPr>
+          <p:cNvPr id="15" name="직사각형 14">
+            <a:extLst>
+              <a:ext uri="{FF2B5EF4-FFF2-40B4-BE49-F238E27FC236}">
+                <a16:creationId xmlns:a16="http://schemas.microsoft.com/office/drawing/2014/main" id="{45A1D8A7-AAA8-4243-B514-DB82FC6DAC70}"/>
+              </a:ext>
+            </a:extLst>
+          </p:cNvPr>
+          <p:cNvSpPr/>
+          <p:nvPr/>
+        </p:nvSpPr>
+        <p:spPr>
+          <a:xfrm>
+            <a:off x="1041400" y="1527175"/>
+            <a:ext cx="7531100" cy="4479925"/>
+          </a:xfrm>
+          <a:prstGeom prst="rect">
+            <a:avLst/>
+          </a:prstGeom>
+          <a:ln>
+            <a:solidFill>
+              <a:schemeClr val="tx1"/>
+            </a:solidFill>
+          </a:ln>
+        </p:spPr>
+        <p:style>
+          <a:lnRef idx="2">
+            <a:schemeClr val="accent6"/>
+          </a:lnRef>
+          <a:fillRef idx="1">
+            <a:schemeClr val="lt1"/>
+          </a:fillRef>
+          <a:effectRef idx="0">
+            <a:schemeClr val="accent6"/>
+          </a:effectRef>
+          <a:fontRef idx="minor">
+            <a:schemeClr val="dk1"/>
+          </a:fontRef>
+        </p:style>
+        <p:txBody>
+          <a:bodyPr rtlCol="0" anchor="ctr"/>
+          <a:lstStyle/>
+          <a:p>
+            <a:pPr algn="ctr"/>
+            <a:endParaRPr lang="ko-KR" altLang="en-US" dirty="0"/>
+          </a:p>
+        </p:txBody>
+      </p:sp>
+      <p:sp>
+        <p:nvSpPr>
+          <p:cNvPr id="17" name="직사각형 16">
+            <a:extLst>
+              <a:ext uri="{FF2B5EF4-FFF2-40B4-BE49-F238E27FC236}">
+                <a16:creationId xmlns:a16="http://schemas.microsoft.com/office/drawing/2014/main" id="{9FF0C041-2A5D-4FE5-A2A9-30E8B50A5655}"/>
+              </a:ext>
+            </a:extLst>
+          </p:cNvPr>
+          <p:cNvSpPr/>
+          <p:nvPr/>
+        </p:nvSpPr>
+        <p:spPr>
+          <a:xfrm>
+            <a:off x="1041400" y="5997575"/>
+            <a:ext cx="7531100" cy="447675"/>
+          </a:xfrm>
+          <a:prstGeom prst="rect">
+            <a:avLst/>
+          </a:prstGeom>
+          <a:ln>
+            <a:solidFill>
+              <a:schemeClr val="tx1"/>
+            </a:solidFill>
+          </a:ln>
+        </p:spPr>
+        <p:style>
+          <a:lnRef idx="2">
+            <a:schemeClr val="accent6"/>
+          </a:lnRef>
+          <a:fillRef idx="1">
+            <a:schemeClr val="lt1"/>
+          </a:fillRef>
+          <a:effectRef idx="0">
+            <a:schemeClr val="accent6"/>
+          </a:effectRef>
+          <a:fontRef idx="minor">
+            <a:schemeClr val="dk1"/>
+          </a:fontRef>
+        </p:style>
+        <p:txBody>
+          <a:bodyPr rtlCol="0" anchor="ctr"/>
+          <a:lstStyle/>
+          <a:p>
+            <a:pPr algn="ctr"/>
+            <a:endParaRPr lang="ko-KR" altLang="en-US" dirty="0"/>
+          </a:p>
+        </p:txBody>
+      </p:sp>
+      <p:sp>
+        <p:nvSpPr>
+          <p:cNvPr id="18" name="직사각형 17">
+            <a:extLst>
+              <a:ext uri="{FF2B5EF4-FFF2-40B4-BE49-F238E27FC236}">
+                <a16:creationId xmlns:a16="http://schemas.microsoft.com/office/drawing/2014/main" id="{83AEACC7-E739-4C46-8FD9-9F943AD84BAC}"/>
+              </a:ext>
+            </a:extLst>
+          </p:cNvPr>
+          <p:cNvSpPr/>
+          <p:nvPr/>
+        </p:nvSpPr>
+        <p:spPr>
+          <a:xfrm>
+            <a:off x="844550" y="763587"/>
+            <a:ext cx="571500" cy="539750"/>
+          </a:xfrm>
+          <a:prstGeom prst="rect">
+            <a:avLst/>
+          </a:prstGeom>
+        </p:spPr>
+        <p:style>
+          <a:lnRef idx="2">
+            <a:schemeClr val="dk1">
+              <a:shade val="50000"/>
+            </a:schemeClr>
+          </a:lnRef>
+          <a:fillRef idx="1">
+            <a:schemeClr val="dk1"/>
+          </a:fillRef>
+          <a:effectRef idx="0">
+            <a:schemeClr val="dk1"/>
+          </a:effectRef>
+          <a:fontRef idx="minor">
+            <a:schemeClr val="lt1"/>
+          </a:fontRef>
+        </p:style>
+        <p:txBody>
+          <a:bodyPr rtlCol="0" anchor="ctr"/>
+          <a:lstStyle/>
+          <a:p>
+            <a:pPr algn="ctr"/>
+            <a:r>
               <a:rPr lang="en-US" altLang="ko-KR" sz="2800" dirty="0"/>
-              <a:t>: </a:t>
+              <a:t>1</a:t>
             </a:r>
             <a:endParaRPr lang="ko-KR" altLang="en-US" sz="2800" dirty="0"/>
+          </a:p>
+        </p:txBody>
+      </p:sp>
+      <p:sp>
+        <p:nvSpPr>
+          <p:cNvPr id="19" name="직사각형 18">
+            <a:extLst>
+              <a:ext uri="{FF2B5EF4-FFF2-40B4-BE49-F238E27FC236}">
+                <a16:creationId xmlns:a16="http://schemas.microsoft.com/office/drawing/2014/main" id="{E72D8FE9-550D-469C-9913-9BBC78049BF4}"/>
+              </a:ext>
+            </a:extLst>
+          </p:cNvPr>
+          <p:cNvSpPr/>
+          <p:nvPr/>
+        </p:nvSpPr>
+        <p:spPr>
+          <a:xfrm>
+            <a:off x="844550" y="1470025"/>
+            <a:ext cx="571500" cy="539750"/>
+          </a:xfrm>
+          <a:prstGeom prst="rect">
+            <a:avLst/>
+          </a:prstGeom>
+        </p:spPr>
+        <p:style>
+          <a:lnRef idx="2">
+            <a:schemeClr val="dk1">
+              <a:shade val="50000"/>
+            </a:schemeClr>
+          </a:lnRef>
+          <a:fillRef idx="1">
+            <a:schemeClr val="dk1"/>
+          </a:fillRef>
+          <a:effectRef idx="0">
+            <a:schemeClr val="dk1"/>
+          </a:effectRef>
+          <a:fontRef idx="minor">
+            <a:schemeClr val="lt1"/>
+          </a:fontRef>
+        </p:style>
+        <p:txBody>
+          <a:bodyPr rtlCol="0" anchor="ctr"/>
+          <a:lstStyle/>
+          <a:p>
+            <a:pPr algn="ctr"/>
+            <a:r>
+              <a:rPr lang="en-US" altLang="ko-KR" sz="2800" dirty="0"/>
+              <a:t>2</a:t>
+            </a:r>
+            <a:endParaRPr lang="ko-KR" altLang="en-US" sz="2800" dirty="0"/>
+          </a:p>
+        </p:txBody>
+      </p:sp>
+      <p:sp>
+        <p:nvSpPr>
+          <p:cNvPr id="20" name="직사각형 19">
+            <a:extLst>
+              <a:ext uri="{FF2B5EF4-FFF2-40B4-BE49-F238E27FC236}">
+                <a16:creationId xmlns:a16="http://schemas.microsoft.com/office/drawing/2014/main" id="{8E8CD7BC-55DB-4AD6-B30C-78D5FBB7C710}"/>
+              </a:ext>
+            </a:extLst>
+          </p:cNvPr>
+          <p:cNvSpPr/>
+          <p:nvPr/>
+        </p:nvSpPr>
+        <p:spPr>
+          <a:xfrm>
+            <a:off x="844550" y="5783262"/>
+            <a:ext cx="571500" cy="539750"/>
+          </a:xfrm>
+          <a:prstGeom prst="rect">
+            <a:avLst/>
+          </a:prstGeom>
+        </p:spPr>
+        <p:style>
+          <a:lnRef idx="2">
+            <a:schemeClr val="dk1">
+              <a:shade val="50000"/>
+            </a:schemeClr>
+          </a:lnRef>
+          <a:fillRef idx="1">
+            <a:schemeClr val="dk1"/>
+          </a:fillRef>
+          <a:effectRef idx="0">
+            <a:schemeClr val="dk1"/>
+          </a:effectRef>
+          <a:fontRef idx="minor">
+            <a:schemeClr val="lt1"/>
+          </a:fontRef>
+        </p:style>
+        <p:txBody>
+          <a:bodyPr rtlCol="0" anchor="ctr"/>
+          <a:lstStyle/>
+          <a:p>
+            <a:pPr algn="ctr"/>
+            <a:r>
+              <a:rPr lang="en-US" altLang="ko-KR" sz="2800" dirty="0"/>
+              <a:t>3</a:t>
+            </a:r>
+            <a:endParaRPr lang="ko-KR" altLang="en-US" sz="2800" dirty="0"/>
+          </a:p>
+        </p:txBody>
+      </p:sp>
+      <p:sp>
+        <p:nvSpPr>
+          <p:cNvPr id="21" name="직사각형 20">
+            <a:extLst>
+              <a:ext uri="{FF2B5EF4-FFF2-40B4-BE49-F238E27FC236}">
+                <a16:creationId xmlns:a16="http://schemas.microsoft.com/office/drawing/2014/main" id="{2BE9D581-2224-4B80-B6AC-3C23299BDFDC}"/>
+              </a:ext>
+            </a:extLst>
+          </p:cNvPr>
+          <p:cNvSpPr/>
+          <p:nvPr/>
+        </p:nvSpPr>
+        <p:spPr>
+          <a:xfrm>
+            <a:off x="5314950" y="1765300"/>
+            <a:ext cx="2330450" cy="1139825"/>
+          </a:xfrm>
+          <a:prstGeom prst="rect">
+            <a:avLst/>
+          </a:prstGeom>
+          <a:ln>
+            <a:solidFill>
+              <a:schemeClr val="tx1"/>
+            </a:solidFill>
+          </a:ln>
+        </p:spPr>
+        <p:style>
+          <a:lnRef idx="2">
+            <a:schemeClr val="accent6"/>
+          </a:lnRef>
+          <a:fillRef idx="1">
+            <a:schemeClr val="lt1"/>
+          </a:fillRef>
+          <a:effectRef idx="0">
+            <a:schemeClr val="accent6"/>
+          </a:effectRef>
+          <a:fontRef idx="minor">
+            <a:schemeClr val="dk1"/>
+          </a:fontRef>
+        </p:style>
+        <p:txBody>
+          <a:bodyPr rtlCol="0" anchor="ctr"/>
+          <a:lstStyle/>
+          <a:p>
+            <a:pPr algn="ctr"/>
+            <a:endParaRPr lang="ko-KR" altLang="en-US"/>
+          </a:p>
+        </p:txBody>
+      </p:sp>
+      <p:sp>
+        <p:nvSpPr>
+          <p:cNvPr id="24" name="직사각형 23">
+            <a:extLst>
+              <a:ext uri="{FF2B5EF4-FFF2-40B4-BE49-F238E27FC236}">
+                <a16:creationId xmlns:a16="http://schemas.microsoft.com/office/drawing/2014/main" id="{C945BA86-17BA-408B-B243-84D9F27CE1C6}"/>
+              </a:ext>
+            </a:extLst>
+          </p:cNvPr>
+          <p:cNvSpPr/>
+          <p:nvPr/>
+        </p:nvSpPr>
+        <p:spPr>
+          <a:xfrm>
+            <a:off x="5314950" y="3192462"/>
+            <a:ext cx="2330450" cy="1139825"/>
+          </a:xfrm>
+          <a:prstGeom prst="rect">
+            <a:avLst/>
+          </a:prstGeom>
+          <a:ln>
+            <a:solidFill>
+              <a:schemeClr val="tx1"/>
+            </a:solidFill>
+          </a:ln>
+        </p:spPr>
+        <p:style>
+          <a:lnRef idx="2">
+            <a:schemeClr val="accent6"/>
+          </a:lnRef>
+          <a:fillRef idx="1">
+            <a:schemeClr val="lt1"/>
+          </a:fillRef>
+          <a:effectRef idx="0">
+            <a:schemeClr val="accent6"/>
+          </a:effectRef>
+          <a:fontRef idx="minor">
+            <a:schemeClr val="dk1"/>
+          </a:fontRef>
+        </p:style>
+        <p:txBody>
+          <a:bodyPr rtlCol="0" anchor="ctr"/>
+          <a:lstStyle/>
+          <a:p>
+            <a:pPr algn="ctr"/>
+            <a:endParaRPr lang="ko-KR" altLang="en-US"/>
+          </a:p>
+        </p:txBody>
+      </p:sp>
+      <p:sp>
+        <p:nvSpPr>
+          <p:cNvPr id="25" name="직사각형 24">
+            <a:extLst>
+              <a:ext uri="{FF2B5EF4-FFF2-40B4-BE49-F238E27FC236}">
+                <a16:creationId xmlns:a16="http://schemas.microsoft.com/office/drawing/2014/main" id="{F6051782-772D-4EF0-943B-DC6902295A1C}"/>
+              </a:ext>
+            </a:extLst>
+          </p:cNvPr>
+          <p:cNvSpPr/>
+          <p:nvPr/>
+        </p:nvSpPr>
+        <p:spPr>
+          <a:xfrm>
+            <a:off x="5314950" y="4595018"/>
+            <a:ext cx="2330450" cy="1139825"/>
+          </a:xfrm>
+          <a:prstGeom prst="rect">
+            <a:avLst/>
+          </a:prstGeom>
+          <a:ln>
+            <a:solidFill>
+              <a:schemeClr val="tx1"/>
+            </a:solidFill>
+          </a:ln>
+        </p:spPr>
+        <p:style>
+          <a:lnRef idx="2">
+            <a:schemeClr val="accent6"/>
+          </a:lnRef>
+          <a:fillRef idx="1">
+            <a:schemeClr val="lt1"/>
+          </a:fillRef>
+          <a:effectRef idx="0">
+            <a:schemeClr val="accent6"/>
+          </a:effectRef>
+          <a:fontRef idx="minor">
+            <a:schemeClr val="dk1"/>
+          </a:fontRef>
+        </p:style>
+        <p:txBody>
+          <a:bodyPr rtlCol="0" anchor="ctr"/>
+          <a:lstStyle/>
+          <a:p>
+            <a:pPr algn="ctr"/>
+            <a:endParaRPr lang="ko-KR" altLang="en-US"/>
+          </a:p>
+        </p:txBody>
+      </p:sp>
+      <p:cxnSp>
+        <p:nvCxnSpPr>
+          <p:cNvPr id="27" name="직선 연결선 26">
+            <a:extLst>
+              <a:ext uri="{FF2B5EF4-FFF2-40B4-BE49-F238E27FC236}">
+                <a16:creationId xmlns:a16="http://schemas.microsoft.com/office/drawing/2014/main" id="{7878BDED-C046-4040-B73D-3BE8B6D78FD2}"/>
+              </a:ext>
+            </a:extLst>
+          </p:cNvPr>
+          <p:cNvCxnSpPr/>
+          <p:nvPr/>
+        </p:nvCxnSpPr>
+        <p:spPr>
+          <a:xfrm flipH="1">
+            <a:off x="5314950" y="1765300"/>
+            <a:ext cx="2330450" cy="1139825"/>
+          </a:xfrm>
+          <a:prstGeom prst="line">
+            <a:avLst/>
+          </a:prstGeom>
+        </p:spPr>
+        <p:style>
+          <a:lnRef idx="1">
+            <a:schemeClr val="dk1"/>
+          </a:lnRef>
+          <a:fillRef idx="0">
+            <a:schemeClr val="dk1"/>
+          </a:fillRef>
+          <a:effectRef idx="0">
+            <a:schemeClr val="dk1"/>
+          </a:effectRef>
+          <a:fontRef idx="minor">
+            <a:schemeClr val="tx1"/>
+          </a:fontRef>
+        </p:style>
+      </p:cxnSp>
+      <p:cxnSp>
+        <p:nvCxnSpPr>
+          <p:cNvPr id="28" name="직선 연결선 27">
+            <a:extLst>
+              <a:ext uri="{FF2B5EF4-FFF2-40B4-BE49-F238E27FC236}">
+                <a16:creationId xmlns:a16="http://schemas.microsoft.com/office/drawing/2014/main" id="{44E6A33B-6CF5-4A28-B7C4-0E604B2219BF}"/>
+              </a:ext>
+            </a:extLst>
+          </p:cNvPr>
+          <p:cNvCxnSpPr/>
+          <p:nvPr/>
+        </p:nvCxnSpPr>
+        <p:spPr>
+          <a:xfrm flipH="1">
+            <a:off x="5314950" y="3163887"/>
+            <a:ext cx="2330450" cy="1139825"/>
+          </a:xfrm>
+          <a:prstGeom prst="line">
+            <a:avLst/>
+          </a:prstGeom>
+        </p:spPr>
+        <p:style>
+          <a:lnRef idx="1">
+            <a:schemeClr val="dk1"/>
+          </a:lnRef>
+          <a:fillRef idx="0">
+            <a:schemeClr val="dk1"/>
+          </a:fillRef>
+          <a:effectRef idx="0">
+            <a:schemeClr val="dk1"/>
+          </a:effectRef>
+          <a:fontRef idx="minor">
+            <a:schemeClr val="tx1"/>
+          </a:fontRef>
+        </p:style>
+      </p:cxnSp>
+      <p:cxnSp>
+        <p:nvCxnSpPr>
+          <p:cNvPr id="29" name="직선 연결선 28">
+            <a:extLst>
+              <a:ext uri="{FF2B5EF4-FFF2-40B4-BE49-F238E27FC236}">
+                <a16:creationId xmlns:a16="http://schemas.microsoft.com/office/drawing/2014/main" id="{76C7157B-8C6F-44DF-9092-C949763C11AA}"/>
+              </a:ext>
+            </a:extLst>
+          </p:cNvPr>
+          <p:cNvCxnSpPr/>
+          <p:nvPr/>
+        </p:nvCxnSpPr>
+        <p:spPr>
+          <a:xfrm flipH="1">
+            <a:off x="5314950" y="4596605"/>
+            <a:ext cx="2330450" cy="1139825"/>
+          </a:xfrm>
+          <a:prstGeom prst="line">
+            <a:avLst/>
+          </a:prstGeom>
+        </p:spPr>
+        <p:style>
+          <a:lnRef idx="1">
+            <a:schemeClr val="dk1"/>
+          </a:lnRef>
+          <a:fillRef idx="0">
+            <a:schemeClr val="dk1"/>
+          </a:fillRef>
+          <a:effectRef idx="0">
+            <a:schemeClr val="dk1"/>
+          </a:effectRef>
+          <a:fontRef idx="minor">
+            <a:schemeClr val="tx1"/>
+          </a:fontRef>
+        </p:style>
+      </p:cxnSp>
+      <p:sp>
+        <p:nvSpPr>
+          <p:cNvPr id="30" name="TextBox 29">
+            <a:extLst>
+              <a:ext uri="{FF2B5EF4-FFF2-40B4-BE49-F238E27FC236}">
+                <a16:creationId xmlns:a16="http://schemas.microsoft.com/office/drawing/2014/main" id="{9017CA4A-A76A-4671-BD95-DF1DDDDE899A}"/>
+              </a:ext>
+            </a:extLst>
+          </p:cNvPr>
+          <p:cNvSpPr txBox="1"/>
+          <p:nvPr/>
+        </p:nvSpPr>
+        <p:spPr>
+          <a:xfrm>
+            <a:off x="2032000" y="1967597"/>
+            <a:ext cx="1898650" cy="646331"/>
+          </a:xfrm>
+          <a:prstGeom prst="rect">
+            <a:avLst/>
+          </a:prstGeom>
+          <a:noFill/>
+        </p:spPr>
+        <p:txBody>
+          <a:bodyPr wrap="square" rtlCol="0">
+            <a:spAutoFit/>
+          </a:bodyPr>
+          <a:lstStyle/>
+          <a:p>
+            <a:r>
+              <a:rPr lang="ko-KR" altLang="en-US" dirty="0"/>
+              <a:t>당신 근처의</a:t>
+            </a:r>
+            <a:endParaRPr lang="en-US" altLang="ko-KR" dirty="0"/>
+          </a:p>
+          <a:p>
+            <a:r>
+              <a:rPr lang="ko-KR" altLang="en-US" dirty="0"/>
+              <a:t>탈출 시설</a:t>
+            </a:r>
+          </a:p>
+        </p:txBody>
+      </p:sp>
+      <p:sp>
+        <p:nvSpPr>
+          <p:cNvPr id="31" name="TextBox 30">
+            <a:extLst>
+              <a:ext uri="{FF2B5EF4-FFF2-40B4-BE49-F238E27FC236}">
+                <a16:creationId xmlns:a16="http://schemas.microsoft.com/office/drawing/2014/main" id="{FD3E01A9-25A4-41A2-B836-A58A12FDD1A0}"/>
+              </a:ext>
+            </a:extLst>
+          </p:cNvPr>
+          <p:cNvSpPr txBox="1"/>
+          <p:nvPr/>
+        </p:nvSpPr>
+        <p:spPr>
+          <a:xfrm>
+            <a:off x="2032000" y="3241675"/>
+            <a:ext cx="1898650" cy="646331"/>
+          </a:xfrm>
+          <a:prstGeom prst="rect">
+            <a:avLst/>
+          </a:prstGeom>
+          <a:noFill/>
+        </p:spPr>
+        <p:txBody>
+          <a:bodyPr wrap="square" rtlCol="0">
+            <a:spAutoFit/>
+          </a:bodyPr>
+          <a:lstStyle/>
+          <a:p>
+            <a:r>
+              <a:rPr lang="ko-KR" altLang="en-US" dirty="0"/>
+              <a:t>우리 동네</a:t>
+            </a:r>
+            <a:endParaRPr lang="en-US" altLang="ko-KR" dirty="0"/>
+          </a:p>
+          <a:p>
+            <a:r>
+              <a:rPr lang="ko-KR" altLang="en-US" dirty="0"/>
+              <a:t>탈출 시설</a:t>
+            </a:r>
+          </a:p>
+        </p:txBody>
+      </p:sp>
+      <p:sp>
+        <p:nvSpPr>
+          <p:cNvPr id="32" name="TextBox 31">
+            <a:extLst>
+              <a:ext uri="{FF2B5EF4-FFF2-40B4-BE49-F238E27FC236}">
+                <a16:creationId xmlns:a16="http://schemas.microsoft.com/office/drawing/2014/main" id="{FE4F4B97-815C-4C25-893C-08224B40527E}"/>
+              </a:ext>
+            </a:extLst>
+          </p:cNvPr>
+          <p:cNvSpPr txBox="1"/>
+          <p:nvPr/>
+        </p:nvSpPr>
+        <p:spPr>
+          <a:xfrm>
+            <a:off x="2032000" y="4619625"/>
+            <a:ext cx="1898650" cy="646331"/>
+          </a:xfrm>
+          <a:prstGeom prst="rect">
+            <a:avLst/>
+          </a:prstGeom>
+          <a:noFill/>
+        </p:spPr>
+        <p:txBody>
+          <a:bodyPr wrap="square" rtlCol="0">
+            <a:spAutoFit/>
+          </a:bodyPr>
+          <a:lstStyle/>
+          <a:p>
+            <a:r>
+              <a:rPr lang="ko-KR" altLang="en-US" dirty="0" err="1"/>
+              <a:t>탈출러와</a:t>
+            </a:r>
+            <a:r>
+              <a:rPr lang="ko-KR" altLang="en-US" dirty="0"/>
+              <a:t> 함께 하는 </a:t>
+            </a:r>
+            <a:r>
+              <a:rPr lang="ko-KR" altLang="en-US" dirty="0" err="1"/>
+              <a:t>탈출기</a:t>
+            </a:r>
+            <a:endParaRPr lang="ko-KR" altLang="en-US" dirty="0"/>
           </a:p>
         </p:txBody>
       </p:sp>
@@ -5011,6 +6058,3862 @@
     <p:extLst>
       <p:ext uri="{BB962C8B-B14F-4D97-AF65-F5344CB8AC3E}">
         <p14:creationId xmlns:p14="http://schemas.microsoft.com/office/powerpoint/2010/main" val="534503107"/>
+      </p:ext>
+    </p:extLst>
+  </p:cSld>
+  <p:clrMapOvr>
+    <a:masterClrMapping/>
+  </p:clrMapOvr>
+</p:sld>
+</file>
+
+<file path=ppt/slides/slide5.xml><?xml version="1.0" encoding="utf-8"?>
+<p:sld xmlns:a="http://schemas.openxmlformats.org/drawingml/2006/main" xmlns:r="http://schemas.openxmlformats.org/officeDocument/2006/relationships" xmlns:p="http://schemas.openxmlformats.org/presentationml/2006/main">
+  <p:cSld>
+    <p:spTree>
+      <p:nvGrpSpPr>
+        <p:cNvPr id="1" name=""/>
+        <p:cNvGrpSpPr/>
+        <p:nvPr/>
+      </p:nvGrpSpPr>
+      <p:grpSpPr>
+        <a:xfrm>
+          <a:off x="0" y="0"/>
+          <a:ext cx="0" cy="0"/>
+          <a:chOff x="0" y="0"/>
+          <a:chExt cx="0" cy="0"/>
+        </a:xfrm>
+      </p:grpSpPr>
+      <p:sp>
+        <p:nvSpPr>
+          <p:cNvPr id="9" name="제목 1">
+            <a:extLst>
+              <a:ext uri="{FF2B5EF4-FFF2-40B4-BE49-F238E27FC236}">
+                <a16:creationId xmlns:a16="http://schemas.microsoft.com/office/drawing/2014/main" id="{FCFB42D4-C515-4CDF-A5A8-BFB1536AF990}"/>
+              </a:ext>
+            </a:extLst>
+          </p:cNvPr>
+          <p:cNvSpPr txBox="1">
+            <a:spLocks/>
+          </p:cNvSpPr>
+          <p:nvPr/>
+        </p:nvSpPr>
+        <p:spPr>
+          <a:xfrm>
+            <a:off x="139700" y="149225"/>
+            <a:ext cx="5257800" cy="447675"/>
+          </a:xfrm>
+          <a:prstGeom prst="rect">
+            <a:avLst/>
+          </a:prstGeom>
+        </p:spPr>
+        <p:txBody>
+          <a:bodyPr vert="horz" lIns="91440" tIns="45720" rIns="91440" bIns="45720" rtlCol="0" anchor="ctr">
+            <a:normAutofit/>
+          </a:bodyPr>
+          <a:lstStyle>
+            <a:lvl1pPr algn="l" defTabSz="914400" rtl="0" eaLnBrk="1" latinLnBrk="1" hangingPunct="1">
+              <a:lnSpc>
+                <a:spcPct val="90000"/>
+              </a:lnSpc>
+              <a:spcBef>
+                <a:spcPct val="0"/>
+              </a:spcBef>
+              <a:buNone/>
+              <a:defRPr sz="4400" kern="1200">
+                <a:solidFill>
+                  <a:schemeClr val="tx1"/>
+                </a:solidFill>
+                <a:latin typeface="+mj-lt"/>
+                <a:ea typeface="+mj-ea"/>
+                <a:cs typeface="+mj-cs"/>
+              </a:defRPr>
+            </a:lvl1pPr>
+          </a:lstStyle>
+          <a:p>
+            <a:r>
+              <a:rPr lang="ko-KR" altLang="en-US" sz="1800" dirty="0"/>
+              <a:t>화면 코드 </a:t>
+            </a:r>
+            <a:r>
+              <a:rPr lang="en-US" altLang="ko-KR" sz="1800" dirty="0"/>
+              <a:t>: </a:t>
+            </a:r>
+            <a:r>
+              <a:rPr lang="ko-KR" altLang="en-US" sz="1800" dirty="0"/>
+              <a:t>메인 홈페이지</a:t>
+            </a:r>
+          </a:p>
+        </p:txBody>
+      </p:sp>
+      <p:sp>
+        <p:nvSpPr>
+          <p:cNvPr id="10" name="제목 1">
+            <a:extLst>
+              <a:ext uri="{FF2B5EF4-FFF2-40B4-BE49-F238E27FC236}">
+                <a16:creationId xmlns:a16="http://schemas.microsoft.com/office/drawing/2014/main" id="{6B2993F1-BC6E-473D-8DF3-41B96C9EF94F}"/>
+              </a:ext>
+            </a:extLst>
+          </p:cNvPr>
+          <p:cNvSpPr txBox="1">
+            <a:spLocks/>
+          </p:cNvSpPr>
+          <p:nvPr/>
+        </p:nvSpPr>
+        <p:spPr>
+          <a:xfrm>
+            <a:off x="6794500" y="149225"/>
+            <a:ext cx="5257800" cy="447675"/>
+          </a:xfrm>
+          <a:prstGeom prst="rect">
+            <a:avLst/>
+          </a:prstGeom>
+        </p:spPr>
+        <p:txBody>
+          <a:bodyPr vert="horz" lIns="91440" tIns="45720" rIns="91440" bIns="45720" rtlCol="0" anchor="ctr">
+            <a:normAutofit/>
+          </a:bodyPr>
+          <a:lstStyle>
+            <a:lvl1pPr algn="l" defTabSz="914400" rtl="0" eaLnBrk="1" latinLnBrk="1" hangingPunct="1">
+              <a:lnSpc>
+                <a:spcPct val="90000"/>
+              </a:lnSpc>
+              <a:spcBef>
+                <a:spcPct val="0"/>
+              </a:spcBef>
+              <a:buNone/>
+              <a:defRPr sz="4400" kern="1200">
+                <a:solidFill>
+                  <a:schemeClr val="tx1"/>
+                </a:solidFill>
+                <a:latin typeface="+mj-lt"/>
+                <a:ea typeface="+mj-ea"/>
+                <a:cs typeface="+mj-cs"/>
+              </a:defRPr>
+            </a:lvl1pPr>
+          </a:lstStyle>
+          <a:p>
+            <a:r>
+              <a:rPr lang="ko-KR" altLang="en-US" sz="1800" dirty="0"/>
+              <a:t>화면 경로 </a:t>
+            </a:r>
+            <a:r>
+              <a:rPr lang="en-US" altLang="ko-KR" sz="1800" dirty="0"/>
+              <a:t>: </a:t>
+            </a:r>
+            <a:r>
+              <a:rPr lang="ko-KR" altLang="en-US" sz="1800" dirty="0"/>
+              <a:t>메인 </a:t>
+            </a:r>
+            <a:r>
+              <a:rPr lang="en-US" altLang="ko-KR" sz="1800" dirty="0"/>
+              <a:t>index</a:t>
+            </a:r>
+            <a:endParaRPr lang="ko-KR" altLang="en-US" sz="1800" dirty="0"/>
+          </a:p>
+        </p:txBody>
+      </p:sp>
+      <p:sp>
+        <p:nvSpPr>
+          <p:cNvPr id="13" name="내용 개체 틀 2">
+            <a:extLst>
+              <a:ext uri="{FF2B5EF4-FFF2-40B4-BE49-F238E27FC236}">
+                <a16:creationId xmlns:a16="http://schemas.microsoft.com/office/drawing/2014/main" id="{A3B76F34-F58C-4732-B8DA-80F70CA750E1}"/>
+              </a:ext>
+            </a:extLst>
+          </p:cNvPr>
+          <p:cNvSpPr txBox="1">
+            <a:spLocks/>
+          </p:cNvSpPr>
+          <p:nvPr/>
+        </p:nvSpPr>
+        <p:spPr>
+          <a:xfrm>
+            <a:off x="9829800" y="1079500"/>
+            <a:ext cx="2286000" cy="5629275"/>
+          </a:xfrm>
+          <a:prstGeom prst="rect">
+            <a:avLst/>
+          </a:prstGeom>
+        </p:spPr>
+        <p:txBody>
+          <a:bodyPr vert="horz" lIns="91440" tIns="45720" rIns="91440" bIns="45720" rtlCol="0">
+            <a:normAutofit/>
+          </a:bodyPr>
+          <a:lstStyle>
+            <a:lvl1pPr marL="228600" indent="-228600" algn="l" defTabSz="914400" rtl="0" eaLnBrk="1" latinLnBrk="1" hangingPunct="1">
+              <a:lnSpc>
+                <a:spcPct val="90000"/>
+              </a:lnSpc>
+              <a:spcBef>
+                <a:spcPts val="1000"/>
+              </a:spcBef>
+              <a:buFont typeface="Arial" panose="020B0604020202020204" pitchFamily="34" charset="0"/>
+              <a:buChar char="•"/>
+              <a:defRPr sz="2800" kern="1200">
+                <a:solidFill>
+                  <a:schemeClr val="tx1"/>
+                </a:solidFill>
+                <a:latin typeface="+mn-lt"/>
+                <a:ea typeface="+mn-ea"/>
+                <a:cs typeface="+mn-cs"/>
+              </a:defRPr>
+            </a:lvl1pPr>
+            <a:lvl2pPr marL="685800" indent="-228600" algn="l" defTabSz="914400" rtl="0" eaLnBrk="1" latinLnBrk="1" hangingPunct="1">
+              <a:lnSpc>
+                <a:spcPct val="90000"/>
+              </a:lnSpc>
+              <a:spcBef>
+                <a:spcPts val="500"/>
+              </a:spcBef>
+              <a:buFont typeface="Arial" panose="020B0604020202020204" pitchFamily="34" charset="0"/>
+              <a:buChar char="•"/>
+              <a:defRPr sz="2400" kern="1200">
+                <a:solidFill>
+                  <a:schemeClr val="tx1"/>
+                </a:solidFill>
+                <a:latin typeface="+mn-lt"/>
+                <a:ea typeface="+mn-ea"/>
+                <a:cs typeface="+mn-cs"/>
+              </a:defRPr>
+            </a:lvl2pPr>
+            <a:lvl3pPr marL="1143000" indent="-228600" algn="l" defTabSz="914400" rtl="0" eaLnBrk="1" latinLnBrk="1" hangingPunct="1">
+              <a:lnSpc>
+                <a:spcPct val="90000"/>
+              </a:lnSpc>
+              <a:spcBef>
+                <a:spcPts val="500"/>
+              </a:spcBef>
+              <a:buFont typeface="Arial" panose="020B0604020202020204" pitchFamily="34" charset="0"/>
+              <a:buChar char="•"/>
+              <a:defRPr sz="2000" kern="1200">
+                <a:solidFill>
+                  <a:schemeClr val="tx1"/>
+                </a:solidFill>
+                <a:latin typeface="+mn-lt"/>
+                <a:ea typeface="+mn-ea"/>
+                <a:cs typeface="+mn-cs"/>
+              </a:defRPr>
+            </a:lvl3pPr>
+            <a:lvl4pPr marL="1600200" indent="-228600" algn="l" defTabSz="914400" rtl="0" eaLnBrk="1" latinLnBrk="1" hangingPunct="1">
+              <a:lnSpc>
+                <a:spcPct val="90000"/>
+              </a:lnSpc>
+              <a:spcBef>
+                <a:spcPts val="500"/>
+              </a:spcBef>
+              <a:buFont typeface="Arial" panose="020B0604020202020204" pitchFamily="34" charset="0"/>
+              <a:buChar char="•"/>
+              <a:defRPr sz="1800" kern="1200">
+                <a:solidFill>
+                  <a:schemeClr val="tx1"/>
+                </a:solidFill>
+                <a:latin typeface="+mn-lt"/>
+                <a:ea typeface="+mn-ea"/>
+                <a:cs typeface="+mn-cs"/>
+              </a:defRPr>
+            </a:lvl4pPr>
+            <a:lvl5pPr marL="2057400" indent="-228600" algn="l" defTabSz="914400" rtl="0" eaLnBrk="1" latinLnBrk="1" hangingPunct="1">
+              <a:lnSpc>
+                <a:spcPct val="90000"/>
+              </a:lnSpc>
+              <a:spcBef>
+                <a:spcPts val="500"/>
+              </a:spcBef>
+              <a:buFont typeface="Arial" panose="020B0604020202020204" pitchFamily="34" charset="0"/>
+              <a:buChar char="•"/>
+              <a:defRPr sz="1800" kern="1200">
+                <a:solidFill>
+                  <a:schemeClr val="tx1"/>
+                </a:solidFill>
+                <a:latin typeface="+mn-lt"/>
+                <a:ea typeface="+mn-ea"/>
+                <a:cs typeface="+mn-cs"/>
+              </a:defRPr>
+            </a:lvl5pPr>
+            <a:lvl6pPr marL="2514600" indent="-228600" algn="l" defTabSz="914400" rtl="0" eaLnBrk="1" latinLnBrk="1" hangingPunct="1">
+              <a:lnSpc>
+                <a:spcPct val="90000"/>
+              </a:lnSpc>
+              <a:spcBef>
+                <a:spcPts val="500"/>
+              </a:spcBef>
+              <a:buFont typeface="Arial" panose="020B0604020202020204" pitchFamily="34" charset="0"/>
+              <a:buChar char="•"/>
+              <a:defRPr sz="1800" kern="1200">
+                <a:solidFill>
+                  <a:schemeClr val="tx1"/>
+                </a:solidFill>
+                <a:latin typeface="+mn-lt"/>
+                <a:ea typeface="+mn-ea"/>
+                <a:cs typeface="+mn-cs"/>
+              </a:defRPr>
+            </a:lvl6pPr>
+            <a:lvl7pPr marL="2971800" indent="-228600" algn="l" defTabSz="914400" rtl="0" eaLnBrk="1" latinLnBrk="1" hangingPunct="1">
+              <a:lnSpc>
+                <a:spcPct val="90000"/>
+              </a:lnSpc>
+              <a:spcBef>
+                <a:spcPts val="500"/>
+              </a:spcBef>
+              <a:buFont typeface="Arial" panose="020B0604020202020204" pitchFamily="34" charset="0"/>
+              <a:buChar char="•"/>
+              <a:defRPr sz="1800" kern="1200">
+                <a:solidFill>
+                  <a:schemeClr val="tx1"/>
+                </a:solidFill>
+                <a:latin typeface="+mn-lt"/>
+                <a:ea typeface="+mn-ea"/>
+                <a:cs typeface="+mn-cs"/>
+              </a:defRPr>
+            </a:lvl7pPr>
+            <a:lvl8pPr marL="3429000" indent="-228600" algn="l" defTabSz="914400" rtl="0" eaLnBrk="1" latinLnBrk="1" hangingPunct="1">
+              <a:lnSpc>
+                <a:spcPct val="90000"/>
+              </a:lnSpc>
+              <a:spcBef>
+                <a:spcPts val="500"/>
+              </a:spcBef>
+              <a:buFont typeface="Arial" panose="020B0604020202020204" pitchFamily="34" charset="0"/>
+              <a:buChar char="•"/>
+              <a:defRPr sz="1800" kern="1200">
+                <a:solidFill>
+                  <a:schemeClr val="tx1"/>
+                </a:solidFill>
+                <a:latin typeface="+mn-lt"/>
+                <a:ea typeface="+mn-ea"/>
+                <a:cs typeface="+mn-cs"/>
+              </a:defRPr>
+            </a:lvl8pPr>
+            <a:lvl9pPr marL="3886200" indent="-228600" algn="l" defTabSz="914400" rtl="0" eaLnBrk="1" latinLnBrk="1" hangingPunct="1">
+              <a:lnSpc>
+                <a:spcPct val="90000"/>
+              </a:lnSpc>
+              <a:spcBef>
+                <a:spcPts val="500"/>
+              </a:spcBef>
+              <a:buFont typeface="Arial" panose="020B0604020202020204" pitchFamily="34" charset="0"/>
+              <a:buChar char="•"/>
+              <a:defRPr sz="1800" kern="1200">
+                <a:solidFill>
+                  <a:schemeClr val="tx1"/>
+                </a:solidFill>
+                <a:latin typeface="+mn-lt"/>
+                <a:ea typeface="+mn-ea"/>
+                <a:cs typeface="+mn-cs"/>
+              </a:defRPr>
+            </a:lvl9pPr>
+          </a:lstStyle>
+          <a:p>
+            <a:pPr marL="0" indent="0" algn="r">
+              <a:buFont typeface="Arial" panose="020B0604020202020204" pitchFamily="34" charset="0"/>
+              <a:buNone/>
+            </a:pPr>
+            <a:r>
+              <a:rPr lang="ko-KR" altLang="en-US" sz="1800" dirty="0"/>
+              <a:t>모바일 버전</a:t>
+            </a:r>
+            <a:endParaRPr lang="en-US" altLang="ko-KR" sz="1800" dirty="0"/>
+          </a:p>
+          <a:p>
+            <a:pPr marL="342900" indent="-342900">
+              <a:buFont typeface="Arial" panose="020B0604020202020204" pitchFamily="34" charset="0"/>
+              <a:buAutoNum type="arabicPeriod"/>
+            </a:pPr>
+            <a:r>
+              <a:rPr lang="ko-KR" altLang="en-US" sz="1800" dirty="0"/>
+              <a:t>메뉴</a:t>
+            </a:r>
+            <a:endParaRPr lang="en-US" altLang="ko-KR" sz="1800" dirty="0"/>
+          </a:p>
+          <a:p>
+            <a:pPr marL="457200" lvl="1" indent="0">
+              <a:buNone/>
+            </a:pPr>
+            <a:r>
+              <a:rPr lang="ko-KR" altLang="en-US" sz="1400" dirty="0"/>
+              <a:t>기본으로 펼쳐진 상태로 보인다</a:t>
+            </a:r>
+            <a:r>
+              <a:rPr lang="en-US" altLang="ko-KR" sz="1400" dirty="0"/>
+              <a:t>.</a:t>
+            </a:r>
+          </a:p>
+          <a:p>
+            <a:pPr marL="342900" indent="-342900" algn="r">
+              <a:buFont typeface="Arial" panose="020B0604020202020204" pitchFamily="34" charset="0"/>
+              <a:buAutoNum type="arabicPeriod"/>
+            </a:pPr>
+            <a:endParaRPr lang="en-US" altLang="ko-KR" sz="1800" dirty="0"/>
+          </a:p>
+        </p:txBody>
+      </p:sp>
+      <p:sp>
+        <p:nvSpPr>
+          <p:cNvPr id="15" name="직사각형 14">
+            <a:extLst>
+              <a:ext uri="{FF2B5EF4-FFF2-40B4-BE49-F238E27FC236}">
+                <a16:creationId xmlns:a16="http://schemas.microsoft.com/office/drawing/2014/main" id="{45A1D8A7-AAA8-4243-B514-DB82FC6DAC70}"/>
+              </a:ext>
+            </a:extLst>
+          </p:cNvPr>
+          <p:cNvSpPr/>
+          <p:nvPr/>
+        </p:nvSpPr>
+        <p:spPr>
+          <a:xfrm>
+            <a:off x="3162300" y="1790700"/>
+            <a:ext cx="3306762" cy="4479925"/>
+          </a:xfrm>
+          <a:prstGeom prst="rect">
+            <a:avLst/>
+          </a:prstGeom>
+          <a:ln>
+            <a:solidFill>
+              <a:schemeClr val="tx1"/>
+            </a:solidFill>
+          </a:ln>
+        </p:spPr>
+        <p:style>
+          <a:lnRef idx="2">
+            <a:schemeClr val="accent6"/>
+          </a:lnRef>
+          <a:fillRef idx="1">
+            <a:schemeClr val="lt1"/>
+          </a:fillRef>
+          <a:effectRef idx="0">
+            <a:schemeClr val="accent6"/>
+          </a:effectRef>
+          <a:fontRef idx="minor">
+            <a:schemeClr val="dk1"/>
+          </a:fontRef>
+        </p:style>
+        <p:txBody>
+          <a:bodyPr rtlCol="0" anchor="ctr"/>
+          <a:lstStyle/>
+          <a:p>
+            <a:pPr algn="ctr"/>
+            <a:endParaRPr lang="ko-KR" altLang="en-US" dirty="0"/>
+          </a:p>
+        </p:txBody>
+      </p:sp>
+      <p:sp>
+        <p:nvSpPr>
+          <p:cNvPr id="17" name="직사각형 16">
+            <a:extLst>
+              <a:ext uri="{FF2B5EF4-FFF2-40B4-BE49-F238E27FC236}">
+                <a16:creationId xmlns:a16="http://schemas.microsoft.com/office/drawing/2014/main" id="{9FF0C041-2A5D-4FE5-A2A9-30E8B50A5655}"/>
+              </a:ext>
+            </a:extLst>
+          </p:cNvPr>
+          <p:cNvSpPr/>
+          <p:nvPr/>
+        </p:nvSpPr>
+        <p:spPr>
+          <a:xfrm>
+            <a:off x="3162300" y="6261100"/>
+            <a:ext cx="3306762" cy="447675"/>
+          </a:xfrm>
+          <a:prstGeom prst="rect">
+            <a:avLst/>
+          </a:prstGeom>
+          <a:ln>
+            <a:solidFill>
+              <a:schemeClr val="tx1"/>
+            </a:solidFill>
+          </a:ln>
+        </p:spPr>
+        <p:style>
+          <a:lnRef idx="2">
+            <a:schemeClr val="accent6"/>
+          </a:lnRef>
+          <a:fillRef idx="1">
+            <a:schemeClr val="lt1"/>
+          </a:fillRef>
+          <a:effectRef idx="0">
+            <a:schemeClr val="accent6"/>
+          </a:effectRef>
+          <a:fontRef idx="minor">
+            <a:schemeClr val="dk1"/>
+          </a:fontRef>
+        </p:style>
+        <p:txBody>
+          <a:bodyPr rtlCol="0" anchor="ctr"/>
+          <a:lstStyle/>
+          <a:p>
+            <a:pPr algn="ctr"/>
+            <a:endParaRPr lang="ko-KR" altLang="en-US" dirty="0"/>
+          </a:p>
+        </p:txBody>
+      </p:sp>
+      <p:sp>
+        <p:nvSpPr>
+          <p:cNvPr id="20" name="직사각형 19">
+            <a:extLst>
+              <a:ext uri="{FF2B5EF4-FFF2-40B4-BE49-F238E27FC236}">
+                <a16:creationId xmlns:a16="http://schemas.microsoft.com/office/drawing/2014/main" id="{8E8CD7BC-55DB-4AD6-B30C-78D5FBB7C710}"/>
+              </a:ext>
+            </a:extLst>
+          </p:cNvPr>
+          <p:cNvSpPr/>
+          <p:nvPr/>
+        </p:nvSpPr>
+        <p:spPr>
+          <a:xfrm>
+            <a:off x="2965450" y="6215062"/>
+            <a:ext cx="571500" cy="539750"/>
+          </a:xfrm>
+          <a:prstGeom prst="rect">
+            <a:avLst/>
+          </a:prstGeom>
+        </p:spPr>
+        <p:style>
+          <a:lnRef idx="2">
+            <a:schemeClr val="dk1">
+              <a:shade val="50000"/>
+            </a:schemeClr>
+          </a:lnRef>
+          <a:fillRef idx="1">
+            <a:schemeClr val="dk1"/>
+          </a:fillRef>
+          <a:effectRef idx="0">
+            <a:schemeClr val="dk1"/>
+          </a:effectRef>
+          <a:fontRef idx="minor">
+            <a:schemeClr val="lt1"/>
+          </a:fontRef>
+        </p:style>
+        <p:txBody>
+          <a:bodyPr rtlCol="0" anchor="ctr"/>
+          <a:lstStyle/>
+          <a:p>
+            <a:pPr algn="ctr"/>
+            <a:r>
+              <a:rPr lang="en-US" altLang="ko-KR" sz="2800" dirty="0"/>
+              <a:t>3</a:t>
+            </a:r>
+            <a:endParaRPr lang="ko-KR" altLang="en-US" sz="2800" dirty="0"/>
+          </a:p>
+        </p:txBody>
+      </p:sp>
+      <p:sp>
+        <p:nvSpPr>
+          <p:cNvPr id="21" name="직사각형 20">
+            <a:extLst>
+              <a:ext uri="{FF2B5EF4-FFF2-40B4-BE49-F238E27FC236}">
+                <a16:creationId xmlns:a16="http://schemas.microsoft.com/office/drawing/2014/main" id="{2BE9D581-2224-4B80-B6AC-3C23299BDFDC}"/>
+              </a:ext>
+            </a:extLst>
+          </p:cNvPr>
+          <p:cNvSpPr/>
+          <p:nvPr/>
+        </p:nvSpPr>
+        <p:spPr>
+          <a:xfrm>
+            <a:off x="4036218" y="3671667"/>
+            <a:ext cx="1390650" cy="1139825"/>
+          </a:xfrm>
+          <a:prstGeom prst="rect">
+            <a:avLst/>
+          </a:prstGeom>
+          <a:ln>
+            <a:solidFill>
+              <a:schemeClr val="tx1"/>
+            </a:solidFill>
+          </a:ln>
+        </p:spPr>
+        <p:style>
+          <a:lnRef idx="2">
+            <a:schemeClr val="accent6"/>
+          </a:lnRef>
+          <a:fillRef idx="1">
+            <a:schemeClr val="lt1"/>
+          </a:fillRef>
+          <a:effectRef idx="0">
+            <a:schemeClr val="accent6"/>
+          </a:effectRef>
+          <a:fontRef idx="minor">
+            <a:schemeClr val="dk1"/>
+          </a:fontRef>
+        </p:style>
+        <p:txBody>
+          <a:bodyPr rtlCol="0" anchor="ctr"/>
+          <a:lstStyle/>
+          <a:p>
+            <a:pPr algn="ctr"/>
+            <a:endParaRPr lang="ko-KR" altLang="en-US"/>
+          </a:p>
+        </p:txBody>
+      </p:sp>
+      <p:cxnSp>
+        <p:nvCxnSpPr>
+          <p:cNvPr id="27" name="직선 연결선 26">
+            <a:extLst>
+              <a:ext uri="{FF2B5EF4-FFF2-40B4-BE49-F238E27FC236}">
+                <a16:creationId xmlns:a16="http://schemas.microsoft.com/office/drawing/2014/main" id="{7878BDED-C046-4040-B73D-3BE8B6D78FD2}"/>
+              </a:ext>
+            </a:extLst>
+          </p:cNvPr>
+          <p:cNvCxnSpPr>
+            <a:cxnSpLocks/>
+          </p:cNvCxnSpPr>
+          <p:nvPr/>
+        </p:nvCxnSpPr>
+        <p:spPr>
+          <a:xfrm flipH="1">
+            <a:off x="4062412" y="3671666"/>
+            <a:ext cx="1377950" cy="1139825"/>
+          </a:xfrm>
+          <a:prstGeom prst="line">
+            <a:avLst/>
+          </a:prstGeom>
+        </p:spPr>
+        <p:style>
+          <a:lnRef idx="1">
+            <a:schemeClr val="dk1"/>
+          </a:lnRef>
+          <a:fillRef idx="0">
+            <a:schemeClr val="dk1"/>
+          </a:fillRef>
+          <a:effectRef idx="0">
+            <a:schemeClr val="dk1"/>
+          </a:effectRef>
+          <a:fontRef idx="minor">
+            <a:schemeClr val="tx1"/>
+          </a:fontRef>
+        </p:style>
+      </p:cxnSp>
+      <p:sp>
+        <p:nvSpPr>
+          <p:cNvPr id="30" name="TextBox 29">
+            <a:extLst>
+              <a:ext uri="{FF2B5EF4-FFF2-40B4-BE49-F238E27FC236}">
+                <a16:creationId xmlns:a16="http://schemas.microsoft.com/office/drawing/2014/main" id="{9017CA4A-A76A-4671-BD95-DF1DDDDE899A}"/>
+              </a:ext>
+            </a:extLst>
+          </p:cNvPr>
+          <p:cNvSpPr txBox="1"/>
+          <p:nvPr/>
+        </p:nvSpPr>
+        <p:spPr>
+          <a:xfrm>
+            <a:off x="4002880" y="2863630"/>
+            <a:ext cx="1898650" cy="646331"/>
+          </a:xfrm>
+          <a:prstGeom prst="rect">
+            <a:avLst/>
+          </a:prstGeom>
+          <a:noFill/>
+        </p:spPr>
+        <p:txBody>
+          <a:bodyPr wrap="square" rtlCol="0">
+            <a:spAutoFit/>
+          </a:bodyPr>
+          <a:lstStyle/>
+          <a:p>
+            <a:r>
+              <a:rPr lang="ko-KR" altLang="en-US" dirty="0"/>
+              <a:t>당신 근처의</a:t>
+            </a:r>
+            <a:endParaRPr lang="en-US" altLang="ko-KR" dirty="0"/>
+          </a:p>
+          <a:p>
+            <a:r>
+              <a:rPr lang="ko-KR" altLang="en-US" dirty="0"/>
+              <a:t>탈출 시설</a:t>
+            </a:r>
+          </a:p>
+        </p:txBody>
+      </p:sp>
+      <p:sp>
+        <p:nvSpPr>
+          <p:cNvPr id="31" name="TextBox 30">
+            <a:extLst>
+              <a:ext uri="{FF2B5EF4-FFF2-40B4-BE49-F238E27FC236}">
+                <a16:creationId xmlns:a16="http://schemas.microsoft.com/office/drawing/2014/main" id="{FD3E01A9-25A4-41A2-B836-A58A12FDD1A0}"/>
+              </a:ext>
+            </a:extLst>
+          </p:cNvPr>
+          <p:cNvSpPr txBox="1"/>
+          <p:nvPr/>
+        </p:nvSpPr>
+        <p:spPr>
+          <a:xfrm>
+            <a:off x="3802062" y="5259166"/>
+            <a:ext cx="1898650" cy="923330"/>
+          </a:xfrm>
+          <a:prstGeom prst="rect">
+            <a:avLst/>
+          </a:prstGeom>
+          <a:noFill/>
+        </p:spPr>
+        <p:txBody>
+          <a:bodyPr wrap="square" rtlCol="0">
+            <a:spAutoFit/>
+          </a:bodyPr>
+          <a:lstStyle/>
+          <a:p>
+            <a:pPr algn="ctr"/>
+            <a:r>
+              <a:rPr lang="en-US" altLang="ko-KR" dirty="0"/>
+              <a:t>.</a:t>
+            </a:r>
+          </a:p>
+          <a:p>
+            <a:pPr algn="ctr"/>
+            <a:r>
+              <a:rPr lang="en-US" altLang="ko-KR" dirty="0"/>
+              <a:t>.</a:t>
+            </a:r>
+          </a:p>
+          <a:p>
+            <a:pPr algn="ctr"/>
+            <a:r>
+              <a:rPr lang="en-US" altLang="ko-KR" dirty="0"/>
+              <a:t>.</a:t>
+            </a:r>
+            <a:endParaRPr lang="ko-KR" altLang="en-US" dirty="0"/>
+          </a:p>
+        </p:txBody>
+      </p:sp>
+      <p:sp>
+        <p:nvSpPr>
+          <p:cNvPr id="14" name="직사각형 13">
+            <a:extLst>
+              <a:ext uri="{FF2B5EF4-FFF2-40B4-BE49-F238E27FC236}">
+                <a16:creationId xmlns:a16="http://schemas.microsoft.com/office/drawing/2014/main" id="{AF8A01A6-6F28-477D-B109-C72EE252DC2F}"/>
+              </a:ext>
+            </a:extLst>
+          </p:cNvPr>
+          <p:cNvSpPr/>
+          <p:nvPr/>
+        </p:nvSpPr>
+        <p:spPr>
+          <a:xfrm>
+            <a:off x="3162300" y="1114425"/>
+            <a:ext cx="3306762" cy="1495205"/>
+          </a:xfrm>
+          <a:prstGeom prst="rect">
+            <a:avLst/>
+          </a:prstGeom>
+          <a:ln>
+            <a:solidFill>
+              <a:schemeClr val="tx1"/>
+            </a:solidFill>
+          </a:ln>
+        </p:spPr>
+        <p:style>
+          <a:lnRef idx="2">
+            <a:schemeClr val="accent6"/>
+          </a:lnRef>
+          <a:fillRef idx="1">
+            <a:schemeClr val="lt1"/>
+          </a:fillRef>
+          <a:effectRef idx="0">
+            <a:schemeClr val="accent6"/>
+          </a:effectRef>
+          <a:fontRef idx="minor">
+            <a:schemeClr val="dk1"/>
+          </a:fontRef>
+        </p:style>
+        <p:txBody>
+          <a:bodyPr rtlCol="0" anchor="ctr"/>
+          <a:lstStyle/>
+          <a:p>
+            <a:pPr algn="ctr"/>
+            <a:endParaRPr lang="ko-KR" altLang="en-US" dirty="0"/>
+          </a:p>
+        </p:txBody>
+      </p:sp>
+      <p:sp>
+        <p:nvSpPr>
+          <p:cNvPr id="18" name="직사각형 17">
+            <a:extLst>
+              <a:ext uri="{FF2B5EF4-FFF2-40B4-BE49-F238E27FC236}">
+                <a16:creationId xmlns:a16="http://schemas.microsoft.com/office/drawing/2014/main" id="{83AEACC7-E739-4C46-8FD9-9F943AD84BAC}"/>
+              </a:ext>
+            </a:extLst>
+          </p:cNvPr>
+          <p:cNvSpPr/>
+          <p:nvPr/>
+        </p:nvSpPr>
+        <p:spPr>
+          <a:xfrm>
+            <a:off x="2965450" y="840604"/>
+            <a:ext cx="571500" cy="539750"/>
+          </a:xfrm>
+          <a:prstGeom prst="rect">
+            <a:avLst/>
+          </a:prstGeom>
+        </p:spPr>
+        <p:style>
+          <a:lnRef idx="2">
+            <a:schemeClr val="dk1">
+              <a:shade val="50000"/>
+            </a:schemeClr>
+          </a:lnRef>
+          <a:fillRef idx="1">
+            <a:schemeClr val="dk1"/>
+          </a:fillRef>
+          <a:effectRef idx="0">
+            <a:schemeClr val="dk1"/>
+          </a:effectRef>
+          <a:fontRef idx="minor">
+            <a:schemeClr val="lt1"/>
+          </a:fontRef>
+        </p:style>
+        <p:txBody>
+          <a:bodyPr rtlCol="0" anchor="ctr"/>
+          <a:lstStyle/>
+          <a:p>
+            <a:pPr algn="ctr"/>
+            <a:r>
+              <a:rPr lang="en-US" altLang="ko-KR" sz="2800" dirty="0"/>
+              <a:t>1</a:t>
+            </a:r>
+            <a:endParaRPr lang="ko-KR" altLang="en-US" sz="2800" dirty="0"/>
+          </a:p>
+        </p:txBody>
+      </p:sp>
+      <p:sp>
+        <p:nvSpPr>
+          <p:cNvPr id="19" name="직사각형 18">
+            <a:extLst>
+              <a:ext uri="{FF2B5EF4-FFF2-40B4-BE49-F238E27FC236}">
+                <a16:creationId xmlns:a16="http://schemas.microsoft.com/office/drawing/2014/main" id="{E72D8FE9-550D-469C-9913-9BBC78049BF4}"/>
+              </a:ext>
+            </a:extLst>
+          </p:cNvPr>
+          <p:cNvSpPr/>
+          <p:nvPr/>
+        </p:nvSpPr>
+        <p:spPr>
+          <a:xfrm>
+            <a:off x="2965450" y="2480226"/>
+            <a:ext cx="571500" cy="539750"/>
+          </a:xfrm>
+          <a:prstGeom prst="rect">
+            <a:avLst/>
+          </a:prstGeom>
+        </p:spPr>
+        <p:style>
+          <a:lnRef idx="2">
+            <a:schemeClr val="dk1">
+              <a:shade val="50000"/>
+            </a:schemeClr>
+          </a:lnRef>
+          <a:fillRef idx="1">
+            <a:schemeClr val="dk1"/>
+          </a:fillRef>
+          <a:effectRef idx="0">
+            <a:schemeClr val="dk1"/>
+          </a:effectRef>
+          <a:fontRef idx="minor">
+            <a:schemeClr val="lt1"/>
+          </a:fontRef>
+        </p:style>
+        <p:txBody>
+          <a:bodyPr rtlCol="0" anchor="ctr"/>
+          <a:lstStyle/>
+          <a:p>
+            <a:pPr algn="ctr"/>
+            <a:r>
+              <a:rPr lang="en-US" altLang="ko-KR" sz="2800" dirty="0"/>
+              <a:t>2</a:t>
+            </a:r>
+            <a:endParaRPr lang="ko-KR" altLang="en-US" sz="2800" dirty="0"/>
+          </a:p>
+        </p:txBody>
+      </p:sp>
+      <p:cxnSp>
+        <p:nvCxnSpPr>
+          <p:cNvPr id="8" name="직선 연결선 7">
+            <a:extLst>
+              <a:ext uri="{FF2B5EF4-FFF2-40B4-BE49-F238E27FC236}">
+                <a16:creationId xmlns:a16="http://schemas.microsoft.com/office/drawing/2014/main" id="{700F0530-76CC-4E47-B43B-3E57BCB02422}"/>
+              </a:ext>
+            </a:extLst>
+          </p:cNvPr>
+          <p:cNvCxnSpPr/>
+          <p:nvPr/>
+        </p:nvCxnSpPr>
+        <p:spPr>
+          <a:xfrm>
+            <a:off x="3162300" y="1562100"/>
+            <a:ext cx="3306762" cy="0"/>
+          </a:xfrm>
+          <a:prstGeom prst="line">
+            <a:avLst/>
+          </a:prstGeom>
+        </p:spPr>
+        <p:style>
+          <a:lnRef idx="1">
+            <a:schemeClr val="dk1"/>
+          </a:lnRef>
+          <a:fillRef idx="0">
+            <a:schemeClr val="dk1"/>
+          </a:fillRef>
+          <a:effectRef idx="0">
+            <a:schemeClr val="dk1"/>
+          </a:effectRef>
+          <a:fontRef idx="minor">
+            <a:schemeClr val="tx1"/>
+          </a:fontRef>
+        </p:style>
+      </p:cxnSp>
+      <p:cxnSp>
+        <p:nvCxnSpPr>
+          <p:cNvPr id="33" name="직선 연결선 32">
+            <a:extLst>
+              <a:ext uri="{FF2B5EF4-FFF2-40B4-BE49-F238E27FC236}">
+                <a16:creationId xmlns:a16="http://schemas.microsoft.com/office/drawing/2014/main" id="{E8E8ED01-CFBD-4379-BD75-D45D9F3CACA6}"/>
+              </a:ext>
+            </a:extLst>
+          </p:cNvPr>
+          <p:cNvCxnSpPr/>
+          <p:nvPr/>
+        </p:nvCxnSpPr>
+        <p:spPr>
+          <a:xfrm>
+            <a:off x="3162300" y="1900127"/>
+            <a:ext cx="3306762" cy="0"/>
+          </a:xfrm>
+          <a:prstGeom prst="line">
+            <a:avLst/>
+          </a:prstGeom>
+        </p:spPr>
+        <p:style>
+          <a:lnRef idx="1">
+            <a:schemeClr val="dk1"/>
+          </a:lnRef>
+          <a:fillRef idx="0">
+            <a:schemeClr val="dk1"/>
+          </a:fillRef>
+          <a:effectRef idx="0">
+            <a:schemeClr val="dk1"/>
+          </a:effectRef>
+          <a:fontRef idx="minor">
+            <a:schemeClr val="tx1"/>
+          </a:fontRef>
+        </p:style>
+      </p:cxnSp>
+      <p:cxnSp>
+        <p:nvCxnSpPr>
+          <p:cNvPr id="34" name="직선 연결선 33">
+            <a:extLst>
+              <a:ext uri="{FF2B5EF4-FFF2-40B4-BE49-F238E27FC236}">
+                <a16:creationId xmlns:a16="http://schemas.microsoft.com/office/drawing/2014/main" id="{631CABF4-1838-4828-B1AE-4095C8D12513}"/>
+              </a:ext>
+            </a:extLst>
+          </p:cNvPr>
+          <p:cNvCxnSpPr/>
+          <p:nvPr/>
+        </p:nvCxnSpPr>
+        <p:spPr>
+          <a:xfrm>
+            <a:off x="3162300" y="2247900"/>
+            <a:ext cx="3306762" cy="0"/>
+          </a:xfrm>
+          <a:prstGeom prst="line">
+            <a:avLst/>
+          </a:prstGeom>
+        </p:spPr>
+        <p:style>
+          <a:lnRef idx="1">
+            <a:schemeClr val="dk1"/>
+          </a:lnRef>
+          <a:fillRef idx="0">
+            <a:schemeClr val="dk1"/>
+          </a:fillRef>
+          <a:effectRef idx="0">
+            <a:schemeClr val="dk1"/>
+          </a:effectRef>
+          <a:fontRef idx="minor">
+            <a:schemeClr val="tx1"/>
+          </a:fontRef>
+        </p:style>
+      </p:cxnSp>
+      <p:sp>
+        <p:nvSpPr>
+          <p:cNvPr id="11" name="TextBox 10">
+            <a:extLst>
+              <a:ext uri="{FF2B5EF4-FFF2-40B4-BE49-F238E27FC236}">
+                <a16:creationId xmlns:a16="http://schemas.microsoft.com/office/drawing/2014/main" id="{D01B87C9-9972-4810-92A6-4A6F9ADF4FA4}"/>
+              </a:ext>
+            </a:extLst>
+          </p:cNvPr>
+          <p:cNvSpPr txBox="1"/>
+          <p:nvPr/>
+        </p:nvSpPr>
+        <p:spPr>
+          <a:xfrm>
+            <a:off x="3564298" y="1140423"/>
+            <a:ext cx="877163" cy="369332"/>
+          </a:xfrm>
+          <a:prstGeom prst="rect">
+            <a:avLst/>
+          </a:prstGeom>
+          <a:noFill/>
+        </p:spPr>
+        <p:txBody>
+          <a:bodyPr wrap="none" rtlCol="0">
+            <a:spAutoFit/>
+          </a:bodyPr>
+          <a:lstStyle/>
+          <a:p>
+            <a:r>
+              <a:rPr lang="ko-KR" altLang="en-US" dirty="0"/>
+              <a:t>타이틀</a:t>
+            </a:r>
+          </a:p>
+        </p:txBody>
+      </p:sp>
+      <p:sp>
+        <p:nvSpPr>
+          <p:cNvPr id="35" name="TextBox 34">
+            <a:extLst>
+              <a:ext uri="{FF2B5EF4-FFF2-40B4-BE49-F238E27FC236}">
+                <a16:creationId xmlns:a16="http://schemas.microsoft.com/office/drawing/2014/main" id="{9D5615BD-449B-4543-A7DC-9C4D635C2D7E}"/>
+              </a:ext>
+            </a:extLst>
+          </p:cNvPr>
+          <p:cNvSpPr txBox="1"/>
+          <p:nvPr/>
+        </p:nvSpPr>
+        <p:spPr>
+          <a:xfrm>
+            <a:off x="4388320" y="1920101"/>
+            <a:ext cx="854721" cy="369332"/>
+          </a:xfrm>
+          <a:prstGeom prst="rect">
+            <a:avLst/>
+          </a:prstGeom>
+          <a:noFill/>
+        </p:spPr>
+        <p:txBody>
+          <a:bodyPr wrap="none" rtlCol="0">
+            <a:spAutoFit/>
+          </a:bodyPr>
+          <a:lstStyle/>
+          <a:p>
+            <a:r>
+              <a:rPr lang="ko-KR" altLang="en-US" dirty="0"/>
+              <a:t>메뉴 </a:t>
+            </a:r>
+            <a:r>
+              <a:rPr lang="en-US" altLang="ko-KR" dirty="0"/>
+              <a:t>2</a:t>
+            </a:r>
+            <a:endParaRPr lang="ko-KR" altLang="en-US" dirty="0"/>
+          </a:p>
+        </p:txBody>
+      </p:sp>
+      <p:sp>
+        <p:nvSpPr>
+          <p:cNvPr id="36" name="TextBox 35">
+            <a:extLst>
+              <a:ext uri="{FF2B5EF4-FFF2-40B4-BE49-F238E27FC236}">
+                <a16:creationId xmlns:a16="http://schemas.microsoft.com/office/drawing/2014/main" id="{34C086CA-B263-4E58-A427-124E3D44673C}"/>
+              </a:ext>
+            </a:extLst>
+          </p:cNvPr>
+          <p:cNvSpPr txBox="1"/>
+          <p:nvPr/>
+        </p:nvSpPr>
+        <p:spPr>
+          <a:xfrm>
+            <a:off x="4388320" y="1566902"/>
+            <a:ext cx="854721" cy="369332"/>
+          </a:xfrm>
+          <a:prstGeom prst="rect">
+            <a:avLst/>
+          </a:prstGeom>
+          <a:noFill/>
+        </p:spPr>
+        <p:txBody>
+          <a:bodyPr wrap="none" rtlCol="0">
+            <a:spAutoFit/>
+          </a:bodyPr>
+          <a:lstStyle/>
+          <a:p>
+            <a:r>
+              <a:rPr lang="ko-KR" altLang="en-US" dirty="0"/>
+              <a:t>메뉴 </a:t>
+            </a:r>
+            <a:r>
+              <a:rPr lang="en-US" altLang="ko-KR" dirty="0"/>
+              <a:t>1</a:t>
+            </a:r>
+            <a:endParaRPr lang="ko-KR" altLang="en-US" dirty="0"/>
+          </a:p>
+        </p:txBody>
+      </p:sp>
+      <p:sp>
+        <p:nvSpPr>
+          <p:cNvPr id="37" name="TextBox 36">
+            <a:extLst>
+              <a:ext uri="{FF2B5EF4-FFF2-40B4-BE49-F238E27FC236}">
+                <a16:creationId xmlns:a16="http://schemas.microsoft.com/office/drawing/2014/main" id="{17DBAAC9-7111-47D4-B477-540AF5E5A6F5}"/>
+              </a:ext>
+            </a:extLst>
+          </p:cNvPr>
+          <p:cNvSpPr txBox="1"/>
+          <p:nvPr/>
+        </p:nvSpPr>
+        <p:spPr>
+          <a:xfrm>
+            <a:off x="4388320" y="2250285"/>
+            <a:ext cx="854721" cy="369332"/>
+          </a:xfrm>
+          <a:prstGeom prst="rect">
+            <a:avLst/>
+          </a:prstGeom>
+          <a:noFill/>
+        </p:spPr>
+        <p:txBody>
+          <a:bodyPr wrap="none" rtlCol="0">
+            <a:spAutoFit/>
+          </a:bodyPr>
+          <a:lstStyle/>
+          <a:p>
+            <a:r>
+              <a:rPr lang="ko-KR" altLang="en-US" dirty="0"/>
+              <a:t>메뉴 </a:t>
+            </a:r>
+            <a:r>
+              <a:rPr lang="en-US" altLang="ko-KR" dirty="0"/>
+              <a:t>3</a:t>
+            </a:r>
+            <a:endParaRPr lang="ko-KR" altLang="en-US" dirty="0"/>
+          </a:p>
+        </p:txBody>
+      </p:sp>
+    </p:spTree>
+    <p:extLst>
+      <p:ext uri="{BB962C8B-B14F-4D97-AF65-F5344CB8AC3E}">
+        <p14:creationId xmlns:p14="http://schemas.microsoft.com/office/powerpoint/2010/main" val="949593096"/>
+      </p:ext>
+    </p:extLst>
+  </p:cSld>
+  <p:clrMapOvr>
+    <a:masterClrMapping/>
+  </p:clrMapOvr>
+</p:sld>
+</file>
+
+<file path=ppt/slides/slide6.xml><?xml version="1.0" encoding="utf-8"?>
+<p:sld xmlns:a="http://schemas.openxmlformats.org/drawingml/2006/main" xmlns:r="http://schemas.openxmlformats.org/officeDocument/2006/relationships" xmlns:p="http://schemas.openxmlformats.org/presentationml/2006/main">
+  <p:cSld>
+    <p:spTree>
+      <p:nvGrpSpPr>
+        <p:cNvPr id="1" name=""/>
+        <p:cNvGrpSpPr/>
+        <p:nvPr/>
+      </p:nvGrpSpPr>
+      <p:grpSpPr>
+        <a:xfrm>
+          <a:off x="0" y="0"/>
+          <a:ext cx="0" cy="0"/>
+          <a:chOff x="0" y="0"/>
+          <a:chExt cx="0" cy="0"/>
+        </a:xfrm>
+      </p:grpSpPr>
+      <p:sp>
+        <p:nvSpPr>
+          <p:cNvPr id="13" name="직사각형 12">
+            <a:extLst>
+              <a:ext uri="{FF2B5EF4-FFF2-40B4-BE49-F238E27FC236}">
+                <a16:creationId xmlns:a16="http://schemas.microsoft.com/office/drawing/2014/main" id="{27442F7D-7B87-4DE5-ADD9-44E063241428}"/>
+              </a:ext>
+            </a:extLst>
+          </p:cNvPr>
+          <p:cNvSpPr/>
+          <p:nvPr/>
+        </p:nvSpPr>
+        <p:spPr>
+          <a:xfrm>
+            <a:off x="990600" y="876300"/>
+            <a:ext cx="7848600" cy="644525"/>
+          </a:xfrm>
+          <a:prstGeom prst="rect">
+            <a:avLst/>
+          </a:prstGeom>
+          <a:ln>
+            <a:solidFill>
+              <a:schemeClr val="tx1"/>
+            </a:solidFill>
+          </a:ln>
+        </p:spPr>
+        <p:style>
+          <a:lnRef idx="2">
+            <a:schemeClr val="accent6"/>
+          </a:lnRef>
+          <a:fillRef idx="1">
+            <a:schemeClr val="lt1"/>
+          </a:fillRef>
+          <a:effectRef idx="0">
+            <a:schemeClr val="accent6"/>
+          </a:effectRef>
+          <a:fontRef idx="minor">
+            <a:schemeClr val="dk1"/>
+          </a:fontRef>
+        </p:style>
+        <p:txBody>
+          <a:bodyPr rtlCol="0" anchor="ctr"/>
+          <a:lstStyle/>
+          <a:p>
+            <a:pPr algn="ctr"/>
+            <a:r>
+              <a:rPr lang="ko-KR" altLang="en-US" dirty="0"/>
+              <a:t>메뉴</a:t>
+            </a:r>
+          </a:p>
+        </p:txBody>
+      </p:sp>
+      <p:sp>
+        <p:nvSpPr>
+          <p:cNvPr id="2" name="제목 1">
+            <a:extLst>
+              <a:ext uri="{FF2B5EF4-FFF2-40B4-BE49-F238E27FC236}">
+                <a16:creationId xmlns:a16="http://schemas.microsoft.com/office/drawing/2014/main" id="{BC8393C1-0FDE-49D5-9179-0EA6D55E86D3}"/>
+              </a:ext>
+            </a:extLst>
+          </p:cNvPr>
+          <p:cNvSpPr>
+            <a:spLocks noGrp="1"/>
+          </p:cNvSpPr>
+          <p:nvPr>
+            <p:ph type="title"/>
+          </p:nvPr>
+        </p:nvSpPr>
+        <p:spPr>
+          <a:xfrm>
+            <a:off x="139700" y="149225"/>
+            <a:ext cx="5257800" cy="447675"/>
+          </a:xfrm>
+        </p:spPr>
+        <p:txBody>
+          <a:bodyPr>
+            <a:normAutofit/>
+          </a:bodyPr>
+          <a:lstStyle/>
+          <a:p>
+            <a:r>
+              <a:rPr lang="ko-KR" altLang="en-US" sz="1800" dirty="0"/>
+              <a:t>화면 코드 </a:t>
+            </a:r>
+            <a:r>
+              <a:rPr lang="en-US" altLang="ko-KR" sz="1800" dirty="0"/>
+              <a:t>: </a:t>
+            </a:r>
+            <a:r>
+              <a:rPr lang="ko-KR" altLang="en-US" sz="1800" dirty="0" err="1"/>
+              <a:t>방탈출</a:t>
+            </a:r>
+            <a:r>
+              <a:rPr lang="ko-KR" altLang="en-US" sz="1800" dirty="0"/>
+              <a:t> 장소 검색</a:t>
+            </a:r>
+          </a:p>
+        </p:txBody>
+      </p:sp>
+      <p:sp>
+        <p:nvSpPr>
+          <p:cNvPr id="3" name="내용 개체 틀 2">
+            <a:extLst>
+              <a:ext uri="{FF2B5EF4-FFF2-40B4-BE49-F238E27FC236}">
+                <a16:creationId xmlns:a16="http://schemas.microsoft.com/office/drawing/2014/main" id="{1669200F-F91C-4525-9B52-CC1272D719A7}"/>
+              </a:ext>
+            </a:extLst>
+          </p:cNvPr>
+          <p:cNvSpPr>
+            <a:spLocks noGrp="1"/>
+          </p:cNvSpPr>
+          <p:nvPr>
+            <p:ph idx="1"/>
+          </p:nvPr>
+        </p:nvSpPr>
+        <p:spPr>
+          <a:xfrm>
+            <a:off x="9829800" y="1079500"/>
+            <a:ext cx="2286000" cy="5629275"/>
+          </a:xfrm>
+        </p:spPr>
+        <p:txBody>
+          <a:bodyPr>
+            <a:normAutofit/>
+          </a:bodyPr>
+          <a:lstStyle/>
+          <a:p>
+            <a:pPr marL="514350" indent="-514350">
+              <a:buAutoNum type="arabicPeriod"/>
+            </a:pPr>
+            <a:r>
+              <a:rPr lang="ko-KR" altLang="en-US" sz="1800" dirty="0"/>
+              <a:t>지도</a:t>
+            </a:r>
+            <a:endParaRPr lang="en-US" altLang="ko-KR" sz="1800" dirty="0"/>
+          </a:p>
+          <a:p>
+            <a:pPr marL="457200" lvl="1" indent="0">
+              <a:buNone/>
+            </a:pPr>
+            <a:r>
+              <a:rPr lang="ko-KR" altLang="en-US" sz="1400" dirty="0"/>
+              <a:t>검색한 장소 주변에 있는 </a:t>
+            </a:r>
+            <a:r>
+              <a:rPr lang="ko-KR" altLang="en-US" sz="1400" dirty="0" err="1"/>
+              <a:t>방탈출</a:t>
+            </a:r>
+            <a:r>
+              <a:rPr lang="ko-KR" altLang="en-US" sz="1400" dirty="0"/>
+              <a:t> 위치가 마커로 체크된다</a:t>
+            </a:r>
+            <a:r>
+              <a:rPr lang="en-US" altLang="ko-KR" sz="1400" dirty="0"/>
+              <a:t>.</a:t>
+            </a:r>
+          </a:p>
+          <a:p>
+            <a:pPr marL="514350" indent="-514350">
+              <a:buAutoNum type="arabicPeriod"/>
+            </a:pPr>
+            <a:r>
+              <a:rPr lang="ko-KR" altLang="en-US" sz="1800" dirty="0"/>
+              <a:t>키워드 검색</a:t>
+            </a:r>
+            <a:endParaRPr lang="en-US" altLang="ko-KR" sz="1800" dirty="0"/>
+          </a:p>
+          <a:p>
+            <a:pPr marL="457200" lvl="1" indent="0">
+              <a:buNone/>
+            </a:pPr>
+            <a:r>
+              <a:rPr lang="ko-KR" altLang="en-US" sz="1400" dirty="0"/>
+              <a:t>지역 이름으로 검색할 수 있다</a:t>
+            </a:r>
+            <a:r>
+              <a:rPr lang="en-US" altLang="ko-KR" sz="1400" dirty="0"/>
+              <a:t>. (</a:t>
+            </a:r>
+            <a:r>
+              <a:rPr lang="ko-KR" altLang="en-US" sz="1400" dirty="0"/>
+              <a:t>꼭 지역이 아니어도 됨</a:t>
+            </a:r>
+            <a:r>
+              <a:rPr lang="en-US" altLang="ko-KR" sz="1400" dirty="0"/>
+              <a:t>)</a:t>
+            </a:r>
+          </a:p>
+          <a:p>
+            <a:pPr marL="457200" lvl="1" indent="0">
+              <a:buNone/>
+            </a:pPr>
+            <a:endParaRPr lang="en-US" altLang="ko-KR" sz="1400" dirty="0"/>
+          </a:p>
+          <a:p>
+            <a:pPr marL="514350" indent="-514350">
+              <a:buAutoNum type="arabicPeriod"/>
+            </a:pPr>
+            <a:r>
+              <a:rPr lang="ko-KR" altLang="en-US" sz="1800" dirty="0"/>
+              <a:t>검색 목록</a:t>
+            </a:r>
+            <a:endParaRPr lang="en-US" altLang="ko-KR" sz="1800" dirty="0"/>
+          </a:p>
+          <a:p>
+            <a:pPr marL="457200" lvl="1" indent="0">
+              <a:buNone/>
+            </a:pPr>
+            <a:r>
+              <a:rPr lang="ko-KR" altLang="en-US" sz="1400" dirty="0"/>
+              <a:t>검색한 장소의 목록이 뜬다</a:t>
+            </a:r>
+            <a:r>
+              <a:rPr lang="en-US" altLang="ko-KR" sz="1400" dirty="0"/>
+              <a:t>.</a:t>
+            </a:r>
+          </a:p>
+          <a:p>
+            <a:pPr marL="457200" lvl="1" indent="0">
+              <a:buNone/>
+            </a:pPr>
+            <a:r>
+              <a:rPr lang="ko-KR" altLang="en-US" sz="1400" dirty="0"/>
+              <a:t>해당 장소의 이름과 주소지를 볼 수 있다</a:t>
+            </a:r>
+            <a:r>
+              <a:rPr lang="en-US" altLang="ko-KR" sz="1400" dirty="0"/>
+              <a:t>.</a:t>
+            </a:r>
+          </a:p>
+        </p:txBody>
+      </p:sp>
+      <p:sp>
+        <p:nvSpPr>
+          <p:cNvPr id="4" name="제목 1">
+            <a:extLst>
+              <a:ext uri="{FF2B5EF4-FFF2-40B4-BE49-F238E27FC236}">
+                <a16:creationId xmlns:a16="http://schemas.microsoft.com/office/drawing/2014/main" id="{ED3408AA-67B3-4EBB-99C4-9A8815614107}"/>
+              </a:ext>
+            </a:extLst>
+          </p:cNvPr>
+          <p:cNvSpPr txBox="1">
+            <a:spLocks/>
+          </p:cNvSpPr>
+          <p:nvPr/>
+        </p:nvSpPr>
+        <p:spPr>
+          <a:xfrm>
+            <a:off x="6794500" y="149225"/>
+            <a:ext cx="5257800" cy="447675"/>
+          </a:xfrm>
+          <a:prstGeom prst="rect">
+            <a:avLst/>
+          </a:prstGeom>
+        </p:spPr>
+        <p:txBody>
+          <a:bodyPr vert="horz" lIns="91440" tIns="45720" rIns="91440" bIns="45720" rtlCol="0" anchor="ctr">
+            <a:normAutofit/>
+          </a:bodyPr>
+          <a:lstStyle>
+            <a:lvl1pPr algn="l" defTabSz="914400" rtl="0" eaLnBrk="1" latinLnBrk="1" hangingPunct="1">
+              <a:lnSpc>
+                <a:spcPct val="90000"/>
+              </a:lnSpc>
+              <a:spcBef>
+                <a:spcPct val="0"/>
+              </a:spcBef>
+              <a:buNone/>
+              <a:defRPr sz="4400" kern="1200">
+                <a:solidFill>
+                  <a:schemeClr val="tx1"/>
+                </a:solidFill>
+                <a:latin typeface="+mj-lt"/>
+                <a:ea typeface="+mj-ea"/>
+                <a:cs typeface="+mj-cs"/>
+              </a:defRPr>
+            </a:lvl1pPr>
+          </a:lstStyle>
+          <a:p>
+            <a:r>
+              <a:rPr lang="ko-KR" altLang="en-US" sz="1800" dirty="0"/>
+              <a:t>화면 경로 </a:t>
+            </a:r>
+            <a:r>
+              <a:rPr lang="en-US" altLang="ko-KR" sz="1800" dirty="0"/>
+              <a:t>: </a:t>
+            </a:r>
+            <a:r>
+              <a:rPr lang="ko-KR" altLang="en-US" sz="1800" dirty="0"/>
+              <a:t>메인 </a:t>
+            </a:r>
+            <a:r>
+              <a:rPr lang="en-US" altLang="ko-KR" sz="1800" dirty="0"/>
+              <a:t>&gt; </a:t>
+            </a:r>
+            <a:r>
+              <a:rPr lang="ko-KR" altLang="en-US" sz="1800" dirty="0"/>
+              <a:t>주변 </a:t>
+            </a:r>
+            <a:r>
+              <a:rPr lang="ko-KR" altLang="en-US" sz="1800" dirty="0" err="1"/>
+              <a:t>방탈출</a:t>
+            </a:r>
+            <a:r>
+              <a:rPr lang="ko-KR" altLang="en-US" sz="1800" dirty="0"/>
+              <a:t> 검색</a:t>
+            </a:r>
+          </a:p>
+        </p:txBody>
+      </p:sp>
+      <p:sp>
+        <p:nvSpPr>
+          <p:cNvPr id="5" name="직사각형 4">
+            <a:extLst>
+              <a:ext uri="{FF2B5EF4-FFF2-40B4-BE49-F238E27FC236}">
+                <a16:creationId xmlns:a16="http://schemas.microsoft.com/office/drawing/2014/main" id="{B2EECF6C-11EC-4470-983C-5A12439AF389}"/>
+              </a:ext>
+            </a:extLst>
+          </p:cNvPr>
+          <p:cNvSpPr/>
+          <p:nvPr/>
+        </p:nvSpPr>
+        <p:spPr>
+          <a:xfrm>
+            <a:off x="990600" y="1520825"/>
+            <a:ext cx="7848600" cy="2984500"/>
+          </a:xfrm>
+          <a:prstGeom prst="rect">
+            <a:avLst/>
+          </a:prstGeom>
+          <a:ln>
+            <a:solidFill>
+              <a:schemeClr val="tx1"/>
+            </a:solidFill>
+          </a:ln>
+        </p:spPr>
+        <p:style>
+          <a:lnRef idx="2">
+            <a:schemeClr val="accent6"/>
+          </a:lnRef>
+          <a:fillRef idx="1">
+            <a:schemeClr val="lt1"/>
+          </a:fillRef>
+          <a:effectRef idx="0">
+            <a:schemeClr val="accent6"/>
+          </a:effectRef>
+          <a:fontRef idx="minor">
+            <a:schemeClr val="dk1"/>
+          </a:fontRef>
+        </p:style>
+        <p:txBody>
+          <a:bodyPr rtlCol="0" anchor="ctr"/>
+          <a:lstStyle/>
+          <a:p>
+            <a:pPr algn="ctr"/>
+            <a:endParaRPr lang="ko-KR" altLang="en-US"/>
+          </a:p>
+        </p:txBody>
+      </p:sp>
+      <p:sp>
+        <p:nvSpPr>
+          <p:cNvPr id="6" name="직사각형 5">
+            <a:extLst>
+              <a:ext uri="{FF2B5EF4-FFF2-40B4-BE49-F238E27FC236}">
+                <a16:creationId xmlns:a16="http://schemas.microsoft.com/office/drawing/2014/main" id="{CC5DF2BA-00AA-4A16-A3C8-5B4E3ABF3949}"/>
+              </a:ext>
+            </a:extLst>
+          </p:cNvPr>
+          <p:cNvSpPr/>
+          <p:nvPr/>
+        </p:nvSpPr>
+        <p:spPr>
+          <a:xfrm>
+            <a:off x="990600" y="4505325"/>
+            <a:ext cx="7848600" cy="2203450"/>
+          </a:xfrm>
+          <a:prstGeom prst="rect">
+            <a:avLst/>
+          </a:prstGeom>
+          <a:ln>
+            <a:solidFill>
+              <a:schemeClr val="tx1"/>
+            </a:solidFill>
+          </a:ln>
+        </p:spPr>
+        <p:style>
+          <a:lnRef idx="2">
+            <a:schemeClr val="accent6"/>
+          </a:lnRef>
+          <a:fillRef idx="1">
+            <a:schemeClr val="lt1"/>
+          </a:fillRef>
+          <a:effectRef idx="0">
+            <a:schemeClr val="accent6"/>
+          </a:effectRef>
+          <a:fontRef idx="minor">
+            <a:schemeClr val="dk1"/>
+          </a:fontRef>
+        </p:style>
+        <p:txBody>
+          <a:bodyPr rtlCol="0" anchor="ctr"/>
+          <a:lstStyle/>
+          <a:p>
+            <a:pPr algn="ctr"/>
+            <a:endParaRPr lang="ko-KR" altLang="en-US"/>
+          </a:p>
+        </p:txBody>
+      </p:sp>
+      <p:sp>
+        <p:nvSpPr>
+          <p:cNvPr id="7" name="직사각형 6">
+            <a:extLst>
+              <a:ext uri="{FF2B5EF4-FFF2-40B4-BE49-F238E27FC236}">
+                <a16:creationId xmlns:a16="http://schemas.microsoft.com/office/drawing/2014/main" id="{3B8B0884-E427-46A7-98CC-326A34F67188}"/>
+              </a:ext>
+            </a:extLst>
+          </p:cNvPr>
+          <p:cNvSpPr/>
+          <p:nvPr/>
+        </p:nvSpPr>
+        <p:spPr>
+          <a:xfrm>
+            <a:off x="704850" y="1520825"/>
+            <a:ext cx="571500" cy="539750"/>
+          </a:xfrm>
+          <a:prstGeom prst="rect">
+            <a:avLst/>
+          </a:prstGeom>
+        </p:spPr>
+        <p:style>
+          <a:lnRef idx="2">
+            <a:schemeClr val="dk1">
+              <a:shade val="50000"/>
+            </a:schemeClr>
+          </a:lnRef>
+          <a:fillRef idx="1">
+            <a:schemeClr val="dk1"/>
+          </a:fillRef>
+          <a:effectRef idx="0">
+            <a:schemeClr val="dk1"/>
+          </a:effectRef>
+          <a:fontRef idx="minor">
+            <a:schemeClr val="lt1"/>
+          </a:fontRef>
+        </p:style>
+        <p:txBody>
+          <a:bodyPr rtlCol="0" anchor="ctr"/>
+          <a:lstStyle/>
+          <a:p>
+            <a:pPr algn="ctr"/>
+            <a:r>
+              <a:rPr lang="en-US" altLang="ko-KR" sz="2800" dirty="0"/>
+              <a:t>1</a:t>
+            </a:r>
+            <a:endParaRPr lang="ko-KR" altLang="en-US" sz="2800" dirty="0"/>
+          </a:p>
+        </p:txBody>
+      </p:sp>
+      <p:sp>
+        <p:nvSpPr>
+          <p:cNvPr id="8" name="직사각형 7">
+            <a:extLst>
+              <a:ext uri="{FF2B5EF4-FFF2-40B4-BE49-F238E27FC236}">
+                <a16:creationId xmlns:a16="http://schemas.microsoft.com/office/drawing/2014/main" id="{86280965-E4C2-4153-99B5-EB19E23AD3BF}"/>
+              </a:ext>
+            </a:extLst>
+          </p:cNvPr>
+          <p:cNvSpPr/>
+          <p:nvPr/>
+        </p:nvSpPr>
+        <p:spPr>
+          <a:xfrm>
+            <a:off x="704850" y="4505325"/>
+            <a:ext cx="571500" cy="539750"/>
+          </a:xfrm>
+          <a:prstGeom prst="rect">
+            <a:avLst/>
+          </a:prstGeom>
+        </p:spPr>
+        <p:style>
+          <a:lnRef idx="2">
+            <a:schemeClr val="dk1">
+              <a:shade val="50000"/>
+            </a:schemeClr>
+          </a:lnRef>
+          <a:fillRef idx="1">
+            <a:schemeClr val="dk1"/>
+          </a:fillRef>
+          <a:effectRef idx="0">
+            <a:schemeClr val="dk1"/>
+          </a:effectRef>
+          <a:fontRef idx="minor">
+            <a:schemeClr val="lt1"/>
+          </a:fontRef>
+        </p:style>
+        <p:txBody>
+          <a:bodyPr rtlCol="0" anchor="ctr"/>
+          <a:lstStyle/>
+          <a:p>
+            <a:pPr algn="ctr"/>
+            <a:r>
+              <a:rPr lang="en-US" altLang="ko-KR" sz="2800" dirty="0"/>
+              <a:t>3</a:t>
+            </a:r>
+            <a:endParaRPr lang="ko-KR" altLang="en-US" sz="2800" dirty="0"/>
+          </a:p>
+        </p:txBody>
+      </p:sp>
+      <p:sp>
+        <p:nvSpPr>
+          <p:cNvPr id="9" name="직사각형 8">
+            <a:extLst>
+              <a:ext uri="{FF2B5EF4-FFF2-40B4-BE49-F238E27FC236}">
+                <a16:creationId xmlns:a16="http://schemas.microsoft.com/office/drawing/2014/main" id="{B1167DAB-D78C-4B89-9612-A76A53289D2F}"/>
+              </a:ext>
+            </a:extLst>
+          </p:cNvPr>
+          <p:cNvSpPr/>
+          <p:nvPr/>
+        </p:nvSpPr>
+        <p:spPr>
+          <a:xfrm>
+            <a:off x="3759200" y="4505325"/>
+            <a:ext cx="2311400" cy="539750"/>
+          </a:xfrm>
+          <a:prstGeom prst="rect">
+            <a:avLst/>
+          </a:prstGeom>
+          <a:ln>
+            <a:solidFill>
+              <a:schemeClr val="tx1"/>
+            </a:solidFill>
+          </a:ln>
+        </p:spPr>
+        <p:style>
+          <a:lnRef idx="2">
+            <a:schemeClr val="accent6"/>
+          </a:lnRef>
+          <a:fillRef idx="1">
+            <a:schemeClr val="lt1"/>
+          </a:fillRef>
+          <a:effectRef idx="0">
+            <a:schemeClr val="accent6"/>
+          </a:effectRef>
+          <a:fontRef idx="minor">
+            <a:schemeClr val="dk1"/>
+          </a:fontRef>
+        </p:style>
+        <p:txBody>
+          <a:bodyPr rtlCol="0" anchor="ctr"/>
+          <a:lstStyle/>
+          <a:p>
+            <a:pPr algn="ctr"/>
+            <a:endParaRPr lang="ko-KR" altLang="en-US"/>
+          </a:p>
+        </p:txBody>
+      </p:sp>
+      <p:sp>
+        <p:nvSpPr>
+          <p:cNvPr id="10" name="직사각형 9">
+            <a:extLst>
+              <a:ext uri="{FF2B5EF4-FFF2-40B4-BE49-F238E27FC236}">
+                <a16:creationId xmlns:a16="http://schemas.microsoft.com/office/drawing/2014/main" id="{84C7EA8F-A0FD-433A-A336-D26B0C46DFBC}"/>
+              </a:ext>
+            </a:extLst>
+          </p:cNvPr>
+          <p:cNvSpPr/>
+          <p:nvPr/>
+        </p:nvSpPr>
+        <p:spPr>
+          <a:xfrm>
+            <a:off x="3568700" y="4292600"/>
+            <a:ext cx="425450" cy="415925"/>
+          </a:xfrm>
+          <a:prstGeom prst="rect">
+            <a:avLst/>
+          </a:prstGeom>
+        </p:spPr>
+        <p:style>
+          <a:lnRef idx="2">
+            <a:schemeClr val="dk1">
+              <a:shade val="50000"/>
+            </a:schemeClr>
+          </a:lnRef>
+          <a:fillRef idx="1">
+            <a:schemeClr val="dk1"/>
+          </a:fillRef>
+          <a:effectRef idx="0">
+            <a:schemeClr val="dk1"/>
+          </a:effectRef>
+          <a:fontRef idx="minor">
+            <a:schemeClr val="lt1"/>
+          </a:fontRef>
+        </p:style>
+        <p:txBody>
+          <a:bodyPr rtlCol="0" anchor="ctr"/>
+          <a:lstStyle/>
+          <a:p>
+            <a:pPr algn="ctr"/>
+            <a:r>
+              <a:rPr lang="en-US" altLang="ko-KR" sz="2800" dirty="0"/>
+              <a:t>2</a:t>
+            </a:r>
+            <a:endParaRPr lang="ko-KR" altLang="en-US" sz="2800" dirty="0"/>
+          </a:p>
+        </p:txBody>
+      </p:sp>
+      <p:cxnSp>
+        <p:nvCxnSpPr>
+          <p:cNvPr id="12" name="직선 연결선 11">
+            <a:extLst>
+              <a:ext uri="{FF2B5EF4-FFF2-40B4-BE49-F238E27FC236}">
+                <a16:creationId xmlns:a16="http://schemas.microsoft.com/office/drawing/2014/main" id="{003D1FA8-D649-43F7-9DD4-2E329FAD4224}"/>
+              </a:ext>
+            </a:extLst>
+          </p:cNvPr>
+          <p:cNvCxnSpPr/>
+          <p:nvPr/>
+        </p:nvCxnSpPr>
+        <p:spPr>
+          <a:xfrm flipH="1">
+            <a:off x="990600" y="1520825"/>
+            <a:ext cx="7848600" cy="2984500"/>
+          </a:xfrm>
+          <a:prstGeom prst="line">
+            <a:avLst/>
+          </a:prstGeom>
+        </p:spPr>
+        <p:style>
+          <a:lnRef idx="1">
+            <a:schemeClr val="dk1"/>
+          </a:lnRef>
+          <a:fillRef idx="0">
+            <a:schemeClr val="dk1"/>
+          </a:fillRef>
+          <a:effectRef idx="0">
+            <a:schemeClr val="dk1"/>
+          </a:effectRef>
+          <a:fontRef idx="minor">
+            <a:schemeClr val="tx1"/>
+          </a:fontRef>
+        </p:style>
+      </p:cxnSp>
+    </p:spTree>
+    <p:extLst>
+      <p:ext uri="{BB962C8B-B14F-4D97-AF65-F5344CB8AC3E}">
+        <p14:creationId xmlns:p14="http://schemas.microsoft.com/office/powerpoint/2010/main" val="1658735780"/>
+      </p:ext>
+    </p:extLst>
+  </p:cSld>
+  <p:clrMapOvr>
+    <a:masterClrMapping/>
+  </p:clrMapOvr>
+</p:sld>
+</file>
+
+<file path=ppt/slides/slide7.xml><?xml version="1.0" encoding="utf-8"?>
+<p:sld xmlns:a="http://schemas.openxmlformats.org/drawingml/2006/main" xmlns:r="http://schemas.openxmlformats.org/officeDocument/2006/relationships" xmlns:p="http://schemas.openxmlformats.org/presentationml/2006/main">
+  <p:cSld>
+    <p:spTree>
+      <p:nvGrpSpPr>
+        <p:cNvPr id="1" name=""/>
+        <p:cNvGrpSpPr/>
+        <p:nvPr/>
+      </p:nvGrpSpPr>
+      <p:grpSpPr>
+        <a:xfrm>
+          <a:off x="0" y="0"/>
+          <a:ext cx="0" cy="0"/>
+          <a:chOff x="0" y="0"/>
+          <a:chExt cx="0" cy="0"/>
+        </a:xfrm>
+      </p:grpSpPr>
+      <p:sp>
+        <p:nvSpPr>
+          <p:cNvPr id="7" name="제목 1">
+            <a:extLst>
+              <a:ext uri="{FF2B5EF4-FFF2-40B4-BE49-F238E27FC236}">
+                <a16:creationId xmlns:a16="http://schemas.microsoft.com/office/drawing/2014/main" id="{5793F607-4974-4371-9876-BA262CBCDC4F}"/>
+              </a:ext>
+            </a:extLst>
+          </p:cNvPr>
+          <p:cNvSpPr txBox="1">
+            <a:spLocks/>
+          </p:cNvSpPr>
+          <p:nvPr/>
+        </p:nvSpPr>
+        <p:spPr>
+          <a:xfrm>
+            <a:off x="139700" y="149225"/>
+            <a:ext cx="5257800" cy="447675"/>
+          </a:xfrm>
+          <a:prstGeom prst="rect">
+            <a:avLst/>
+          </a:prstGeom>
+        </p:spPr>
+        <p:txBody>
+          <a:bodyPr vert="horz" lIns="91440" tIns="45720" rIns="91440" bIns="45720" rtlCol="0" anchor="ctr">
+            <a:normAutofit/>
+          </a:bodyPr>
+          <a:lstStyle>
+            <a:lvl1pPr algn="l" defTabSz="914400" rtl="0" eaLnBrk="1" latinLnBrk="1" hangingPunct="1">
+              <a:lnSpc>
+                <a:spcPct val="90000"/>
+              </a:lnSpc>
+              <a:spcBef>
+                <a:spcPct val="0"/>
+              </a:spcBef>
+              <a:buNone/>
+              <a:defRPr sz="4400" kern="1200">
+                <a:solidFill>
+                  <a:schemeClr val="tx1"/>
+                </a:solidFill>
+                <a:latin typeface="+mj-lt"/>
+                <a:ea typeface="+mj-ea"/>
+                <a:cs typeface="+mj-cs"/>
+              </a:defRPr>
+            </a:lvl1pPr>
+          </a:lstStyle>
+          <a:p>
+            <a:r>
+              <a:rPr lang="ko-KR" altLang="en-US" sz="1800" dirty="0"/>
+              <a:t>화면 코드 </a:t>
+            </a:r>
+            <a:r>
+              <a:rPr lang="en-US" altLang="ko-KR" sz="1800" dirty="0"/>
+              <a:t>: </a:t>
+            </a:r>
+            <a:r>
+              <a:rPr lang="ko-KR" altLang="en-US" sz="1800" dirty="0" err="1"/>
+              <a:t>방탈출</a:t>
+            </a:r>
+            <a:r>
+              <a:rPr lang="ko-KR" altLang="en-US" sz="1800" dirty="0"/>
+              <a:t> 번개 모임</a:t>
+            </a:r>
+          </a:p>
+        </p:txBody>
+      </p:sp>
+      <p:sp>
+        <p:nvSpPr>
+          <p:cNvPr id="8" name="제목 1">
+            <a:extLst>
+              <a:ext uri="{FF2B5EF4-FFF2-40B4-BE49-F238E27FC236}">
+                <a16:creationId xmlns:a16="http://schemas.microsoft.com/office/drawing/2014/main" id="{D16EA91A-5CEC-48C6-AD0C-402677C5C453}"/>
+              </a:ext>
+            </a:extLst>
+          </p:cNvPr>
+          <p:cNvSpPr txBox="1">
+            <a:spLocks/>
+          </p:cNvSpPr>
+          <p:nvPr/>
+        </p:nvSpPr>
+        <p:spPr>
+          <a:xfrm>
+            <a:off x="6794500" y="149225"/>
+            <a:ext cx="5257800" cy="447675"/>
+          </a:xfrm>
+          <a:prstGeom prst="rect">
+            <a:avLst/>
+          </a:prstGeom>
+        </p:spPr>
+        <p:txBody>
+          <a:bodyPr vert="horz" lIns="91440" tIns="45720" rIns="91440" bIns="45720" rtlCol="0" anchor="ctr">
+            <a:normAutofit/>
+          </a:bodyPr>
+          <a:lstStyle>
+            <a:lvl1pPr algn="l" defTabSz="914400" rtl="0" eaLnBrk="1" latinLnBrk="1" hangingPunct="1">
+              <a:lnSpc>
+                <a:spcPct val="90000"/>
+              </a:lnSpc>
+              <a:spcBef>
+                <a:spcPct val="0"/>
+              </a:spcBef>
+              <a:buNone/>
+              <a:defRPr sz="4400" kern="1200">
+                <a:solidFill>
+                  <a:schemeClr val="tx1"/>
+                </a:solidFill>
+                <a:latin typeface="+mj-lt"/>
+                <a:ea typeface="+mj-ea"/>
+                <a:cs typeface="+mj-cs"/>
+              </a:defRPr>
+            </a:lvl1pPr>
+          </a:lstStyle>
+          <a:p>
+            <a:r>
+              <a:rPr lang="ko-KR" altLang="en-US" sz="1800" dirty="0"/>
+              <a:t>화면 경로 </a:t>
+            </a:r>
+            <a:r>
+              <a:rPr lang="en-US" altLang="ko-KR" sz="1800" dirty="0"/>
+              <a:t>: </a:t>
+            </a:r>
+            <a:r>
+              <a:rPr lang="ko-KR" altLang="en-US" sz="1800" dirty="0"/>
+              <a:t>메인 </a:t>
+            </a:r>
+            <a:r>
+              <a:rPr lang="en-US" altLang="ko-KR" sz="1800" dirty="0"/>
+              <a:t>&gt; </a:t>
+            </a:r>
+            <a:r>
+              <a:rPr lang="ko-KR" altLang="en-US" sz="1800" dirty="0" err="1"/>
+              <a:t>방탈출</a:t>
+            </a:r>
+            <a:r>
+              <a:rPr lang="ko-KR" altLang="en-US" sz="1800" dirty="0"/>
+              <a:t> 번개 모임</a:t>
+            </a:r>
+            <a:r>
+              <a:rPr lang="en-US" altLang="ko-KR" sz="1800" dirty="0"/>
+              <a:t> </a:t>
+            </a:r>
+            <a:endParaRPr lang="ko-KR" altLang="en-US" sz="1800" dirty="0"/>
+          </a:p>
+        </p:txBody>
+      </p:sp>
+      <p:sp>
+        <p:nvSpPr>
+          <p:cNvPr id="12" name="직사각형 11">
+            <a:extLst>
+              <a:ext uri="{FF2B5EF4-FFF2-40B4-BE49-F238E27FC236}">
+                <a16:creationId xmlns:a16="http://schemas.microsoft.com/office/drawing/2014/main" id="{AF945820-C324-4A98-9B31-A8EDCD7C6554}"/>
+              </a:ext>
+            </a:extLst>
+          </p:cNvPr>
+          <p:cNvSpPr/>
+          <p:nvPr/>
+        </p:nvSpPr>
+        <p:spPr>
+          <a:xfrm>
+            <a:off x="990600" y="876300"/>
+            <a:ext cx="7848600" cy="644525"/>
+          </a:xfrm>
+          <a:prstGeom prst="rect">
+            <a:avLst/>
+          </a:prstGeom>
+          <a:ln>
+            <a:solidFill>
+              <a:schemeClr val="tx1"/>
+            </a:solidFill>
+          </a:ln>
+        </p:spPr>
+        <p:style>
+          <a:lnRef idx="2">
+            <a:schemeClr val="accent6"/>
+          </a:lnRef>
+          <a:fillRef idx="1">
+            <a:schemeClr val="lt1"/>
+          </a:fillRef>
+          <a:effectRef idx="0">
+            <a:schemeClr val="accent6"/>
+          </a:effectRef>
+          <a:fontRef idx="minor">
+            <a:schemeClr val="dk1"/>
+          </a:fontRef>
+        </p:style>
+        <p:txBody>
+          <a:bodyPr rtlCol="0" anchor="ctr"/>
+          <a:lstStyle/>
+          <a:p>
+            <a:pPr algn="ctr"/>
+            <a:r>
+              <a:rPr lang="ko-KR" altLang="en-US" dirty="0"/>
+              <a:t>메뉴</a:t>
+            </a:r>
+          </a:p>
+        </p:txBody>
+      </p:sp>
+      <p:sp>
+        <p:nvSpPr>
+          <p:cNvPr id="13" name="직사각형 12">
+            <a:extLst>
+              <a:ext uri="{FF2B5EF4-FFF2-40B4-BE49-F238E27FC236}">
+                <a16:creationId xmlns:a16="http://schemas.microsoft.com/office/drawing/2014/main" id="{BA9B095B-52BD-4A38-B765-C11B1CF45513}"/>
+              </a:ext>
+            </a:extLst>
+          </p:cNvPr>
+          <p:cNvSpPr/>
+          <p:nvPr/>
+        </p:nvSpPr>
+        <p:spPr>
+          <a:xfrm>
+            <a:off x="990600" y="1520825"/>
+            <a:ext cx="7848600" cy="1743075"/>
+          </a:xfrm>
+          <a:prstGeom prst="rect">
+            <a:avLst/>
+          </a:prstGeom>
+          <a:ln>
+            <a:solidFill>
+              <a:schemeClr val="tx1"/>
+            </a:solidFill>
+          </a:ln>
+        </p:spPr>
+        <p:style>
+          <a:lnRef idx="2">
+            <a:schemeClr val="accent6"/>
+          </a:lnRef>
+          <a:fillRef idx="1">
+            <a:schemeClr val="lt1"/>
+          </a:fillRef>
+          <a:effectRef idx="0">
+            <a:schemeClr val="accent6"/>
+          </a:effectRef>
+          <a:fontRef idx="minor">
+            <a:schemeClr val="dk1"/>
+          </a:fontRef>
+        </p:style>
+        <p:txBody>
+          <a:bodyPr rtlCol="0" anchor="ctr"/>
+          <a:lstStyle/>
+          <a:p>
+            <a:pPr algn="ctr"/>
+            <a:endParaRPr lang="ko-KR" altLang="en-US"/>
+          </a:p>
+        </p:txBody>
+      </p:sp>
+      <p:sp>
+        <p:nvSpPr>
+          <p:cNvPr id="14" name="직사각형 13">
+            <a:extLst>
+              <a:ext uri="{FF2B5EF4-FFF2-40B4-BE49-F238E27FC236}">
+                <a16:creationId xmlns:a16="http://schemas.microsoft.com/office/drawing/2014/main" id="{9F1F0EC8-2D9A-4FCA-AEC7-743E6D33D88B}"/>
+              </a:ext>
+            </a:extLst>
+          </p:cNvPr>
+          <p:cNvSpPr/>
+          <p:nvPr/>
+        </p:nvSpPr>
+        <p:spPr>
+          <a:xfrm>
+            <a:off x="990600" y="3263900"/>
+            <a:ext cx="7848600" cy="3444875"/>
+          </a:xfrm>
+          <a:prstGeom prst="rect">
+            <a:avLst/>
+          </a:prstGeom>
+          <a:ln>
+            <a:solidFill>
+              <a:schemeClr val="tx1"/>
+            </a:solidFill>
+          </a:ln>
+        </p:spPr>
+        <p:style>
+          <a:lnRef idx="2">
+            <a:schemeClr val="accent6"/>
+          </a:lnRef>
+          <a:fillRef idx="1">
+            <a:schemeClr val="lt1"/>
+          </a:fillRef>
+          <a:effectRef idx="0">
+            <a:schemeClr val="accent6"/>
+          </a:effectRef>
+          <a:fontRef idx="minor">
+            <a:schemeClr val="dk1"/>
+          </a:fontRef>
+        </p:style>
+        <p:txBody>
+          <a:bodyPr rtlCol="0" anchor="ctr"/>
+          <a:lstStyle/>
+          <a:p>
+            <a:pPr algn="ctr"/>
+            <a:endParaRPr lang="ko-KR" altLang="en-US"/>
+          </a:p>
+        </p:txBody>
+      </p:sp>
+      <p:sp>
+        <p:nvSpPr>
+          <p:cNvPr id="15" name="직사각형 14">
+            <a:extLst>
+              <a:ext uri="{FF2B5EF4-FFF2-40B4-BE49-F238E27FC236}">
+                <a16:creationId xmlns:a16="http://schemas.microsoft.com/office/drawing/2014/main" id="{84061243-8CD1-49FC-8868-FB1F0063B994}"/>
+              </a:ext>
+            </a:extLst>
+          </p:cNvPr>
+          <p:cNvSpPr/>
+          <p:nvPr/>
+        </p:nvSpPr>
+        <p:spPr>
+          <a:xfrm>
+            <a:off x="704850" y="1520825"/>
+            <a:ext cx="571500" cy="539750"/>
+          </a:xfrm>
+          <a:prstGeom prst="rect">
+            <a:avLst/>
+          </a:prstGeom>
+        </p:spPr>
+        <p:style>
+          <a:lnRef idx="2">
+            <a:schemeClr val="dk1">
+              <a:shade val="50000"/>
+            </a:schemeClr>
+          </a:lnRef>
+          <a:fillRef idx="1">
+            <a:schemeClr val="dk1"/>
+          </a:fillRef>
+          <a:effectRef idx="0">
+            <a:schemeClr val="dk1"/>
+          </a:effectRef>
+          <a:fontRef idx="minor">
+            <a:schemeClr val="lt1"/>
+          </a:fontRef>
+        </p:style>
+        <p:txBody>
+          <a:bodyPr rtlCol="0" anchor="ctr"/>
+          <a:lstStyle/>
+          <a:p>
+            <a:pPr algn="ctr"/>
+            <a:r>
+              <a:rPr lang="en-US" altLang="ko-KR" sz="2800" dirty="0"/>
+              <a:t>1</a:t>
+            </a:r>
+            <a:endParaRPr lang="ko-KR" altLang="en-US" sz="2800" dirty="0"/>
+          </a:p>
+        </p:txBody>
+      </p:sp>
+      <p:sp>
+        <p:nvSpPr>
+          <p:cNvPr id="16" name="직사각형 15">
+            <a:extLst>
+              <a:ext uri="{FF2B5EF4-FFF2-40B4-BE49-F238E27FC236}">
+                <a16:creationId xmlns:a16="http://schemas.microsoft.com/office/drawing/2014/main" id="{CCA2313D-9FBB-47A3-8090-C1EA46C419D9}"/>
+              </a:ext>
+            </a:extLst>
+          </p:cNvPr>
+          <p:cNvSpPr/>
+          <p:nvPr/>
+        </p:nvSpPr>
+        <p:spPr>
+          <a:xfrm>
+            <a:off x="704850" y="3263900"/>
+            <a:ext cx="571500" cy="539750"/>
+          </a:xfrm>
+          <a:prstGeom prst="rect">
+            <a:avLst/>
+          </a:prstGeom>
+        </p:spPr>
+        <p:style>
+          <a:lnRef idx="2">
+            <a:schemeClr val="dk1">
+              <a:shade val="50000"/>
+            </a:schemeClr>
+          </a:lnRef>
+          <a:fillRef idx="1">
+            <a:schemeClr val="dk1"/>
+          </a:fillRef>
+          <a:effectRef idx="0">
+            <a:schemeClr val="dk1"/>
+          </a:effectRef>
+          <a:fontRef idx="minor">
+            <a:schemeClr val="lt1"/>
+          </a:fontRef>
+        </p:style>
+        <p:txBody>
+          <a:bodyPr rtlCol="0" anchor="ctr"/>
+          <a:lstStyle/>
+          <a:p>
+            <a:pPr algn="ctr"/>
+            <a:r>
+              <a:rPr lang="en-US" altLang="ko-KR" sz="2800" dirty="0"/>
+              <a:t>2</a:t>
+            </a:r>
+            <a:endParaRPr lang="ko-KR" altLang="en-US" sz="2800" dirty="0"/>
+          </a:p>
+        </p:txBody>
+      </p:sp>
+      <p:sp>
+        <p:nvSpPr>
+          <p:cNvPr id="20" name="내용 개체 틀 2">
+            <a:extLst>
+              <a:ext uri="{FF2B5EF4-FFF2-40B4-BE49-F238E27FC236}">
+                <a16:creationId xmlns:a16="http://schemas.microsoft.com/office/drawing/2014/main" id="{976271A9-B97D-4500-A50D-C2E6C4AFFC7F}"/>
+              </a:ext>
+            </a:extLst>
+          </p:cNvPr>
+          <p:cNvSpPr>
+            <a:spLocks noGrp="1"/>
+          </p:cNvSpPr>
+          <p:nvPr>
+            <p:ph idx="1"/>
+          </p:nvPr>
+        </p:nvSpPr>
+        <p:spPr>
+          <a:xfrm>
+            <a:off x="9829800" y="1079500"/>
+            <a:ext cx="2286000" cy="5629275"/>
+          </a:xfrm>
+        </p:spPr>
+        <p:txBody>
+          <a:bodyPr>
+            <a:normAutofit/>
+          </a:bodyPr>
+          <a:lstStyle/>
+          <a:p>
+            <a:pPr marL="514350" indent="-514350">
+              <a:buAutoNum type="arabicPeriod"/>
+            </a:pPr>
+            <a:r>
+              <a:rPr lang="ko-KR" altLang="en-US" sz="1800" dirty="0"/>
+              <a:t>입력 </a:t>
+            </a:r>
+            <a:r>
+              <a:rPr lang="en-US" altLang="ko-KR" sz="1800" dirty="0"/>
+              <a:t>form</a:t>
+            </a:r>
+          </a:p>
+          <a:p>
+            <a:pPr marL="457200" lvl="1" indent="0">
+              <a:buNone/>
+            </a:pPr>
+            <a:r>
+              <a:rPr lang="ko-KR" altLang="en-US" sz="1400" dirty="0"/>
+              <a:t>즉석 모임 구함 글을 작성할 수 있는 </a:t>
+            </a:r>
+            <a:r>
+              <a:rPr lang="en-US" altLang="ko-KR" sz="1400" dirty="0"/>
+              <a:t>form</a:t>
+            </a:r>
+            <a:r>
+              <a:rPr lang="ko-KR" altLang="en-US" sz="1400" dirty="0"/>
+              <a:t>이다</a:t>
+            </a:r>
+            <a:r>
+              <a:rPr lang="en-US" altLang="ko-KR" sz="1400" dirty="0"/>
+              <a:t>.</a:t>
+            </a:r>
+          </a:p>
+          <a:p>
+            <a:pPr marL="457200" lvl="1" indent="0">
+              <a:buNone/>
+            </a:pPr>
+            <a:r>
+              <a:rPr lang="ko-KR" altLang="en-US" sz="1400" dirty="0"/>
+              <a:t>지역</a:t>
+            </a:r>
+            <a:r>
+              <a:rPr lang="en-US" altLang="ko-KR" sz="1400" dirty="0"/>
+              <a:t>, </a:t>
+            </a:r>
+            <a:r>
+              <a:rPr lang="ko-KR" altLang="en-US" sz="1400" dirty="0"/>
+              <a:t>모집 인원</a:t>
+            </a:r>
+            <a:r>
+              <a:rPr lang="en-US" altLang="ko-KR" sz="1400" dirty="0"/>
+              <a:t>, </a:t>
+            </a:r>
+            <a:r>
+              <a:rPr lang="ko-KR" altLang="en-US" sz="1400" dirty="0"/>
+              <a:t>장르</a:t>
+            </a:r>
+            <a:r>
+              <a:rPr lang="en-US" altLang="ko-KR" sz="1400" dirty="0"/>
+              <a:t>, </a:t>
+            </a:r>
+            <a:r>
+              <a:rPr lang="ko-KR" altLang="en-US" sz="1400" dirty="0"/>
+              <a:t>난이도</a:t>
+            </a:r>
+            <a:r>
+              <a:rPr lang="en-US" altLang="ko-KR" sz="1400" dirty="0"/>
+              <a:t>, </a:t>
+            </a:r>
+            <a:r>
+              <a:rPr lang="ko-KR" altLang="en-US" sz="1400" dirty="0"/>
+              <a:t>글 내용이 들어간다</a:t>
+            </a:r>
+            <a:r>
+              <a:rPr lang="en-US" altLang="ko-KR" sz="1400" dirty="0"/>
+              <a:t>.</a:t>
+            </a:r>
+          </a:p>
+          <a:p>
+            <a:pPr marL="457200" lvl="1" indent="0">
+              <a:buNone/>
+            </a:pPr>
+            <a:endParaRPr lang="en-US" altLang="ko-KR" sz="1400" dirty="0"/>
+          </a:p>
+          <a:p>
+            <a:pPr marL="514350" indent="-514350">
+              <a:buAutoNum type="arabicPeriod"/>
+            </a:pPr>
+            <a:r>
+              <a:rPr lang="ko-KR" altLang="en-US" sz="1800" dirty="0"/>
+              <a:t>게시 글</a:t>
+            </a:r>
+            <a:endParaRPr lang="en-US" altLang="ko-KR" sz="1800" dirty="0"/>
+          </a:p>
+          <a:p>
+            <a:pPr marL="457200" lvl="1" indent="0">
+              <a:buNone/>
+            </a:pPr>
+            <a:r>
+              <a:rPr lang="ko-KR" altLang="en-US" sz="1400" dirty="0"/>
+              <a:t>위 </a:t>
+            </a:r>
+            <a:r>
+              <a:rPr lang="en-US" altLang="ko-KR" sz="1400" dirty="0"/>
+              <a:t>form</a:t>
+            </a:r>
+            <a:r>
+              <a:rPr lang="ko-KR" altLang="en-US" sz="1400" dirty="0"/>
+              <a:t>을 통해 작성된 게시글을 볼 수 있다</a:t>
+            </a:r>
+            <a:r>
+              <a:rPr lang="en-US" altLang="ko-KR" sz="1400" dirty="0"/>
+              <a:t>.</a:t>
+            </a:r>
+          </a:p>
+          <a:p>
+            <a:pPr marL="457200" lvl="1" indent="0">
+              <a:buNone/>
+            </a:pPr>
+            <a:r>
+              <a:rPr lang="en-US" altLang="ko-KR" sz="1400" dirty="0"/>
+              <a:t>HTML, CSS, JS</a:t>
+            </a:r>
+            <a:r>
+              <a:rPr lang="ko-KR" altLang="en-US" sz="1400" dirty="0"/>
+              <a:t>로만 작성하는 페이지이므로 </a:t>
+            </a:r>
+            <a:r>
+              <a:rPr lang="en-US" altLang="ko-KR" sz="1400" dirty="0" err="1"/>
+              <a:t>js</a:t>
+            </a:r>
+            <a:r>
+              <a:rPr lang="ko-KR" altLang="en-US" sz="1400" dirty="0"/>
+              <a:t>의 </a:t>
+            </a:r>
+            <a:r>
+              <a:rPr lang="en-US" altLang="ko-KR" sz="1400" dirty="0"/>
+              <a:t>append </a:t>
+            </a:r>
+            <a:r>
+              <a:rPr lang="ko-KR" altLang="en-US" sz="1400" dirty="0"/>
+              <a:t>메소드를 사용한다</a:t>
+            </a:r>
+            <a:r>
+              <a:rPr lang="en-US" altLang="ko-KR" sz="1400" dirty="0"/>
+              <a:t>. </a:t>
+            </a:r>
+            <a:r>
+              <a:rPr lang="ko-KR" altLang="en-US" sz="1400" dirty="0"/>
+              <a:t>따라서 페이지를 </a:t>
+            </a:r>
+            <a:r>
+              <a:rPr lang="ko-KR" altLang="en-US" sz="1400" dirty="0" err="1"/>
+              <a:t>새로고침하면</a:t>
+            </a:r>
+            <a:r>
+              <a:rPr lang="ko-KR" altLang="en-US" sz="1400" dirty="0"/>
+              <a:t> 기존에 작성된 글은 사라진다</a:t>
+            </a:r>
+            <a:r>
+              <a:rPr lang="en-US" altLang="ko-KR" sz="1400" dirty="0"/>
+              <a:t>.</a:t>
+            </a:r>
+          </a:p>
+        </p:txBody>
+      </p:sp>
+    </p:spTree>
+    <p:extLst>
+      <p:ext uri="{BB962C8B-B14F-4D97-AF65-F5344CB8AC3E}">
+        <p14:creationId xmlns:p14="http://schemas.microsoft.com/office/powerpoint/2010/main" val="1262460570"/>
+      </p:ext>
+    </p:extLst>
+  </p:cSld>
+  <p:clrMapOvr>
+    <a:masterClrMapping/>
+  </p:clrMapOvr>
+</p:sld>
+</file>
+
+<file path=ppt/slides/slide8.xml><?xml version="1.0" encoding="utf-8"?>
+<p:sld xmlns:a="http://schemas.openxmlformats.org/drawingml/2006/main" xmlns:r="http://schemas.openxmlformats.org/officeDocument/2006/relationships" xmlns:p="http://schemas.openxmlformats.org/presentationml/2006/main">
+  <p:cSld>
+    <p:spTree>
+      <p:nvGrpSpPr>
+        <p:cNvPr id="1" name=""/>
+        <p:cNvGrpSpPr/>
+        <p:nvPr/>
+      </p:nvGrpSpPr>
+      <p:grpSpPr>
+        <a:xfrm>
+          <a:off x="0" y="0"/>
+          <a:ext cx="0" cy="0"/>
+          <a:chOff x="0" y="0"/>
+          <a:chExt cx="0" cy="0"/>
+        </a:xfrm>
+      </p:grpSpPr>
+      <p:sp>
+        <p:nvSpPr>
+          <p:cNvPr id="7" name="제목 1">
+            <a:extLst>
+              <a:ext uri="{FF2B5EF4-FFF2-40B4-BE49-F238E27FC236}">
+                <a16:creationId xmlns:a16="http://schemas.microsoft.com/office/drawing/2014/main" id="{837112F6-6876-42C3-82ED-104BF697D101}"/>
+              </a:ext>
+            </a:extLst>
+          </p:cNvPr>
+          <p:cNvSpPr txBox="1">
+            <a:spLocks/>
+          </p:cNvSpPr>
+          <p:nvPr/>
+        </p:nvSpPr>
+        <p:spPr>
+          <a:xfrm>
+            <a:off x="139700" y="149225"/>
+            <a:ext cx="5257800" cy="447675"/>
+          </a:xfrm>
+          <a:prstGeom prst="rect">
+            <a:avLst/>
+          </a:prstGeom>
+        </p:spPr>
+        <p:txBody>
+          <a:bodyPr vert="horz" lIns="91440" tIns="45720" rIns="91440" bIns="45720" rtlCol="0" anchor="ctr">
+            <a:normAutofit/>
+          </a:bodyPr>
+          <a:lstStyle>
+            <a:lvl1pPr algn="l" defTabSz="914400" rtl="0" eaLnBrk="1" latinLnBrk="1" hangingPunct="1">
+              <a:lnSpc>
+                <a:spcPct val="90000"/>
+              </a:lnSpc>
+              <a:spcBef>
+                <a:spcPct val="0"/>
+              </a:spcBef>
+              <a:buNone/>
+              <a:defRPr sz="4400" kern="1200">
+                <a:solidFill>
+                  <a:schemeClr val="tx1"/>
+                </a:solidFill>
+                <a:latin typeface="+mj-lt"/>
+                <a:ea typeface="+mj-ea"/>
+                <a:cs typeface="+mj-cs"/>
+              </a:defRPr>
+            </a:lvl1pPr>
+          </a:lstStyle>
+          <a:p>
+            <a:r>
+              <a:rPr lang="ko-KR" altLang="en-US" sz="1800" dirty="0"/>
+              <a:t>화면 코드 </a:t>
+            </a:r>
+            <a:r>
+              <a:rPr lang="en-US" altLang="ko-KR" sz="1800" dirty="0"/>
+              <a:t>: </a:t>
+            </a:r>
+            <a:r>
+              <a:rPr lang="ko-KR" altLang="en-US" sz="1800" dirty="0" err="1"/>
+              <a:t>방탈출</a:t>
+            </a:r>
+            <a:r>
+              <a:rPr lang="ko-KR" altLang="en-US" sz="1800" dirty="0"/>
+              <a:t> 후기 모음</a:t>
+            </a:r>
+          </a:p>
+        </p:txBody>
+      </p:sp>
+      <p:sp>
+        <p:nvSpPr>
+          <p:cNvPr id="8" name="제목 1">
+            <a:extLst>
+              <a:ext uri="{FF2B5EF4-FFF2-40B4-BE49-F238E27FC236}">
+                <a16:creationId xmlns:a16="http://schemas.microsoft.com/office/drawing/2014/main" id="{2217EAB2-135A-4C95-90EC-D5988BF7159B}"/>
+              </a:ext>
+            </a:extLst>
+          </p:cNvPr>
+          <p:cNvSpPr txBox="1">
+            <a:spLocks/>
+          </p:cNvSpPr>
+          <p:nvPr/>
+        </p:nvSpPr>
+        <p:spPr>
+          <a:xfrm>
+            <a:off x="6794500" y="149225"/>
+            <a:ext cx="5257800" cy="447675"/>
+          </a:xfrm>
+          <a:prstGeom prst="rect">
+            <a:avLst/>
+          </a:prstGeom>
+        </p:spPr>
+        <p:txBody>
+          <a:bodyPr vert="horz" lIns="91440" tIns="45720" rIns="91440" bIns="45720" rtlCol="0" anchor="ctr">
+            <a:normAutofit/>
+          </a:bodyPr>
+          <a:lstStyle>
+            <a:lvl1pPr algn="l" defTabSz="914400" rtl="0" eaLnBrk="1" latinLnBrk="1" hangingPunct="1">
+              <a:lnSpc>
+                <a:spcPct val="90000"/>
+              </a:lnSpc>
+              <a:spcBef>
+                <a:spcPct val="0"/>
+              </a:spcBef>
+              <a:buNone/>
+              <a:defRPr sz="4400" kern="1200">
+                <a:solidFill>
+                  <a:schemeClr val="tx1"/>
+                </a:solidFill>
+                <a:latin typeface="+mj-lt"/>
+                <a:ea typeface="+mj-ea"/>
+                <a:cs typeface="+mj-cs"/>
+              </a:defRPr>
+            </a:lvl1pPr>
+          </a:lstStyle>
+          <a:p>
+            <a:r>
+              <a:rPr lang="ko-KR" altLang="en-US" sz="1800" dirty="0"/>
+              <a:t>화면 경로 </a:t>
+            </a:r>
+            <a:r>
+              <a:rPr lang="en-US" altLang="ko-KR" sz="1800" dirty="0"/>
+              <a:t>: </a:t>
+            </a:r>
+            <a:r>
+              <a:rPr lang="ko-KR" altLang="en-US" sz="1800" dirty="0"/>
+              <a:t>메인</a:t>
+            </a:r>
+            <a:r>
+              <a:rPr lang="en-US" altLang="ko-KR" sz="1800" dirty="0"/>
+              <a:t> &gt; </a:t>
+            </a:r>
+            <a:r>
+              <a:rPr lang="ko-KR" altLang="en-US" sz="1800" dirty="0" err="1"/>
+              <a:t>방탈출</a:t>
+            </a:r>
+            <a:r>
+              <a:rPr lang="ko-KR" altLang="en-US" sz="1800" dirty="0"/>
+              <a:t> 후기</a:t>
+            </a:r>
+          </a:p>
+        </p:txBody>
+      </p:sp>
+      <p:sp>
+        <p:nvSpPr>
+          <p:cNvPr id="11" name="내용 개체 틀 2">
+            <a:extLst>
+              <a:ext uri="{FF2B5EF4-FFF2-40B4-BE49-F238E27FC236}">
+                <a16:creationId xmlns:a16="http://schemas.microsoft.com/office/drawing/2014/main" id="{CB21920D-B511-4870-A1C1-AF30D1F3C078}"/>
+              </a:ext>
+            </a:extLst>
+          </p:cNvPr>
+          <p:cNvSpPr txBox="1">
+            <a:spLocks/>
+          </p:cNvSpPr>
+          <p:nvPr/>
+        </p:nvSpPr>
+        <p:spPr>
+          <a:xfrm>
+            <a:off x="9829800" y="1079500"/>
+            <a:ext cx="2286000" cy="5629275"/>
+          </a:xfrm>
+          <a:prstGeom prst="rect">
+            <a:avLst/>
+          </a:prstGeom>
+        </p:spPr>
+        <p:txBody>
+          <a:bodyPr vert="horz" lIns="91440" tIns="45720" rIns="91440" bIns="45720" rtlCol="0">
+            <a:normAutofit/>
+          </a:bodyPr>
+          <a:lstStyle>
+            <a:lvl1pPr marL="228600" indent="-228600" algn="l" defTabSz="914400" rtl="0" eaLnBrk="1" latinLnBrk="1" hangingPunct="1">
+              <a:lnSpc>
+                <a:spcPct val="90000"/>
+              </a:lnSpc>
+              <a:spcBef>
+                <a:spcPts val="1000"/>
+              </a:spcBef>
+              <a:buFont typeface="Arial" panose="020B0604020202020204" pitchFamily="34" charset="0"/>
+              <a:buChar char="•"/>
+              <a:defRPr sz="2800" kern="1200">
+                <a:solidFill>
+                  <a:schemeClr val="tx1"/>
+                </a:solidFill>
+                <a:latin typeface="+mn-lt"/>
+                <a:ea typeface="+mn-ea"/>
+                <a:cs typeface="+mn-cs"/>
+              </a:defRPr>
+            </a:lvl1pPr>
+            <a:lvl2pPr marL="685800" indent="-228600" algn="l" defTabSz="914400" rtl="0" eaLnBrk="1" latinLnBrk="1" hangingPunct="1">
+              <a:lnSpc>
+                <a:spcPct val="90000"/>
+              </a:lnSpc>
+              <a:spcBef>
+                <a:spcPts val="500"/>
+              </a:spcBef>
+              <a:buFont typeface="Arial" panose="020B0604020202020204" pitchFamily="34" charset="0"/>
+              <a:buChar char="•"/>
+              <a:defRPr sz="2400" kern="1200">
+                <a:solidFill>
+                  <a:schemeClr val="tx1"/>
+                </a:solidFill>
+                <a:latin typeface="+mn-lt"/>
+                <a:ea typeface="+mn-ea"/>
+                <a:cs typeface="+mn-cs"/>
+              </a:defRPr>
+            </a:lvl2pPr>
+            <a:lvl3pPr marL="1143000" indent="-228600" algn="l" defTabSz="914400" rtl="0" eaLnBrk="1" latinLnBrk="1" hangingPunct="1">
+              <a:lnSpc>
+                <a:spcPct val="90000"/>
+              </a:lnSpc>
+              <a:spcBef>
+                <a:spcPts val="500"/>
+              </a:spcBef>
+              <a:buFont typeface="Arial" panose="020B0604020202020204" pitchFamily="34" charset="0"/>
+              <a:buChar char="•"/>
+              <a:defRPr sz="2000" kern="1200">
+                <a:solidFill>
+                  <a:schemeClr val="tx1"/>
+                </a:solidFill>
+                <a:latin typeface="+mn-lt"/>
+                <a:ea typeface="+mn-ea"/>
+                <a:cs typeface="+mn-cs"/>
+              </a:defRPr>
+            </a:lvl3pPr>
+            <a:lvl4pPr marL="1600200" indent="-228600" algn="l" defTabSz="914400" rtl="0" eaLnBrk="1" latinLnBrk="1" hangingPunct="1">
+              <a:lnSpc>
+                <a:spcPct val="90000"/>
+              </a:lnSpc>
+              <a:spcBef>
+                <a:spcPts val="500"/>
+              </a:spcBef>
+              <a:buFont typeface="Arial" panose="020B0604020202020204" pitchFamily="34" charset="0"/>
+              <a:buChar char="•"/>
+              <a:defRPr sz="1800" kern="1200">
+                <a:solidFill>
+                  <a:schemeClr val="tx1"/>
+                </a:solidFill>
+                <a:latin typeface="+mn-lt"/>
+                <a:ea typeface="+mn-ea"/>
+                <a:cs typeface="+mn-cs"/>
+              </a:defRPr>
+            </a:lvl4pPr>
+            <a:lvl5pPr marL="2057400" indent="-228600" algn="l" defTabSz="914400" rtl="0" eaLnBrk="1" latinLnBrk="1" hangingPunct="1">
+              <a:lnSpc>
+                <a:spcPct val="90000"/>
+              </a:lnSpc>
+              <a:spcBef>
+                <a:spcPts val="500"/>
+              </a:spcBef>
+              <a:buFont typeface="Arial" panose="020B0604020202020204" pitchFamily="34" charset="0"/>
+              <a:buChar char="•"/>
+              <a:defRPr sz="1800" kern="1200">
+                <a:solidFill>
+                  <a:schemeClr val="tx1"/>
+                </a:solidFill>
+                <a:latin typeface="+mn-lt"/>
+                <a:ea typeface="+mn-ea"/>
+                <a:cs typeface="+mn-cs"/>
+              </a:defRPr>
+            </a:lvl5pPr>
+            <a:lvl6pPr marL="2514600" indent="-228600" algn="l" defTabSz="914400" rtl="0" eaLnBrk="1" latinLnBrk="1" hangingPunct="1">
+              <a:lnSpc>
+                <a:spcPct val="90000"/>
+              </a:lnSpc>
+              <a:spcBef>
+                <a:spcPts val="500"/>
+              </a:spcBef>
+              <a:buFont typeface="Arial" panose="020B0604020202020204" pitchFamily="34" charset="0"/>
+              <a:buChar char="•"/>
+              <a:defRPr sz="1800" kern="1200">
+                <a:solidFill>
+                  <a:schemeClr val="tx1"/>
+                </a:solidFill>
+                <a:latin typeface="+mn-lt"/>
+                <a:ea typeface="+mn-ea"/>
+                <a:cs typeface="+mn-cs"/>
+              </a:defRPr>
+            </a:lvl6pPr>
+            <a:lvl7pPr marL="2971800" indent="-228600" algn="l" defTabSz="914400" rtl="0" eaLnBrk="1" latinLnBrk="1" hangingPunct="1">
+              <a:lnSpc>
+                <a:spcPct val="90000"/>
+              </a:lnSpc>
+              <a:spcBef>
+                <a:spcPts val="500"/>
+              </a:spcBef>
+              <a:buFont typeface="Arial" panose="020B0604020202020204" pitchFamily="34" charset="0"/>
+              <a:buChar char="•"/>
+              <a:defRPr sz="1800" kern="1200">
+                <a:solidFill>
+                  <a:schemeClr val="tx1"/>
+                </a:solidFill>
+                <a:latin typeface="+mn-lt"/>
+                <a:ea typeface="+mn-ea"/>
+                <a:cs typeface="+mn-cs"/>
+              </a:defRPr>
+            </a:lvl7pPr>
+            <a:lvl8pPr marL="3429000" indent="-228600" algn="l" defTabSz="914400" rtl="0" eaLnBrk="1" latinLnBrk="1" hangingPunct="1">
+              <a:lnSpc>
+                <a:spcPct val="90000"/>
+              </a:lnSpc>
+              <a:spcBef>
+                <a:spcPts val="500"/>
+              </a:spcBef>
+              <a:buFont typeface="Arial" panose="020B0604020202020204" pitchFamily="34" charset="0"/>
+              <a:buChar char="•"/>
+              <a:defRPr sz="1800" kern="1200">
+                <a:solidFill>
+                  <a:schemeClr val="tx1"/>
+                </a:solidFill>
+                <a:latin typeface="+mn-lt"/>
+                <a:ea typeface="+mn-ea"/>
+                <a:cs typeface="+mn-cs"/>
+              </a:defRPr>
+            </a:lvl8pPr>
+            <a:lvl9pPr marL="3886200" indent="-228600" algn="l" defTabSz="914400" rtl="0" eaLnBrk="1" latinLnBrk="1" hangingPunct="1">
+              <a:lnSpc>
+                <a:spcPct val="90000"/>
+              </a:lnSpc>
+              <a:spcBef>
+                <a:spcPts val="500"/>
+              </a:spcBef>
+              <a:buFont typeface="Arial" panose="020B0604020202020204" pitchFamily="34" charset="0"/>
+              <a:buChar char="•"/>
+              <a:defRPr sz="1800" kern="1200">
+                <a:solidFill>
+                  <a:schemeClr val="tx1"/>
+                </a:solidFill>
+                <a:latin typeface="+mn-lt"/>
+                <a:ea typeface="+mn-ea"/>
+                <a:cs typeface="+mn-cs"/>
+              </a:defRPr>
+            </a:lvl9pPr>
+          </a:lstStyle>
+          <a:p>
+            <a:pPr marL="514350" indent="-514350">
+              <a:buFont typeface="Arial" panose="020B0604020202020204" pitchFamily="34" charset="0"/>
+              <a:buAutoNum type="arabicPeriod"/>
+            </a:pPr>
+            <a:r>
+              <a:rPr lang="ko-KR" altLang="en-US" sz="1800" dirty="0"/>
+              <a:t>후기 글</a:t>
+            </a:r>
+            <a:endParaRPr lang="en-US" altLang="ko-KR" sz="1800" dirty="0"/>
+          </a:p>
+          <a:p>
+            <a:pPr marL="457200" lvl="1" indent="0">
+              <a:buNone/>
+            </a:pPr>
+            <a:r>
+              <a:rPr lang="ko-KR" altLang="en-US" sz="1400" dirty="0"/>
+              <a:t>개인이 작성한 후기 글들을 볼 수 있다</a:t>
+            </a:r>
+            <a:r>
+              <a:rPr lang="en-US" altLang="ko-KR" sz="1400" dirty="0"/>
+              <a:t>.</a:t>
+            </a:r>
+          </a:p>
+        </p:txBody>
+      </p:sp>
+      <p:sp>
+        <p:nvSpPr>
+          <p:cNvPr id="12" name="직사각형 11">
+            <a:extLst>
+              <a:ext uri="{FF2B5EF4-FFF2-40B4-BE49-F238E27FC236}">
+                <a16:creationId xmlns:a16="http://schemas.microsoft.com/office/drawing/2014/main" id="{0E1512D7-4412-47A7-83C9-6E40195EEC2C}"/>
+              </a:ext>
+            </a:extLst>
+          </p:cNvPr>
+          <p:cNvSpPr/>
+          <p:nvPr/>
+        </p:nvSpPr>
+        <p:spPr>
+          <a:xfrm>
+            <a:off x="990600" y="876300"/>
+            <a:ext cx="7848600" cy="644525"/>
+          </a:xfrm>
+          <a:prstGeom prst="rect">
+            <a:avLst/>
+          </a:prstGeom>
+          <a:ln>
+            <a:solidFill>
+              <a:schemeClr val="tx1"/>
+            </a:solidFill>
+          </a:ln>
+        </p:spPr>
+        <p:style>
+          <a:lnRef idx="2">
+            <a:schemeClr val="accent6"/>
+          </a:lnRef>
+          <a:fillRef idx="1">
+            <a:schemeClr val="lt1"/>
+          </a:fillRef>
+          <a:effectRef idx="0">
+            <a:schemeClr val="accent6"/>
+          </a:effectRef>
+          <a:fontRef idx="minor">
+            <a:schemeClr val="dk1"/>
+          </a:fontRef>
+        </p:style>
+        <p:txBody>
+          <a:bodyPr rtlCol="0" anchor="ctr"/>
+          <a:lstStyle/>
+          <a:p>
+            <a:pPr algn="ctr"/>
+            <a:r>
+              <a:rPr lang="ko-KR" altLang="en-US" dirty="0"/>
+              <a:t>메뉴</a:t>
+            </a:r>
+          </a:p>
+        </p:txBody>
+      </p:sp>
+      <p:sp>
+        <p:nvSpPr>
+          <p:cNvPr id="13" name="직사각형 12">
+            <a:extLst>
+              <a:ext uri="{FF2B5EF4-FFF2-40B4-BE49-F238E27FC236}">
+                <a16:creationId xmlns:a16="http://schemas.microsoft.com/office/drawing/2014/main" id="{2B71067C-6859-4E98-8557-4709FC924772}"/>
+              </a:ext>
+            </a:extLst>
+          </p:cNvPr>
+          <p:cNvSpPr/>
+          <p:nvPr/>
+        </p:nvSpPr>
+        <p:spPr>
+          <a:xfrm>
+            <a:off x="1041400" y="1701800"/>
+            <a:ext cx="2451100" cy="2352675"/>
+          </a:xfrm>
+          <a:prstGeom prst="rect">
+            <a:avLst/>
+          </a:prstGeom>
+          <a:ln>
+            <a:solidFill>
+              <a:schemeClr val="tx1"/>
+            </a:solidFill>
+          </a:ln>
+        </p:spPr>
+        <p:style>
+          <a:lnRef idx="2">
+            <a:schemeClr val="accent6"/>
+          </a:lnRef>
+          <a:fillRef idx="1">
+            <a:schemeClr val="lt1"/>
+          </a:fillRef>
+          <a:effectRef idx="0">
+            <a:schemeClr val="accent6"/>
+          </a:effectRef>
+          <a:fontRef idx="minor">
+            <a:schemeClr val="dk1"/>
+          </a:fontRef>
+        </p:style>
+        <p:txBody>
+          <a:bodyPr rtlCol="0" anchor="ctr"/>
+          <a:lstStyle/>
+          <a:p>
+            <a:pPr algn="ctr"/>
+            <a:endParaRPr lang="ko-KR" altLang="en-US"/>
+          </a:p>
+        </p:txBody>
+      </p:sp>
+      <p:sp>
+        <p:nvSpPr>
+          <p:cNvPr id="15" name="직사각형 14">
+            <a:extLst>
+              <a:ext uri="{FF2B5EF4-FFF2-40B4-BE49-F238E27FC236}">
+                <a16:creationId xmlns:a16="http://schemas.microsoft.com/office/drawing/2014/main" id="{7EA07260-D7C1-4FD2-BB9F-0194610807AB}"/>
+              </a:ext>
+            </a:extLst>
+          </p:cNvPr>
+          <p:cNvSpPr/>
+          <p:nvPr/>
+        </p:nvSpPr>
+        <p:spPr>
+          <a:xfrm>
+            <a:off x="704850" y="1520825"/>
+            <a:ext cx="571500" cy="539750"/>
+          </a:xfrm>
+          <a:prstGeom prst="rect">
+            <a:avLst/>
+          </a:prstGeom>
+        </p:spPr>
+        <p:style>
+          <a:lnRef idx="2">
+            <a:schemeClr val="dk1">
+              <a:shade val="50000"/>
+            </a:schemeClr>
+          </a:lnRef>
+          <a:fillRef idx="1">
+            <a:schemeClr val="dk1"/>
+          </a:fillRef>
+          <a:effectRef idx="0">
+            <a:schemeClr val="dk1"/>
+          </a:effectRef>
+          <a:fontRef idx="minor">
+            <a:schemeClr val="lt1"/>
+          </a:fontRef>
+        </p:style>
+        <p:txBody>
+          <a:bodyPr rtlCol="0" anchor="ctr"/>
+          <a:lstStyle/>
+          <a:p>
+            <a:pPr algn="ctr"/>
+            <a:r>
+              <a:rPr lang="en-US" altLang="ko-KR" sz="2800" dirty="0"/>
+              <a:t>1</a:t>
+            </a:r>
+            <a:endParaRPr lang="ko-KR" altLang="en-US" sz="2800" dirty="0"/>
+          </a:p>
+        </p:txBody>
+      </p:sp>
+      <p:sp>
+        <p:nvSpPr>
+          <p:cNvPr id="20" name="직사각형 19">
+            <a:extLst>
+              <a:ext uri="{FF2B5EF4-FFF2-40B4-BE49-F238E27FC236}">
+                <a16:creationId xmlns:a16="http://schemas.microsoft.com/office/drawing/2014/main" id="{1F316657-2D28-473C-8B5A-2B3D708C16FA}"/>
+              </a:ext>
+            </a:extLst>
+          </p:cNvPr>
+          <p:cNvSpPr/>
+          <p:nvPr/>
+        </p:nvSpPr>
+        <p:spPr>
+          <a:xfrm>
+            <a:off x="3689350" y="1711325"/>
+            <a:ext cx="2451100" cy="2352675"/>
+          </a:xfrm>
+          <a:prstGeom prst="rect">
+            <a:avLst/>
+          </a:prstGeom>
+          <a:ln>
+            <a:solidFill>
+              <a:schemeClr val="tx1"/>
+            </a:solidFill>
+          </a:ln>
+        </p:spPr>
+        <p:style>
+          <a:lnRef idx="2">
+            <a:schemeClr val="accent6"/>
+          </a:lnRef>
+          <a:fillRef idx="1">
+            <a:schemeClr val="lt1"/>
+          </a:fillRef>
+          <a:effectRef idx="0">
+            <a:schemeClr val="accent6"/>
+          </a:effectRef>
+          <a:fontRef idx="minor">
+            <a:schemeClr val="dk1"/>
+          </a:fontRef>
+        </p:style>
+        <p:txBody>
+          <a:bodyPr rtlCol="0" anchor="ctr"/>
+          <a:lstStyle/>
+          <a:p>
+            <a:pPr algn="ctr"/>
+            <a:endParaRPr lang="ko-KR" altLang="en-US"/>
+          </a:p>
+        </p:txBody>
+      </p:sp>
+      <p:sp>
+        <p:nvSpPr>
+          <p:cNvPr id="21" name="직사각형 20">
+            <a:extLst>
+              <a:ext uri="{FF2B5EF4-FFF2-40B4-BE49-F238E27FC236}">
+                <a16:creationId xmlns:a16="http://schemas.microsoft.com/office/drawing/2014/main" id="{7A399F11-2FCF-452B-A2AF-FB696B1E7D74}"/>
+              </a:ext>
+            </a:extLst>
+          </p:cNvPr>
+          <p:cNvSpPr/>
+          <p:nvPr/>
+        </p:nvSpPr>
+        <p:spPr>
+          <a:xfrm>
+            <a:off x="6330950" y="1701800"/>
+            <a:ext cx="2451100" cy="2352675"/>
+          </a:xfrm>
+          <a:prstGeom prst="rect">
+            <a:avLst/>
+          </a:prstGeom>
+          <a:ln>
+            <a:solidFill>
+              <a:schemeClr val="tx1"/>
+            </a:solidFill>
+          </a:ln>
+        </p:spPr>
+        <p:style>
+          <a:lnRef idx="2">
+            <a:schemeClr val="accent6"/>
+          </a:lnRef>
+          <a:fillRef idx="1">
+            <a:schemeClr val="lt1"/>
+          </a:fillRef>
+          <a:effectRef idx="0">
+            <a:schemeClr val="accent6"/>
+          </a:effectRef>
+          <a:fontRef idx="minor">
+            <a:schemeClr val="dk1"/>
+          </a:fontRef>
+        </p:style>
+        <p:txBody>
+          <a:bodyPr rtlCol="0" anchor="ctr"/>
+          <a:lstStyle/>
+          <a:p>
+            <a:pPr algn="ctr"/>
+            <a:endParaRPr lang="ko-KR" altLang="en-US"/>
+          </a:p>
+        </p:txBody>
+      </p:sp>
+      <p:sp>
+        <p:nvSpPr>
+          <p:cNvPr id="25" name="직사각형 24">
+            <a:extLst>
+              <a:ext uri="{FF2B5EF4-FFF2-40B4-BE49-F238E27FC236}">
+                <a16:creationId xmlns:a16="http://schemas.microsoft.com/office/drawing/2014/main" id="{781583A4-DD9D-4B58-8757-D9423BEB3E5B}"/>
+              </a:ext>
+            </a:extLst>
+          </p:cNvPr>
+          <p:cNvSpPr/>
+          <p:nvPr/>
+        </p:nvSpPr>
+        <p:spPr>
+          <a:xfrm>
+            <a:off x="1022350" y="4235450"/>
+            <a:ext cx="2451100" cy="2352675"/>
+          </a:xfrm>
+          <a:prstGeom prst="rect">
+            <a:avLst/>
+          </a:prstGeom>
+          <a:ln>
+            <a:solidFill>
+              <a:schemeClr val="tx1"/>
+            </a:solidFill>
+          </a:ln>
+        </p:spPr>
+        <p:style>
+          <a:lnRef idx="2">
+            <a:schemeClr val="accent6"/>
+          </a:lnRef>
+          <a:fillRef idx="1">
+            <a:schemeClr val="lt1"/>
+          </a:fillRef>
+          <a:effectRef idx="0">
+            <a:schemeClr val="accent6"/>
+          </a:effectRef>
+          <a:fontRef idx="minor">
+            <a:schemeClr val="dk1"/>
+          </a:fontRef>
+        </p:style>
+        <p:txBody>
+          <a:bodyPr rtlCol="0" anchor="ctr"/>
+          <a:lstStyle/>
+          <a:p>
+            <a:pPr algn="ctr"/>
+            <a:endParaRPr lang="ko-KR" altLang="en-US"/>
+          </a:p>
+        </p:txBody>
+      </p:sp>
+      <p:sp>
+        <p:nvSpPr>
+          <p:cNvPr id="26" name="직사각형 25">
+            <a:extLst>
+              <a:ext uri="{FF2B5EF4-FFF2-40B4-BE49-F238E27FC236}">
+                <a16:creationId xmlns:a16="http://schemas.microsoft.com/office/drawing/2014/main" id="{D47931EB-DE5B-4A2B-B3D2-9E0FB52119FB}"/>
+              </a:ext>
+            </a:extLst>
+          </p:cNvPr>
+          <p:cNvSpPr/>
+          <p:nvPr/>
+        </p:nvSpPr>
+        <p:spPr>
+          <a:xfrm>
+            <a:off x="3670300" y="4244975"/>
+            <a:ext cx="2451100" cy="2352675"/>
+          </a:xfrm>
+          <a:prstGeom prst="rect">
+            <a:avLst/>
+          </a:prstGeom>
+          <a:ln>
+            <a:solidFill>
+              <a:schemeClr val="tx1"/>
+            </a:solidFill>
+          </a:ln>
+        </p:spPr>
+        <p:style>
+          <a:lnRef idx="2">
+            <a:schemeClr val="accent6"/>
+          </a:lnRef>
+          <a:fillRef idx="1">
+            <a:schemeClr val="lt1"/>
+          </a:fillRef>
+          <a:effectRef idx="0">
+            <a:schemeClr val="accent6"/>
+          </a:effectRef>
+          <a:fontRef idx="minor">
+            <a:schemeClr val="dk1"/>
+          </a:fontRef>
+        </p:style>
+        <p:txBody>
+          <a:bodyPr rtlCol="0" anchor="ctr"/>
+          <a:lstStyle/>
+          <a:p>
+            <a:pPr algn="ctr"/>
+            <a:endParaRPr lang="ko-KR" altLang="en-US"/>
+          </a:p>
+        </p:txBody>
+      </p:sp>
+      <p:sp>
+        <p:nvSpPr>
+          <p:cNvPr id="27" name="직사각형 26">
+            <a:extLst>
+              <a:ext uri="{FF2B5EF4-FFF2-40B4-BE49-F238E27FC236}">
+                <a16:creationId xmlns:a16="http://schemas.microsoft.com/office/drawing/2014/main" id="{B1FAE8D3-786D-4B48-9B0B-780E762B9387}"/>
+              </a:ext>
+            </a:extLst>
+          </p:cNvPr>
+          <p:cNvSpPr/>
+          <p:nvPr/>
+        </p:nvSpPr>
+        <p:spPr>
+          <a:xfrm>
+            <a:off x="6311900" y="4235450"/>
+            <a:ext cx="2451100" cy="2352675"/>
+          </a:xfrm>
+          <a:prstGeom prst="rect">
+            <a:avLst/>
+          </a:prstGeom>
+          <a:ln>
+            <a:solidFill>
+              <a:schemeClr val="tx1"/>
+            </a:solidFill>
+          </a:ln>
+        </p:spPr>
+        <p:style>
+          <a:lnRef idx="2">
+            <a:schemeClr val="accent6"/>
+          </a:lnRef>
+          <a:fillRef idx="1">
+            <a:schemeClr val="lt1"/>
+          </a:fillRef>
+          <a:effectRef idx="0">
+            <a:schemeClr val="accent6"/>
+          </a:effectRef>
+          <a:fontRef idx="minor">
+            <a:schemeClr val="dk1"/>
+          </a:fontRef>
+        </p:style>
+        <p:txBody>
+          <a:bodyPr rtlCol="0" anchor="ctr"/>
+          <a:lstStyle/>
+          <a:p>
+            <a:pPr algn="ctr"/>
+            <a:endParaRPr lang="ko-KR" altLang="en-US"/>
+          </a:p>
+        </p:txBody>
+      </p:sp>
+    </p:spTree>
+    <p:extLst>
+      <p:ext uri="{BB962C8B-B14F-4D97-AF65-F5344CB8AC3E}">
+        <p14:creationId xmlns:p14="http://schemas.microsoft.com/office/powerpoint/2010/main" val="1168192616"/>
+      </p:ext>
+    </p:extLst>
+  </p:cSld>
+  <p:clrMapOvr>
+    <a:masterClrMapping/>
+  </p:clrMapOvr>
+</p:sld>
+</file>
+
+<file path=ppt/slides/slide9.xml><?xml version="1.0" encoding="utf-8"?>
+<p:sld xmlns:a="http://schemas.openxmlformats.org/drawingml/2006/main" xmlns:r="http://schemas.openxmlformats.org/officeDocument/2006/relationships" xmlns:p="http://schemas.openxmlformats.org/presentationml/2006/main">
+  <p:cSld>
+    <p:spTree>
+      <p:nvGrpSpPr>
+        <p:cNvPr id="1" name=""/>
+        <p:cNvGrpSpPr/>
+        <p:nvPr/>
+      </p:nvGrpSpPr>
+      <p:grpSpPr>
+        <a:xfrm>
+          <a:off x="0" y="0"/>
+          <a:ext cx="0" cy="0"/>
+          <a:chOff x="0" y="0"/>
+          <a:chExt cx="0" cy="0"/>
+        </a:xfrm>
+      </p:grpSpPr>
+      <p:sp>
+        <p:nvSpPr>
+          <p:cNvPr id="2" name="직사각형 1">
+            <a:extLst>
+              <a:ext uri="{FF2B5EF4-FFF2-40B4-BE49-F238E27FC236}">
+                <a16:creationId xmlns:a16="http://schemas.microsoft.com/office/drawing/2014/main" id="{22314A75-558F-4A4E-83A2-F8C7C6138347}"/>
+              </a:ext>
+            </a:extLst>
+          </p:cNvPr>
+          <p:cNvSpPr/>
+          <p:nvPr/>
+        </p:nvSpPr>
+        <p:spPr>
+          <a:xfrm>
+            <a:off x="2743200" y="762000"/>
+            <a:ext cx="2895600" cy="5946775"/>
+          </a:xfrm>
+          <a:prstGeom prst="rect">
+            <a:avLst/>
+          </a:prstGeom>
+          <a:ln>
+            <a:solidFill>
+              <a:schemeClr val="tx1"/>
+            </a:solidFill>
+          </a:ln>
+        </p:spPr>
+        <p:style>
+          <a:lnRef idx="2">
+            <a:schemeClr val="accent6"/>
+          </a:lnRef>
+          <a:fillRef idx="1">
+            <a:schemeClr val="lt1"/>
+          </a:fillRef>
+          <a:effectRef idx="0">
+            <a:schemeClr val="accent6"/>
+          </a:effectRef>
+          <a:fontRef idx="minor">
+            <a:schemeClr val="dk1"/>
+          </a:fontRef>
+        </p:style>
+        <p:txBody>
+          <a:bodyPr rtlCol="0" anchor="ctr"/>
+          <a:lstStyle/>
+          <a:p>
+            <a:pPr algn="ctr"/>
+            <a:endParaRPr lang="ko-KR" altLang="en-US"/>
+          </a:p>
+        </p:txBody>
+      </p:sp>
+      <p:sp>
+        <p:nvSpPr>
+          <p:cNvPr id="7" name="제목 1">
+            <a:extLst>
+              <a:ext uri="{FF2B5EF4-FFF2-40B4-BE49-F238E27FC236}">
+                <a16:creationId xmlns:a16="http://schemas.microsoft.com/office/drawing/2014/main" id="{837112F6-6876-42C3-82ED-104BF697D101}"/>
+              </a:ext>
+            </a:extLst>
+          </p:cNvPr>
+          <p:cNvSpPr txBox="1">
+            <a:spLocks/>
+          </p:cNvSpPr>
+          <p:nvPr/>
+        </p:nvSpPr>
+        <p:spPr>
+          <a:xfrm>
+            <a:off x="139700" y="149225"/>
+            <a:ext cx="5257800" cy="447675"/>
+          </a:xfrm>
+          <a:prstGeom prst="rect">
+            <a:avLst/>
+          </a:prstGeom>
+        </p:spPr>
+        <p:txBody>
+          <a:bodyPr vert="horz" lIns="91440" tIns="45720" rIns="91440" bIns="45720" rtlCol="0" anchor="ctr">
+            <a:normAutofit/>
+          </a:bodyPr>
+          <a:lstStyle>
+            <a:lvl1pPr algn="l" defTabSz="914400" rtl="0" eaLnBrk="1" latinLnBrk="1" hangingPunct="1">
+              <a:lnSpc>
+                <a:spcPct val="90000"/>
+              </a:lnSpc>
+              <a:spcBef>
+                <a:spcPct val="0"/>
+              </a:spcBef>
+              <a:buNone/>
+              <a:defRPr sz="4400" kern="1200">
+                <a:solidFill>
+                  <a:schemeClr val="tx1"/>
+                </a:solidFill>
+                <a:latin typeface="+mj-lt"/>
+                <a:ea typeface="+mj-ea"/>
+                <a:cs typeface="+mj-cs"/>
+              </a:defRPr>
+            </a:lvl1pPr>
+          </a:lstStyle>
+          <a:p>
+            <a:r>
+              <a:rPr lang="ko-KR" altLang="en-US" sz="1800" dirty="0"/>
+              <a:t>화면 코드 </a:t>
+            </a:r>
+            <a:r>
+              <a:rPr lang="en-US" altLang="ko-KR" sz="1800" dirty="0"/>
+              <a:t>: </a:t>
+            </a:r>
+            <a:r>
+              <a:rPr lang="ko-KR" altLang="en-US" sz="1800" dirty="0" err="1"/>
+              <a:t>방탈출</a:t>
+            </a:r>
+            <a:r>
+              <a:rPr lang="ko-KR" altLang="en-US" sz="1800" dirty="0"/>
+              <a:t> 후기 모음</a:t>
+            </a:r>
+          </a:p>
+        </p:txBody>
+      </p:sp>
+      <p:sp>
+        <p:nvSpPr>
+          <p:cNvPr id="8" name="제목 1">
+            <a:extLst>
+              <a:ext uri="{FF2B5EF4-FFF2-40B4-BE49-F238E27FC236}">
+                <a16:creationId xmlns:a16="http://schemas.microsoft.com/office/drawing/2014/main" id="{2217EAB2-135A-4C95-90EC-D5988BF7159B}"/>
+              </a:ext>
+            </a:extLst>
+          </p:cNvPr>
+          <p:cNvSpPr txBox="1">
+            <a:spLocks/>
+          </p:cNvSpPr>
+          <p:nvPr/>
+        </p:nvSpPr>
+        <p:spPr>
+          <a:xfrm>
+            <a:off x="6794500" y="149225"/>
+            <a:ext cx="5257800" cy="447675"/>
+          </a:xfrm>
+          <a:prstGeom prst="rect">
+            <a:avLst/>
+          </a:prstGeom>
+        </p:spPr>
+        <p:txBody>
+          <a:bodyPr vert="horz" lIns="91440" tIns="45720" rIns="91440" bIns="45720" rtlCol="0" anchor="ctr">
+            <a:normAutofit/>
+          </a:bodyPr>
+          <a:lstStyle>
+            <a:lvl1pPr algn="l" defTabSz="914400" rtl="0" eaLnBrk="1" latinLnBrk="1" hangingPunct="1">
+              <a:lnSpc>
+                <a:spcPct val="90000"/>
+              </a:lnSpc>
+              <a:spcBef>
+                <a:spcPct val="0"/>
+              </a:spcBef>
+              <a:buNone/>
+              <a:defRPr sz="4400" kern="1200">
+                <a:solidFill>
+                  <a:schemeClr val="tx1"/>
+                </a:solidFill>
+                <a:latin typeface="+mj-lt"/>
+                <a:ea typeface="+mj-ea"/>
+                <a:cs typeface="+mj-cs"/>
+              </a:defRPr>
+            </a:lvl1pPr>
+          </a:lstStyle>
+          <a:p>
+            <a:r>
+              <a:rPr lang="ko-KR" altLang="en-US" sz="1800" dirty="0"/>
+              <a:t>화면 경로 </a:t>
+            </a:r>
+            <a:r>
+              <a:rPr lang="en-US" altLang="ko-KR" sz="1800" dirty="0"/>
+              <a:t>: </a:t>
+            </a:r>
+            <a:r>
+              <a:rPr lang="ko-KR" altLang="en-US" sz="1800" dirty="0"/>
+              <a:t>메인</a:t>
+            </a:r>
+            <a:r>
+              <a:rPr lang="en-US" altLang="ko-KR" sz="1800" dirty="0"/>
+              <a:t> &gt; </a:t>
+            </a:r>
+            <a:r>
+              <a:rPr lang="ko-KR" altLang="en-US" sz="1800" dirty="0" err="1"/>
+              <a:t>방탈출</a:t>
+            </a:r>
+            <a:r>
+              <a:rPr lang="ko-KR" altLang="en-US" sz="1800" dirty="0"/>
+              <a:t> 후기</a:t>
+            </a:r>
+          </a:p>
+        </p:txBody>
+      </p:sp>
+      <p:sp>
+        <p:nvSpPr>
+          <p:cNvPr id="11" name="내용 개체 틀 2">
+            <a:extLst>
+              <a:ext uri="{FF2B5EF4-FFF2-40B4-BE49-F238E27FC236}">
+                <a16:creationId xmlns:a16="http://schemas.microsoft.com/office/drawing/2014/main" id="{CB21920D-B511-4870-A1C1-AF30D1F3C078}"/>
+              </a:ext>
+            </a:extLst>
+          </p:cNvPr>
+          <p:cNvSpPr txBox="1">
+            <a:spLocks/>
+          </p:cNvSpPr>
+          <p:nvPr/>
+        </p:nvSpPr>
+        <p:spPr>
+          <a:xfrm>
+            <a:off x="9829800" y="1079500"/>
+            <a:ext cx="2286000" cy="5629275"/>
+          </a:xfrm>
+          <a:prstGeom prst="rect">
+            <a:avLst/>
+          </a:prstGeom>
+        </p:spPr>
+        <p:txBody>
+          <a:bodyPr vert="horz" lIns="91440" tIns="45720" rIns="91440" bIns="45720" rtlCol="0">
+            <a:normAutofit/>
+          </a:bodyPr>
+          <a:lstStyle>
+            <a:lvl1pPr marL="228600" indent="-228600" algn="l" defTabSz="914400" rtl="0" eaLnBrk="1" latinLnBrk="1" hangingPunct="1">
+              <a:lnSpc>
+                <a:spcPct val="90000"/>
+              </a:lnSpc>
+              <a:spcBef>
+                <a:spcPts val="1000"/>
+              </a:spcBef>
+              <a:buFont typeface="Arial" panose="020B0604020202020204" pitchFamily="34" charset="0"/>
+              <a:buChar char="•"/>
+              <a:defRPr sz="2800" kern="1200">
+                <a:solidFill>
+                  <a:schemeClr val="tx1"/>
+                </a:solidFill>
+                <a:latin typeface="+mn-lt"/>
+                <a:ea typeface="+mn-ea"/>
+                <a:cs typeface="+mn-cs"/>
+              </a:defRPr>
+            </a:lvl1pPr>
+            <a:lvl2pPr marL="685800" indent="-228600" algn="l" defTabSz="914400" rtl="0" eaLnBrk="1" latinLnBrk="1" hangingPunct="1">
+              <a:lnSpc>
+                <a:spcPct val="90000"/>
+              </a:lnSpc>
+              <a:spcBef>
+                <a:spcPts val="500"/>
+              </a:spcBef>
+              <a:buFont typeface="Arial" panose="020B0604020202020204" pitchFamily="34" charset="0"/>
+              <a:buChar char="•"/>
+              <a:defRPr sz="2400" kern="1200">
+                <a:solidFill>
+                  <a:schemeClr val="tx1"/>
+                </a:solidFill>
+                <a:latin typeface="+mn-lt"/>
+                <a:ea typeface="+mn-ea"/>
+                <a:cs typeface="+mn-cs"/>
+              </a:defRPr>
+            </a:lvl2pPr>
+            <a:lvl3pPr marL="1143000" indent="-228600" algn="l" defTabSz="914400" rtl="0" eaLnBrk="1" latinLnBrk="1" hangingPunct="1">
+              <a:lnSpc>
+                <a:spcPct val="90000"/>
+              </a:lnSpc>
+              <a:spcBef>
+                <a:spcPts val="500"/>
+              </a:spcBef>
+              <a:buFont typeface="Arial" panose="020B0604020202020204" pitchFamily="34" charset="0"/>
+              <a:buChar char="•"/>
+              <a:defRPr sz="2000" kern="1200">
+                <a:solidFill>
+                  <a:schemeClr val="tx1"/>
+                </a:solidFill>
+                <a:latin typeface="+mn-lt"/>
+                <a:ea typeface="+mn-ea"/>
+                <a:cs typeface="+mn-cs"/>
+              </a:defRPr>
+            </a:lvl3pPr>
+            <a:lvl4pPr marL="1600200" indent="-228600" algn="l" defTabSz="914400" rtl="0" eaLnBrk="1" latinLnBrk="1" hangingPunct="1">
+              <a:lnSpc>
+                <a:spcPct val="90000"/>
+              </a:lnSpc>
+              <a:spcBef>
+                <a:spcPts val="500"/>
+              </a:spcBef>
+              <a:buFont typeface="Arial" panose="020B0604020202020204" pitchFamily="34" charset="0"/>
+              <a:buChar char="•"/>
+              <a:defRPr sz="1800" kern="1200">
+                <a:solidFill>
+                  <a:schemeClr val="tx1"/>
+                </a:solidFill>
+                <a:latin typeface="+mn-lt"/>
+                <a:ea typeface="+mn-ea"/>
+                <a:cs typeface="+mn-cs"/>
+              </a:defRPr>
+            </a:lvl4pPr>
+            <a:lvl5pPr marL="2057400" indent="-228600" algn="l" defTabSz="914400" rtl="0" eaLnBrk="1" latinLnBrk="1" hangingPunct="1">
+              <a:lnSpc>
+                <a:spcPct val="90000"/>
+              </a:lnSpc>
+              <a:spcBef>
+                <a:spcPts val="500"/>
+              </a:spcBef>
+              <a:buFont typeface="Arial" panose="020B0604020202020204" pitchFamily="34" charset="0"/>
+              <a:buChar char="•"/>
+              <a:defRPr sz="1800" kern="1200">
+                <a:solidFill>
+                  <a:schemeClr val="tx1"/>
+                </a:solidFill>
+                <a:latin typeface="+mn-lt"/>
+                <a:ea typeface="+mn-ea"/>
+                <a:cs typeface="+mn-cs"/>
+              </a:defRPr>
+            </a:lvl5pPr>
+            <a:lvl6pPr marL="2514600" indent="-228600" algn="l" defTabSz="914400" rtl="0" eaLnBrk="1" latinLnBrk="1" hangingPunct="1">
+              <a:lnSpc>
+                <a:spcPct val="90000"/>
+              </a:lnSpc>
+              <a:spcBef>
+                <a:spcPts val="500"/>
+              </a:spcBef>
+              <a:buFont typeface="Arial" panose="020B0604020202020204" pitchFamily="34" charset="0"/>
+              <a:buChar char="•"/>
+              <a:defRPr sz="1800" kern="1200">
+                <a:solidFill>
+                  <a:schemeClr val="tx1"/>
+                </a:solidFill>
+                <a:latin typeface="+mn-lt"/>
+                <a:ea typeface="+mn-ea"/>
+                <a:cs typeface="+mn-cs"/>
+              </a:defRPr>
+            </a:lvl6pPr>
+            <a:lvl7pPr marL="2971800" indent="-228600" algn="l" defTabSz="914400" rtl="0" eaLnBrk="1" latinLnBrk="1" hangingPunct="1">
+              <a:lnSpc>
+                <a:spcPct val="90000"/>
+              </a:lnSpc>
+              <a:spcBef>
+                <a:spcPts val="500"/>
+              </a:spcBef>
+              <a:buFont typeface="Arial" panose="020B0604020202020204" pitchFamily="34" charset="0"/>
+              <a:buChar char="•"/>
+              <a:defRPr sz="1800" kern="1200">
+                <a:solidFill>
+                  <a:schemeClr val="tx1"/>
+                </a:solidFill>
+                <a:latin typeface="+mn-lt"/>
+                <a:ea typeface="+mn-ea"/>
+                <a:cs typeface="+mn-cs"/>
+              </a:defRPr>
+            </a:lvl7pPr>
+            <a:lvl8pPr marL="3429000" indent="-228600" algn="l" defTabSz="914400" rtl="0" eaLnBrk="1" latinLnBrk="1" hangingPunct="1">
+              <a:lnSpc>
+                <a:spcPct val="90000"/>
+              </a:lnSpc>
+              <a:spcBef>
+                <a:spcPts val="500"/>
+              </a:spcBef>
+              <a:buFont typeface="Arial" panose="020B0604020202020204" pitchFamily="34" charset="0"/>
+              <a:buChar char="•"/>
+              <a:defRPr sz="1800" kern="1200">
+                <a:solidFill>
+                  <a:schemeClr val="tx1"/>
+                </a:solidFill>
+                <a:latin typeface="+mn-lt"/>
+                <a:ea typeface="+mn-ea"/>
+                <a:cs typeface="+mn-cs"/>
+              </a:defRPr>
+            </a:lvl8pPr>
+            <a:lvl9pPr marL="3886200" indent="-228600" algn="l" defTabSz="914400" rtl="0" eaLnBrk="1" latinLnBrk="1" hangingPunct="1">
+              <a:lnSpc>
+                <a:spcPct val="90000"/>
+              </a:lnSpc>
+              <a:spcBef>
+                <a:spcPts val="500"/>
+              </a:spcBef>
+              <a:buFont typeface="Arial" panose="020B0604020202020204" pitchFamily="34" charset="0"/>
+              <a:buChar char="•"/>
+              <a:defRPr sz="1800" kern="1200">
+                <a:solidFill>
+                  <a:schemeClr val="tx1"/>
+                </a:solidFill>
+                <a:latin typeface="+mn-lt"/>
+                <a:ea typeface="+mn-ea"/>
+                <a:cs typeface="+mn-cs"/>
+              </a:defRPr>
+            </a:lvl9pPr>
+          </a:lstStyle>
+          <a:p>
+            <a:pPr marL="0" indent="0" algn="r">
+              <a:buFont typeface="Arial" panose="020B0604020202020204" pitchFamily="34" charset="0"/>
+              <a:buNone/>
+            </a:pPr>
+            <a:r>
+              <a:rPr lang="ko-KR" altLang="en-US" sz="1800" dirty="0"/>
+              <a:t>모바일 버전</a:t>
+            </a:r>
+            <a:endParaRPr lang="en-US" altLang="ko-KR" sz="1800" dirty="0"/>
+          </a:p>
+          <a:p>
+            <a:pPr marL="514350" indent="-514350">
+              <a:buFont typeface="Arial" panose="020B0604020202020204" pitchFamily="34" charset="0"/>
+              <a:buAutoNum type="arabicPeriod"/>
+            </a:pPr>
+            <a:r>
+              <a:rPr lang="ko-KR" altLang="en-US" sz="1800" dirty="0"/>
+              <a:t>후기 글</a:t>
+            </a:r>
+            <a:endParaRPr lang="en-US" altLang="ko-KR" sz="1800" dirty="0"/>
+          </a:p>
+          <a:p>
+            <a:pPr marL="457200" lvl="1" indent="0">
+              <a:buNone/>
+            </a:pPr>
+            <a:r>
+              <a:rPr lang="ko-KR" altLang="en-US" sz="1400" dirty="0"/>
+              <a:t>일렬로 나열된다</a:t>
+            </a:r>
+            <a:r>
+              <a:rPr lang="en-US" altLang="ko-KR" sz="1400" dirty="0"/>
+              <a:t>.</a:t>
+            </a:r>
+          </a:p>
+        </p:txBody>
+      </p:sp>
+      <p:sp>
+        <p:nvSpPr>
+          <p:cNvPr id="12" name="직사각형 11">
+            <a:extLst>
+              <a:ext uri="{FF2B5EF4-FFF2-40B4-BE49-F238E27FC236}">
+                <a16:creationId xmlns:a16="http://schemas.microsoft.com/office/drawing/2014/main" id="{0E1512D7-4412-47A7-83C9-6E40195EEC2C}"/>
+              </a:ext>
+            </a:extLst>
+          </p:cNvPr>
+          <p:cNvSpPr/>
+          <p:nvPr/>
+        </p:nvSpPr>
+        <p:spPr>
+          <a:xfrm>
+            <a:off x="2743200" y="765175"/>
+            <a:ext cx="2895600" cy="1438275"/>
+          </a:xfrm>
+          <a:prstGeom prst="rect">
+            <a:avLst/>
+          </a:prstGeom>
+          <a:ln>
+            <a:solidFill>
+              <a:schemeClr val="tx1"/>
+            </a:solidFill>
+          </a:ln>
+        </p:spPr>
+        <p:style>
+          <a:lnRef idx="2">
+            <a:schemeClr val="accent6"/>
+          </a:lnRef>
+          <a:fillRef idx="1">
+            <a:schemeClr val="lt1"/>
+          </a:fillRef>
+          <a:effectRef idx="0">
+            <a:schemeClr val="accent6"/>
+          </a:effectRef>
+          <a:fontRef idx="minor">
+            <a:schemeClr val="dk1"/>
+          </a:fontRef>
+        </p:style>
+        <p:txBody>
+          <a:bodyPr rtlCol="0" anchor="ctr"/>
+          <a:lstStyle/>
+          <a:p>
+            <a:pPr algn="ctr"/>
+            <a:r>
+              <a:rPr lang="ko-KR" altLang="en-US" dirty="0"/>
+              <a:t>메뉴</a:t>
+            </a:r>
+          </a:p>
+        </p:txBody>
+      </p:sp>
+      <p:sp>
+        <p:nvSpPr>
+          <p:cNvPr id="20" name="직사각형 19">
+            <a:extLst>
+              <a:ext uri="{FF2B5EF4-FFF2-40B4-BE49-F238E27FC236}">
+                <a16:creationId xmlns:a16="http://schemas.microsoft.com/office/drawing/2014/main" id="{1F316657-2D28-473C-8B5A-2B3D708C16FA}"/>
+              </a:ext>
+            </a:extLst>
+          </p:cNvPr>
+          <p:cNvSpPr/>
+          <p:nvPr/>
+        </p:nvSpPr>
+        <p:spPr>
+          <a:xfrm>
+            <a:off x="3289300" y="2368550"/>
+            <a:ext cx="1847850" cy="1958975"/>
+          </a:xfrm>
+          <a:prstGeom prst="rect">
+            <a:avLst/>
+          </a:prstGeom>
+          <a:ln>
+            <a:solidFill>
+              <a:schemeClr val="tx1"/>
+            </a:solidFill>
+          </a:ln>
+        </p:spPr>
+        <p:style>
+          <a:lnRef idx="2">
+            <a:schemeClr val="accent6"/>
+          </a:lnRef>
+          <a:fillRef idx="1">
+            <a:schemeClr val="lt1"/>
+          </a:fillRef>
+          <a:effectRef idx="0">
+            <a:schemeClr val="accent6"/>
+          </a:effectRef>
+          <a:fontRef idx="minor">
+            <a:schemeClr val="dk1"/>
+          </a:fontRef>
+        </p:style>
+        <p:txBody>
+          <a:bodyPr rtlCol="0" anchor="ctr"/>
+          <a:lstStyle/>
+          <a:p>
+            <a:pPr algn="ctr"/>
+            <a:endParaRPr lang="ko-KR" altLang="en-US"/>
+          </a:p>
+        </p:txBody>
+      </p:sp>
+      <p:sp>
+        <p:nvSpPr>
+          <p:cNvPr id="14" name="직사각형 13">
+            <a:extLst>
+              <a:ext uri="{FF2B5EF4-FFF2-40B4-BE49-F238E27FC236}">
+                <a16:creationId xmlns:a16="http://schemas.microsoft.com/office/drawing/2014/main" id="{FA4EB09D-B8DB-4EE8-8E81-A584E4AEF47A}"/>
+              </a:ext>
+            </a:extLst>
+          </p:cNvPr>
+          <p:cNvSpPr/>
+          <p:nvPr/>
+        </p:nvSpPr>
+        <p:spPr>
+          <a:xfrm>
+            <a:off x="3289300" y="4486275"/>
+            <a:ext cx="1847850" cy="1958975"/>
+          </a:xfrm>
+          <a:prstGeom prst="rect">
+            <a:avLst/>
+          </a:prstGeom>
+          <a:ln>
+            <a:solidFill>
+              <a:schemeClr val="tx1"/>
+            </a:solidFill>
+          </a:ln>
+        </p:spPr>
+        <p:style>
+          <a:lnRef idx="2">
+            <a:schemeClr val="accent6"/>
+          </a:lnRef>
+          <a:fillRef idx="1">
+            <a:schemeClr val="lt1"/>
+          </a:fillRef>
+          <a:effectRef idx="0">
+            <a:schemeClr val="accent6"/>
+          </a:effectRef>
+          <a:fontRef idx="minor">
+            <a:schemeClr val="dk1"/>
+          </a:fontRef>
+        </p:style>
+        <p:txBody>
+          <a:bodyPr rtlCol="0" anchor="ctr"/>
+          <a:lstStyle/>
+          <a:p>
+            <a:pPr algn="ctr"/>
+            <a:endParaRPr lang="ko-KR" altLang="en-US"/>
+          </a:p>
+        </p:txBody>
+      </p:sp>
+      <p:sp>
+        <p:nvSpPr>
+          <p:cNvPr id="15" name="직사각형 14">
+            <a:extLst>
+              <a:ext uri="{FF2B5EF4-FFF2-40B4-BE49-F238E27FC236}">
+                <a16:creationId xmlns:a16="http://schemas.microsoft.com/office/drawing/2014/main" id="{7EA07260-D7C1-4FD2-BB9F-0194610807AB}"/>
+              </a:ext>
+            </a:extLst>
+          </p:cNvPr>
+          <p:cNvSpPr/>
+          <p:nvPr/>
+        </p:nvSpPr>
+        <p:spPr>
+          <a:xfrm>
+            <a:off x="3003550" y="2309812"/>
+            <a:ext cx="571500" cy="539750"/>
+          </a:xfrm>
+          <a:prstGeom prst="rect">
+            <a:avLst/>
+          </a:prstGeom>
+        </p:spPr>
+        <p:style>
+          <a:lnRef idx="2">
+            <a:schemeClr val="dk1">
+              <a:shade val="50000"/>
+            </a:schemeClr>
+          </a:lnRef>
+          <a:fillRef idx="1">
+            <a:schemeClr val="dk1"/>
+          </a:fillRef>
+          <a:effectRef idx="0">
+            <a:schemeClr val="dk1"/>
+          </a:effectRef>
+          <a:fontRef idx="minor">
+            <a:schemeClr val="lt1"/>
+          </a:fontRef>
+        </p:style>
+        <p:txBody>
+          <a:bodyPr rtlCol="0" anchor="ctr"/>
+          <a:lstStyle/>
+          <a:p>
+            <a:pPr algn="ctr"/>
+            <a:r>
+              <a:rPr lang="en-US" altLang="ko-KR" sz="2800" dirty="0"/>
+              <a:t>1</a:t>
+            </a:r>
+            <a:endParaRPr lang="ko-KR" altLang="en-US" sz="2800" dirty="0"/>
+          </a:p>
+        </p:txBody>
+      </p:sp>
+    </p:spTree>
+    <p:extLst>
+      <p:ext uri="{BB962C8B-B14F-4D97-AF65-F5344CB8AC3E}">
+        <p14:creationId xmlns:p14="http://schemas.microsoft.com/office/powerpoint/2010/main" val="1456173266"/>
       </p:ext>
     </p:extLst>
   </p:cSld>
